--- a/17_NonParametricTests/17-Roudaut-NonParametric-50min.pptx
+++ b/17_NonParametricTests/17-Roudaut-NonParametric-50min.pptx
@@ -552,14 +552,14 @@
           </a:ln>
           <a:extLst>
             <a:ext uri="{909E8E84-426E-40dd-AFC4-6F175D3DCCD1}">
-              <a14:hiddenFill xmlns="" xmlns:a14="http://schemas.microsoft.com/office/drawing/2010/main">
+              <a14:hiddenFill xmlns:a14="http://schemas.microsoft.com/office/drawing/2010/main" xmlns="">
                 <a:solidFill>
                   <a:srgbClr val="FFFFFF"/>
                 </a:solidFill>
               </a14:hiddenFill>
             </a:ext>
             <a:ext uri="{FAA26D3D-D897-4be2-8F04-BA451C77F1D7}">
-              <ma14:placeholderFlag xmlns="" xmlns:ma14="http://schemas.microsoft.com/office/mac/drawingml/2011/main" val="1"/>
+              <ma14:placeholderFlag xmlns:ma14="http://schemas.microsoft.com/office/mac/drawingml/2011/main" xmlns="" val="1"/>
             </a:ext>
           </a:extLst>
         </p:spPr>
@@ -1123,14 +1123,14 @@
           <a:ln/>
           <a:extLst>
             <a:ext uri="{909E8E84-426E-40dd-AFC4-6F175D3DCCD1}">
-              <a14:hiddenFill xmlns="" xmlns:a14="http://schemas.microsoft.com/office/drawing/2010/main">
+              <a14:hiddenFill xmlns:a14="http://schemas.microsoft.com/office/drawing/2010/main" xmlns="">
                 <a:solidFill>
                   <a:srgbClr val="FFFFFF"/>
                 </a:solidFill>
               </a14:hiddenFill>
             </a:ext>
             <a:ext uri="{91240B29-F687-4f45-9708-019B960494DF}">
-              <a14:hiddenLine xmlns="" xmlns:a14="http://schemas.microsoft.com/office/drawing/2010/main" w="9525">
+              <a14:hiddenLine xmlns:a14="http://schemas.microsoft.com/office/drawing/2010/main" xmlns="" w="9525">
                 <a:solidFill>
                   <a:srgbClr val="000000"/>
                 </a:solidFill>
@@ -1140,7 +1140,7 @@
               </a14:hiddenLine>
             </a:ext>
             <a:ext uri="{FAA26D3D-D897-4be2-8F04-BA451C77F1D7}">
-              <ma14:placeholderFlag xmlns="" xmlns:ma14="http://schemas.microsoft.com/office/mac/drawingml/2011/main" val="1"/>
+              <ma14:placeholderFlag xmlns:ma14="http://schemas.microsoft.com/office/mac/drawingml/2011/main" xmlns="" val="1"/>
             </a:ext>
           </a:extLst>
         </p:spPr>
@@ -3437,14 +3437,14 @@
           </a:ln>
           <a:extLst>
             <a:ext uri="{909E8E84-426E-40dd-AFC4-6F175D3DCCD1}">
-              <a14:hiddenFill xmlns="" xmlns:a14="http://schemas.microsoft.com/office/drawing/2010/main">
+              <a14:hiddenFill xmlns:a14="http://schemas.microsoft.com/office/drawing/2010/main" xmlns="">
                 <a:solidFill>
                   <a:srgbClr val="FFFFFF"/>
                 </a:solidFill>
               </a14:hiddenFill>
             </a:ext>
             <a:ext uri="{91240B29-F687-4f45-9708-019B960494DF}">
-              <a14:hiddenLine xmlns="" xmlns:a14="http://schemas.microsoft.com/office/drawing/2010/main" w="9525">
+              <a14:hiddenLine xmlns:a14="http://schemas.microsoft.com/office/drawing/2010/main" xmlns="" w="9525">
                 <a:solidFill>
                   <a:srgbClr val="000000"/>
                 </a:solidFill>
@@ -3454,7 +3454,7 @@
               </a14:hiddenLine>
             </a:ext>
             <a:ext uri="{FAA26D3D-D897-4be2-8F04-BA451C77F1D7}">
-              <ma14:placeholderFlag xmlns="" xmlns:ma14="http://schemas.microsoft.com/office/mac/drawingml/2011/main" val="1"/>
+              <ma14:placeholderFlag xmlns:ma14="http://schemas.microsoft.com/office/mac/drawingml/2011/main" xmlns="" val="1"/>
             </a:ext>
           </a:extLst>
         </p:spPr>
@@ -3498,14 +3498,14 @@
           </a:ln>
           <a:extLst>
             <a:ext uri="{909E8E84-426E-40dd-AFC4-6F175D3DCCD1}">
-              <a14:hiddenFill xmlns="" xmlns:a14="http://schemas.microsoft.com/office/drawing/2010/main">
+              <a14:hiddenFill xmlns:a14="http://schemas.microsoft.com/office/drawing/2010/main" xmlns="">
                 <a:solidFill>
                   <a:srgbClr val="FFFFFF"/>
                 </a:solidFill>
               </a14:hiddenFill>
             </a:ext>
             <a:ext uri="{91240B29-F687-4f45-9708-019B960494DF}">
-              <a14:hiddenLine xmlns="" xmlns:a14="http://schemas.microsoft.com/office/drawing/2010/main" w="9525">
+              <a14:hiddenLine xmlns:a14="http://schemas.microsoft.com/office/drawing/2010/main" xmlns="" w="9525">
                 <a:solidFill>
                   <a:srgbClr val="000000"/>
                 </a:solidFill>
@@ -3515,7 +3515,7 @@
               </a14:hiddenLine>
             </a:ext>
             <a:ext uri="{FAA26D3D-D897-4be2-8F04-BA451C77F1D7}">
-              <ma14:placeholderFlag xmlns="" xmlns:ma14="http://schemas.microsoft.com/office/mac/drawingml/2011/main" val="1"/>
+              <ma14:placeholderFlag xmlns:ma14="http://schemas.microsoft.com/office/mac/drawingml/2011/main" xmlns="" val="1"/>
             </a:ext>
           </a:extLst>
         </p:spPr>
@@ -4069,14 +4069,14 @@
           </a:ln>
           <a:extLst>
             <a:ext uri="{909E8E84-426E-40dd-AFC4-6F175D3DCCD1}">
-              <a14:hiddenFill xmlns="" xmlns:a14="http://schemas.microsoft.com/office/drawing/2010/main">
+              <a14:hiddenFill xmlns:a14="http://schemas.microsoft.com/office/drawing/2010/main" xmlns="">
                 <a:solidFill>
                   <a:srgbClr val="FFFFFF"/>
                 </a:solidFill>
               </a14:hiddenFill>
             </a:ext>
             <a:ext uri="{91240B29-F687-4f45-9708-019B960494DF}">
-              <a14:hiddenLine xmlns="" xmlns:a14="http://schemas.microsoft.com/office/drawing/2010/main" w="9525">
+              <a14:hiddenLine xmlns:a14="http://schemas.microsoft.com/office/drawing/2010/main" xmlns="" w="9525">
                 <a:solidFill>
                   <a:srgbClr val="000000"/>
                 </a:solidFill>
@@ -4358,14 +4358,14 @@
           </a:ln>
           <a:extLst>
             <a:ext uri="{909E8E84-426E-40dd-AFC4-6F175D3DCCD1}">
-              <a14:hiddenFill xmlns="" xmlns:a14="http://schemas.microsoft.com/office/drawing/2010/main">
+              <a14:hiddenFill xmlns:a14="http://schemas.microsoft.com/office/drawing/2010/main" xmlns="">
                 <a:solidFill>
                   <a:srgbClr val="FFFFFF"/>
                 </a:solidFill>
               </a14:hiddenFill>
             </a:ext>
             <a:ext uri="{91240B29-F687-4f45-9708-019B960494DF}">
-              <a14:hiddenLine xmlns="" xmlns:a14="http://schemas.microsoft.com/office/drawing/2010/main" w="12700">
+              <a14:hiddenLine xmlns:a14="http://schemas.microsoft.com/office/drawing/2010/main" xmlns="" w="12700">
                 <a:solidFill>
                   <a:schemeClr val="tx1"/>
                 </a:solidFill>
@@ -4472,7 +4472,7 @@
           </a:ln>
           <a:extLst>
             <a:ext uri="{909E8E84-426E-40dd-AFC4-6F175D3DCCD1}">
-              <a14:hiddenFill xmlns="" xmlns:a14="http://schemas.microsoft.com/office/drawing/2010/main">
+              <a14:hiddenFill xmlns:a14="http://schemas.microsoft.com/office/drawing/2010/main" xmlns="">
                 <a:solidFill>
                   <a:srgbClr val="FFFFFF"/>
                 </a:solidFill>
@@ -4510,14 +4510,14 @@
           </a:ln>
           <a:extLst>
             <a:ext uri="{909E8E84-426E-40dd-AFC4-6F175D3DCCD1}">
-              <a14:hiddenFill xmlns="" xmlns:a14="http://schemas.microsoft.com/office/drawing/2010/main">
+              <a14:hiddenFill xmlns:a14="http://schemas.microsoft.com/office/drawing/2010/main" xmlns="">
                 <a:solidFill>
                   <a:srgbClr val="FFFFFF"/>
                 </a:solidFill>
               </a14:hiddenFill>
             </a:ext>
             <a:ext uri="{91240B29-F687-4f45-9708-019B960494DF}">
-              <a14:hiddenLine xmlns="" xmlns:a14="http://schemas.microsoft.com/office/drawing/2010/main" w="12700">
+              <a14:hiddenLine xmlns:a14="http://schemas.microsoft.com/office/drawing/2010/main" xmlns="" w="12700">
                 <a:solidFill>
                   <a:schemeClr val="tx1"/>
                 </a:solidFill>
@@ -4757,14 +4757,14 @@
           </a:ln>
           <a:extLst>
             <a:ext uri="{909E8E84-426E-40dd-AFC4-6F175D3DCCD1}">
-              <a14:hiddenFill xmlns:a14="http://schemas.microsoft.com/office/drawing/2010/main" xmlns="">
+              <a14:hiddenFill xmlns="" xmlns:a14="http://schemas.microsoft.com/office/drawing/2010/main">
                 <a:solidFill>
                   <a:srgbClr val="FFFFFF"/>
                 </a:solidFill>
               </a14:hiddenFill>
             </a:ext>
             <a:ext uri="{91240B29-F687-4f45-9708-019B960494DF}">
-              <a14:hiddenLine xmlns:a14="http://schemas.microsoft.com/office/drawing/2010/main" xmlns="" w="9525">
+              <a14:hiddenLine xmlns="" xmlns:a14="http://schemas.microsoft.com/office/drawing/2010/main" w="9525">
                 <a:solidFill>
                   <a:srgbClr val="000000"/>
                 </a:solidFill>
@@ -4774,7 +4774,7 @@
               </a14:hiddenLine>
             </a:ext>
             <a:ext uri="{FAA26D3D-D897-4be2-8F04-BA451C77F1D7}">
-              <ma14:placeholderFlag xmlns:ma14="http://schemas.microsoft.com/office/mac/drawingml/2011/main" xmlns="" val="1"/>
+              <ma14:placeholderFlag xmlns="" xmlns:ma14="http://schemas.microsoft.com/office/mac/drawingml/2011/main" val="1"/>
             </a:ext>
           </a:extLst>
         </p:spPr>
@@ -5192,14 +5192,14 @@
           </a:ln>
           <a:extLst>
             <a:ext uri="{909E8E84-426E-40dd-AFC4-6F175D3DCCD1}">
-              <a14:hiddenFill xmlns:a14="http://schemas.microsoft.com/office/drawing/2010/main" xmlns="">
+              <a14:hiddenFill xmlns="" xmlns:a14="http://schemas.microsoft.com/office/drawing/2010/main">
                 <a:solidFill>
                   <a:srgbClr val="FFFFFF"/>
                 </a:solidFill>
               </a14:hiddenFill>
             </a:ext>
             <a:ext uri="{91240B29-F687-4f45-9708-019B960494DF}">
-              <a14:hiddenLine xmlns:a14="http://schemas.microsoft.com/office/drawing/2010/main" xmlns="" w="9525">
+              <a14:hiddenLine xmlns="" xmlns:a14="http://schemas.microsoft.com/office/drawing/2010/main" w="9525">
                 <a:solidFill>
                   <a:srgbClr val="000000"/>
                 </a:solidFill>
@@ -5209,7 +5209,7 @@
               </a14:hiddenLine>
             </a:ext>
             <a:ext uri="{FAA26D3D-D897-4be2-8F04-BA451C77F1D7}">
-              <ma14:placeholderFlag xmlns:ma14="http://schemas.microsoft.com/office/mac/drawingml/2011/main" xmlns="" val="1"/>
+              <ma14:placeholderFlag xmlns="" xmlns:ma14="http://schemas.microsoft.com/office/mac/drawingml/2011/main" val="1"/>
             </a:ext>
           </a:extLst>
         </p:spPr>
@@ -5942,14 +5942,14 @@
           </a:ln>
           <a:extLst>
             <a:ext uri="{909E8E84-426E-40dd-AFC4-6F175D3DCCD1}">
-              <a14:hiddenFill xmlns:a14="http://schemas.microsoft.com/office/drawing/2010/main" xmlns="">
+              <a14:hiddenFill xmlns="" xmlns:a14="http://schemas.microsoft.com/office/drawing/2010/main">
                 <a:solidFill>
                   <a:srgbClr val="FFFFFF"/>
                 </a:solidFill>
               </a14:hiddenFill>
             </a:ext>
             <a:ext uri="{91240B29-F687-4f45-9708-019B960494DF}">
-              <a14:hiddenLine xmlns:a14="http://schemas.microsoft.com/office/drawing/2010/main" xmlns="" w="9525">
+              <a14:hiddenLine xmlns="" xmlns:a14="http://schemas.microsoft.com/office/drawing/2010/main" w="9525">
                 <a:solidFill>
                   <a:srgbClr val="000000"/>
                 </a:solidFill>
@@ -5959,7 +5959,7 @@
               </a14:hiddenLine>
             </a:ext>
             <a:ext uri="{FAA26D3D-D897-4be2-8F04-BA451C77F1D7}">
-              <ma14:placeholderFlag xmlns:ma14="http://schemas.microsoft.com/office/mac/drawingml/2011/main" xmlns="" val="1"/>
+              <ma14:placeholderFlag xmlns="" xmlns:ma14="http://schemas.microsoft.com/office/mac/drawingml/2011/main" val="1"/>
             </a:ext>
           </a:extLst>
         </p:spPr>
@@ -6326,14 +6326,14 @@
           </a:ln>
           <a:extLst>
             <a:ext uri="{909E8E84-426E-40dd-AFC4-6F175D3DCCD1}">
-              <a14:hiddenFill xmlns:a14="http://schemas.microsoft.com/office/drawing/2010/main" xmlns="">
+              <a14:hiddenFill xmlns="" xmlns:a14="http://schemas.microsoft.com/office/drawing/2010/main">
                 <a:solidFill>
                   <a:srgbClr val="FFFFFF"/>
                 </a:solidFill>
               </a14:hiddenFill>
             </a:ext>
             <a:ext uri="{91240B29-F687-4f45-9708-019B960494DF}">
-              <a14:hiddenLine xmlns:a14="http://schemas.microsoft.com/office/drawing/2010/main" xmlns="" w="9525">
+              <a14:hiddenLine xmlns="" xmlns:a14="http://schemas.microsoft.com/office/drawing/2010/main" w="9525">
                 <a:solidFill>
                   <a:srgbClr val="000000"/>
                 </a:solidFill>
@@ -6343,7 +6343,7 @@
               </a14:hiddenLine>
             </a:ext>
             <a:ext uri="{FAA26D3D-D897-4be2-8F04-BA451C77F1D7}">
-              <ma14:placeholderFlag xmlns:ma14="http://schemas.microsoft.com/office/mac/drawingml/2011/main" xmlns="" val="1"/>
+              <ma14:placeholderFlag xmlns="" xmlns:ma14="http://schemas.microsoft.com/office/mac/drawingml/2011/main" val="1"/>
             </a:ext>
           </a:extLst>
         </p:spPr>
@@ -6585,14 +6585,14 @@
           </a:ln>
           <a:extLst>
             <a:ext uri="{909E8E84-426E-40dd-AFC4-6F175D3DCCD1}">
-              <a14:hiddenFill xmlns:a14="http://schemas.microsoft.com/office/drawing/2010/main" xmlns="">
+              <a14:hiddenFill xmlns="" xmlns:a14="http://schemas.microsoft.com/office/drawing/2010/main">
                 <a:solidFill>
                   <a:srgbClr val="FFFFFF"/>
                 </a:solidFill>
               </a14:hiddenFill>
             </a:ext>
             <a:ext uri="{91240B29-F687-4f45-9708-019B960494DF}">
-              <a14:hiddenLine xmlns:a14="http://schemas.microsoft.com/office/drawing/2010/main" xmlns="" w="9525">
+              <a14:hiddenLine xmlns="" xmlns:a14="http://schemas.microsoft.com/office/drawing/2010/main" w="9525">
                 <a:solidFill>
                   <a:srgbClr val="000000"/>
                 </a:solidFill>
@@ -6602,7 +6602,7 @@
               </a14:hiddenLine>
             </a:ext>
             <a:ext uri="{FAA26D3D-D897-4be2-8F04-BA451C77F1D7}">
-              <ma14:placeholderFlag xmlns:ma14="http://schemas.microsoft.com/office/mac/drawingml/2011/main" xmlns="" val="1"/>
+              <ma14:placeholderFlag xmlns="" xmlns:ma14="http://schemas.microsoft.com/office/mac/drawingml/2011/main" val="1"/>
             </a:ext>
           </a:extLst>
         </p:spPr>
@@ -7606,14 +7606,14 @@
           </a:ln>
           <a:extLst>
             <a:ext uri="{909E8E84-426E-40dd-AFC4-6F175D3DCCD1}">
-              <a14:hiddenFill xmlns:a14="http://schemas.microsoft.com/office/drawing/2010/main" xmlns="">
+              <a14:hiddenFill xmlns="" xmlns:a14="http://schemas.microsoft.com/office/drawing/2010/main">
                 <a:solidFill>
                   <a:srgbClr val="FFFFFF"/>
                 </a:solidFill>
               </a14:hiddenFill>
             </a:ext>
             <a:ext uri="{91240B29-F687-4f45-9708-019B960494DF}">
-              <a14:hiddenLine xmlns:a14="http://schemas.microsoft.com/office/drawing/2010/main" xmlns="" w="9525">
+              <a14:hiddenLine xmlns="" xmlns:a14="http://schemas.microsoft.com/office/drawing/2010/main" w="9525">
                 <a:solidFill>
                   <a:srgbClr val="000000"/>
                 </a:solidFill>
@@ -7623,7 +7623,7 @@
               </a14:hiddenLine>
             </a:ext>
             <a:ext uri="{FAA26D3D-D897-4be2-8F04-BA451C77F1D7}">
-              <ma14:placeholderFlag xmlns:ma14="http://schemas.microsoft.com/office/mac/drawingml/2011/main" xmlns="" val="1"/>
+              <ma14:placeholderFlag xmlns="" xmlns:ma14="http://schemas.microsoft.com/office/mac/drawingml/2011/main" val="1"/>
             </a:ext>
           </a:extLst>
         </p:spPr>
@@ -7919,14 +7919,14 @@
           </a:ln>
           <a:extLst>
             <a:ext uri="{909E8E84-426E-40dd-AFC4-6F175D3DCCD1}">
-              <a14:hiddenFill xmlns:a14="http://schemas.microsoft.com/office/drawing/2010/main" xmlns="">
+              <a14:hiddenFill xmlns="" xmlns:a14="http://schemas.microsoft.com/office/drawing/2010/main">
                 <a:solidFill>
                   <a:srgbClr val="FFFFFF"/>
                 </a:solidFill>
               </a14:hiddenFill>
             </a:ext>
             <a:ext uri="{91240B29-F687-4f45-9708-019B960494DF}">
-              <a14:hiddenLine xmlns:a14="http://schemas.microsoft.com/office/drawing/2010/main" xmlns="" w="9525">
+              <a14:hiddenLine xmlns="" xmlns:a14="http://schemas.microsoft.com/office/drawing/2010/main" w="9525">
                 <a:solidFill>
                   <a:srgbClr val="000000"/>
                 </a:solidFill>
@@ -7936,7 +7936,7 @@
               </a14:hiddenLine>
             </a:ext>
             <a:ext uri="{FAA26D3D-D897-4be2-8F04-BA451C77F1D7}">
-              <ma14:placeholderFlag xmlns:ma14="http://schemas.microsoft.com/office/mac/drawingml/2011/main" xmlns="" val="1"/>
+              <ma14:placeholderFlag xmlns="" xmlns:ma14="http://schemas.microsoft.com/office/mac/drawingml/2011/main" val="1"/>
             </a:ext>
           </a:extLst>
         </p:spPr>
@@ -8243,14 +8243,14 @@
             </a:ln>
             <a:extLst>
               <a:ext uri="{909E8E84-426E-40dd-AFC4-6F175D3DCCD1}">
-                <a14:hiddenFill xmlns:a14="http://schemas.microsoft.com/office/drawing/2010/main" xmlns="">
+                <a14:hiddenFill xmlns="" xmlns:a14="http://schemas.microsoft.com/office/drawing/2010/main">
                   <a:solidFill>
                     <a:srgbClr val="FFFFFF"/>
                   </a:solidFill>
                 </a14:hiddenFill>
               </a:ext>
               <a:ext uri="{91240B29-F687-4f45-9708-019B960494DF}">
-                <a14:hiddenLine xmlns:a14="http://schemas.microsoft.com/office/drawing/2010/main" xmlns="" w="9525">
+                <a14:hiddenLine xmlns="" xmlns:a14="http://schemas.microsoft.com/office/drawing/2010/main" w="9525">
                   <a:solidFill>
                     <a:srgbClr val="000000"/>
                   </a:solidFill>
@@ -8260,7 +8260,7 @@
                 </a14:hiddenLine>
               </a:ext>
               <a:ext uri="{FAA26D3D-D897-4be2-8F04-BA451C77F1D7}">
-                <ma14:placeholderFlag xmlns:ma14="http://schemas.microsoft.com/office/mac/drawingml/2011/main" xmlns="" val="1"/>
+                <ma14:placeholderFlag xmlns="" xmlns:ma14="http://schemas.microsoft.com/office/mac/drawingml/2011/main" val="1"/>
               </a:ext>
             </a:extLst>
           </p:spPr>
@@ -8544,14 +8544,14 @@
             </a:ln>
             <a:extLst>
               <a:ext uri="{909E8E84-426E-40dd-AFC4-6F175D3DCCD1}">
-                <a14:hiddenFill xmlns:a14="http://schemas.microsoft.com/office/drawing/2010/main" xmlns="">
+                <a14:hiddenFill xmlns="" xmlns:a14="http://schemas.microsoft.com/office/drawing/2010/main">
                   <a:solidFill>
                     <a:srgbClr val="FFFFFF"/>
                   </a:solidFill>
                 </a14:hiddenFill>
               </a:ext>
               <a:ext uri="{91240B29-F687-4f45-9708-019B960494DF}">
-                <a14:hiddenLine xmlns:a14="http://schemas.microsoft.com/office/drawing/2010/main" xmlns="" w="9525">
+                <a14:hiddenLine xmlns="" xmlns:a14="http://schemas.microsoft.com/office/drawing/2010/main" w="9525">
                   <a:solidFill>
                     <a:srgbClr val="000000"/>
                   </a:solidFill>
@@ -8561,7 +8561,7 @@
                 </a14:hiddenLine>
               </a:ext>
               <a:ext uri="{FAA26D3D-D897-4be2-8F04-BA451C77F1D7}">
-                <ma14:placeholderFlag xmlns:ma14="http://schemas.microsoft.com/office/mac/drawingml/2011/main" xmlns="" val="1"/>
+                <ma14:placeholderFlag xmlns="" xmlns:ma14="http://schemas.microsoft.com/office/mac/drawingml/2011/main" val="1"/>
               </a:ext>
             </a:extLst>
           </p:spPr>
@@ -8965,14 +8965,14 @@
           </a:ln>
           <a:extLst>
             <a:ext uri="{909E8E84-426E-40dd-AFC4-6F175D3DCCD1}">
-              <a14:hiddenFill xmlns:a14="http://schemas.microsoft.com/office/drawing/2010/main" xmlns="">
+              <a14:hiddenFill xmlns="" xmlns:a14="http://schemas.microsoft.com/office/drawing/2010/main">
                 <a:solidFill>
                   <a:srgbClr val="FFFFFF"/>
                 </a:solidFill>
               </a14:hiddenFill>
             </a:ext>
             <a:ext uri="{91240B29-F687-4f45-9708-019B960494DF}">
-              <a14:hiddenLine xmlns:a14="http://schemas.microsoft.com/office/drawing/2010/main" xmlns="" w="9525">
+              <a14:hiddenLine xmlns="" xmlns:a14="http://schemas.microsoft.com/office/drawing/2010/main" w="9525">
                 <a:solidFill>
                   <a:srgbClr val="000000"/>
                 </a:solidFill>
@@ -8982,7 +8982,7 @@
               </a14:hiddenLine>
             </a:ext>
             <a:ext uri="{FAA26D3D-D897-4be2-8F04-BA451C77F1D7}">
-              <ma14:placeholderFlag xmlns:ma14="http://schemas.microsoft.com/office/mac/drawingml/2011/main" xmlns="" val="1"/>
+              <ma14:placeholderFlag xmlns="" xmlns:ma14="http://schemas.microsoft.com/office/mac/drawingml/2011/main" val="1"/>
             </a:ext>
           </a:extLst>
         </p:spPr>
@@ -9212,14 +9212,14 @@
           </a:ln>
           <a:extLst>
             <a:ext uri="{909E8E84-426E-40dd-AFC4-6F175D3DCCD1}">
-              <a14:hiddenFill xmlns:a14="http://schemas.microsoft.com/office/drawing/2010/main" xmlns="">
+              <a14:hiddenFill xmlns="" xmlns:a14="http://schemas.microsoft.com/office/drawing/2010/main">
                 <a:solidFill>
                   <a:srgbClr val="FFFFFF"/>
                 </a:solidFill>
               </a14:hiddenFill>
             </a:ext>
             <a:ext uri="{91240B29-F687-4f45-9708-019B960494DF}">
-              <a14:hiddenLine xmlns:a14="http://schemas.microsoft.com/office/drawing/2010/main" xmlns="" w="9525">
+              <a14:hiddenLine xmlns="" xmlns:a14="http://schemas.microsoft.com/office/drawing/2010/main" w="9525">
                 <a:solidFill>
                   <a:srgbClr val="000000"/>
                 </a:solidFill>
@@ -9229,7 +9229,7 @@
               </a14:hiddenLine>
             </a:ext>
             <a:ext uri="{FAA26D3D-D897-4be2-8F04-BA451C77F1D7}">
-              <ma14:placeholderFlag xmlns:ma14="http://schemas.microsoft.com/office/mac/drawingml/2011/main" xmlns="" val="1"/>
+              <ma14:placeholderFlag xmlns="" xmlns:ma14="http://schemas.microsoft.com/office/mac/drawingml/2011/main" val="1"/>
             </a:ext>
           </a:extLst>
         </p:spPr>
@@ -9505,14 +9505,14 @@
           </a:ln>
           <a:extLst>
             <a:ext uri="{909E8E84-426E-40dd-AFC4-6F175D3DCCD1}">
-              <a14:hiddenFill xmlns:a14="http://schemas.microsoft.com/office/drawing/2010/main" xmlns="">
+              <a14:hiddenFill xmlns="" xmlns:a14="http://schemas.microsoft.com/office/drawing/2010/main">
                 <a:solidFill>
                   <a:srgbClr val="FFFFFF"/>
                 </a:solidFill>
               </a14:hiddenFill>
             </a:ext>
             <a:ext uri="{91240B29-F687-4f45-9708-019B960494DF}">
-              <a14:hiddenLine xmlns:a14="http://schemas.microsoft.com/office/drawing/2010/main" xmlns="" w="9525">
+              <a14:hiddenLine xmlns="" xmlns:a14="http://schemas.microsoft.com/office/drawing/2010/main" w="9525">
                 <a:solidFill>
                   <a:srgbClr val="000000"/>
                 </a:solidFill>
@@ -9522,7 +9522,7 @@
               </a14:hiddenLine>
             </a:ext>
             <a:ext uri="{FAA26D3D-D897-4be2-8F04-BA451C77F1D7}">
-              <ma14:placeholderFlag xmlns:ma14="http://schemas.microsoft.com/office/mac/drawingml/2011/main" xmlns="" val="1"/>
+              <ma14:placeholderFlag xmlns="" xmlns:ma14="http://schemas.microsoft.com/office/mac/drawingml/2011/main" val="1"/>
             </a:ext>
           </a:extLst>
         </p:spPr>
@@ -10980,14 +10980,14 @@
           </a:ln>
           <a:extLst>
             <a:ext uri="{909E8E84-426E-40dd-AFC4-6F175D3DCCD1}">
-              <a14:hiddenFill xmlns:a14="http://schemas.microsoft.com/office/drawing/2010/main" xmlns="">
+              <a14:hiddenFill xmlns="" xmlns:a14="http://schemas.microsoft.com/office/drawing/2010/main">
                 <a:solidFill>
                   <a:srgbClr val="FFFFFF"/>
                 </a:solidFill>
               </a14:hiddenFill>
             </a:ext>
             <a:ext uri="{91240B29-F687-4f45-9708-019B960494DF}">
-              <a14:hiddenLine xmlns:a14="http://schemas.microsoft.com/office/drawing/2010/main" xmlns="" w="9525">
+              <a14:hiddenLine xmlns="" xmlns:a14="http://schemas.microsoft.com/office/drawing/2010/main" w="9525">
                 <a:solidFill>
                   <a:srgbClr val="000000"/>
                 </a:solidFill>
@@ -10997,7 +10997,7 @@
               </a14:hiddenLine>
             </a:ext>
             <a:ext uri="{FAA26D3D-D897-4be2-8F04-BA451C77F1D7}">
-              <ma14:placeholderFlag xmlns:ma14="http://schemas.microsoft.com/office/mac/drawingml/2011/main" xmlns="" val="1"/>
+              <ma14:placeholderFlag xmlns="" xmlns:ma14="http://schemas.microsoft.com/office/mac/drawingml/2011/main" val="1"/>
             </a:ext>
           </a:extLst>
         </p:spPr>
@@ -13090,14 +13090,14 @@
           </a:ln>
           <a:extLst>
             <a:ext uri="{909E8E84-426E-40dd-AFC4-6F175D3DCCD1}">
-              <a14:hiddenFill xmlns:a14="http://schemas.microsoft.com/office/drawing/2010/main" xmlns="">
+              <a14:hiddenFill xmlns="" xmlns:a14="http://schemas.microsoft.com/office/drawing/2010/main">
                 <a:solidFill>
                   <a:srgbClr val="FFFFFF"/>
                 </a:solidFill>
               </a14:hiddenFill>
             </a:ext>
             <a:ext uri="{91240B29-F687-4f45-9708-019B960494DF}">
-              <a14:hiddenLine xmlns:a14="http://schemas.microsoft.com/office/drawing/2010/main" xmlns="" w="9525">
+              <a14:hiddenLine xmlns="" xmlns:a14="http://schemas.microsoft.com/office/drawing/2010/main" w="9525">
                 <a:solidFill>
                   <a:srgbClr val="000000"/>
                 </a:solidFill>
@@ -13107,7 +13107,7 @@
               </a14:hiddenLine>
             </a:ext>
             <a:ext uri="{FAA26D3D-D897-4be2-8F04-BA451C77F1D7}">
-              <ma14:placeholderFlag xmlns:ma14="http://schemas.microsoft.com/office/mac/drawingml/2011/main" xmlns="" val="1"/>
+              <ma14:placeholderFlag xmlns="" xmlns:ma14="http://schemas.microsoft.com/office/mac/drawingml/2011/main" val="1"/>
             </a:ext>
           </a:extLst>
         </p:spPr>
@@ -14991,14 +14991,14 @@
           </a:ln>
           <a:extLst>
             <a:ext uri="{909E8E84-426E-40dd-AFC4-6F175D3DCCD1}">
-              <a14:hiddenFill xmlns:a14="http://schemas.microsoft.com/office/drawing/2010/main" xmlns="">
+              <a14:hiddenFill xmlns="" xmlns:a14="http://schemas.microsoft.com/office/drawing/2010/main">
                 <a:solidFill>
                   <a:srgbClr val="FFFFFF"/>
                 </a:solidFill>
               </a14:hiddenFill>
             </a:ext>
             <a:ext uri="{91240B29-F687-4f45-9708-019B960494DF}">
-              <a14:hiddenLine xmlns:a14="http://schemas.microsoft.com/office/drawing/2010/main" xmlns="" w="9525">
+              <a14:hiddenLine xmlns="" xmlns:a14="http://schemas.microsoft.com/office/drawing/2010/main" w="9525">
                 <a:solidFill>
                   <a:srgbClr val="000000"/>
                 </a:solidFill>
@@ -15008,7 +15008,7 @@
               </a14:hiddenLine>
             </a:ext>
             <a:ext uri="{FAA26D3D-D897-4be2-8F04-BA451C77F1D7}">
-              <ma14:placeholderFlag xmlns:ma14="http://schemas.microsoft.com/office/mac/drawingml/2011/main" xmlns="" val="1"/>
+              <ma14:placeholderFlag xmlns="" xmlns:ma14="http://schemas.microsoft.com/office/mac/drawingml/2011/main" val="1"/>
             </a:ext>
           </a:extLst>
         </p:spPr>
@@ -15255,14 +15255,14 @@
           </a:ln>
           <a:extLst>
             <a:ext uri="{909E8E84-426E-40dd-AFC4-6F175D3DCCD1}">
-              <a14:hiddenFill xmlns:a14="http://schemas.microsoft.com/office/drawing/2010/main" xmlns="">
+              <a14:hiddenFill xmlns="" xmlns:a14="http://schemas.microsoft.com/office/drawing/2010/main">
                 <a:solidFill>
                   <a:srgbClr val="FFFFFF"/>
                 </a:solidFill>
               </a14:hiddenFill>
             </a:ext>
             <a:ext uri="{91240B29-F687-4f45-9708-019B960494DF}">
-              <a14:hiddenLine xmlns:a14="http://schemas.microsoft.com/office/drawing/2010/main" xmlns="" w="9525">
+              <a14:hiddenLine xmlns="" xmlns:a14="http://schemas.microsoft.com/office/drawing/2010/main" w="9525">
                 <a:solidFill>
                   <a:srgbClr val="000000"/>
                 </a:solidFill>
@@ -15272,7 +15272,7 @@
               </a14:hiddenLine>
             </a:ext>
             <a:ext uri="{FAA26D3D-D897-4be2-8F04-BA451C77F1D7}">
-              <ma14:placeholderFlag xmlns:ma14="http://schemas.microsoft.com/office/mac/drawingml/2011/main" xmlns="" val="1"/>
+              <ma14:placeholderFlag xmlns="" xmlns:ma14="http://schemas.microsoft.com/office/mac/drawingml/2011/main" val="1"/>
             </a:ext>
           </a:extLst>
         </p:spPr>
@@ -16715,7 +16715,7 @@
           </a:ln>
           <a:extLst>
             <a:ext uri="{91240B29-F687-4f45-9708-019B960494DF}">
-              <a14:hiddenLine xmlns:a14="http://schemas.microsoft.com/office/drawing/2010/main" xmlns="" w="9525">
+              <a14:hiddenLine xmlns="" xmlns:a14="http://schemas.microsoft.com/office/drawing/2010/main" w="9525">
                 <a:solidFill>
                   <a:srgbClr val="000000"/>
                 </a:solidFill>
@@ -17645,7 +17645,7 @@
           </a:ln>
           <a:extLst>
             <a:ext uri="{909E8E84-426E-40dd-AFC4-6F175D3DCCD1}">
-              <a14:hiddenFill xmlns:a14="http://schemas.microsoft.com/office/drawing/2010/main" xmlns="">
+              <a14:hiddenFill xmlns="" xmlns:a14="http://schemas.microsoft.com/office/drawing/2010/main">
                 <a:solidFill>
                   <a:srgbClr val="FFFFFF"/>
                 </a:solidFill>
@@ -17731,7 +17731,7 @@
             </a:ln>
             <a:extLst>
               <a:ext uri="{91240B29-F687-4f45-9708-019B960494DF}">
-                <a14:hiddenLine xmlns="" xmlns:a14="http://schemas.microsoft.com/office/drawing/2010/main" w="9525">
+                <a14:hiddenLine xmlns:a14="http://schemas.microsoft.com/office/drawing/2010/main" xmlns="" w="9525">
                   <a:solidFill>
                     <a:srgbClr val="000000"/>
                   </a:solidFill>
@@ -17776,14 +17776,14 @@
             </a:ln>
             <a:extLst>
               <a:ext uri="{909E8E84-426E-40dd-AFC4-6F175D3DCCD1}">
-                <a14:hiddenFill xmlns="" xmlns:a14="http://schemas.microsoft.com/office/drawing/2010/main">
+                <a14:hiddenFill xmlns:a14="http://schemas.microsoft.com/office/drawing/2010/main" xmlns="">
                   <a:solidFill>
                     <a:srgbClr val="FFFFFF"/>
                   </a:solidFill>
                 </a14:hiddenFill>
               </a:ext>
               <a:ext uri="{91240B29-F687-4f45-9708-019B960494DF}">
-                <a14:hiddenLine xmlns="" xmlns:a14="http://schemas.microsoft.com/office/drawing/2010/main" w="9525">
+                <a14:hiddenLine xmlns:a14="http://schemas.microsoft.com/office/drawing/2010/main" xmlns="" w="9525">
                   <a:solidFill>
                     <a:srgbClr val="000000"/>
                   </a:solidFill>
@@ -17883,7 +17883,7 @@
             </a:ln>
             <a:extLst>
               <a:ext uri="{91240B29-F687-4f45-9708-019B960494DF}">
-                <a14:hiddenLine xmlns="" xmlns:a14="http://schemas.microsoft.com/office/drawing/2010/main" w="9525">
+                <a14:hiddenLine xmlns:a14="http://schemas.microsoft.com/office/drawing/2010/main" xmlns="" w="9525">
                   <a:solidFill>
                     <a:srgbClr val="000000"/>
                   </a:solidFill>
@@ -17928,14 +17928,14 @@
             </a:ln>
             <a:extLst>
               <a:ext uri="{909E8E84-426E-40dd-AFC4-6F175D3DCCD1}">
-                <a14:hiddenFill xmlns="" xmlns:a14="http://schemas.microsoft.com/office/drawing/2010/main">
+                <a14:hiddenFill xmlns:a14="http://schemas.microsoft.com/office/drawing/2010/main" xmlns="">
                   <a:solidFill>
                     <a:srgbClr val="FFFFFF"/>
                   </a:solidFill>
                 </a14:hiddenFill>
               </a:ext>
               <a:ext uri="{91240B29-F687-4f45-9708-019B960494DF}">
-                <a14:hiddenLine xmlns="" xmlns:a14="http://schemas.microsoft.com/office/drawing/2010/main" w="9525">
+                <a14:hiddenLine xmlns:a14="http://schemas.microsoft.com/office/drawing/2010/main" xmlns="" w="9525">
                   <a:solidFill>
                     <a:srgbClr val="000000"/>
                   </a:solidFill>
@@ -18051,7 +18051,7 @@
             </a:ln>
             <a:extLst>
               <a:ext uri="{91240B29-F687-4f45-9708-019B960494DF}">
-                <a14:hiddenLine xmlns="" xmlns:a14="http://schemas.microsoft.com/office/drawing/2010/main" w="9525">
+                <a14:hiddenLine xmlns:a14="http://schemas.microsoft.com/office/drawing/2010/main" xmlns="" w="9525">
                   <a:solidFill>
                     <a:srgbClr val="000000"/>
                   </a:solidFill>
@@ -18096,14 +18096,14 @@
             </a:ln>
             <a:extLst>
               <a:ext uri="{909E8E84-426E-40dd-AFC4-6F175D3DCCD1}">
-                <a14:hiddenFill xmlns="" xmlns:a14="http://schemas.microsoft.com/office/drawing/2010/main">
+                <a14:hiddenFill xmlns:a14="http://schemas.microsoft.com/office/drawing/2010/main" xmlns="">
                   <a:solidFill>
                     <a:srgbClr val="FFFFFF"/>
                   </a:solidFill>
                 </a14:hiddenFill>
               </a:ext>
               <a:ext uri="{91240B29-F687-4f45-9708-019B960494DF}">
-                <a14:hiddenLine xmlns="" xmlns:a14="http://schemas.microsoft.com/office/drawing/2010/main" w="9525">
+                <a14:hiddenLine xmlns:a14="http://schemas.microsoft.com/office/drawing/2010/main" xmlns="" w="9525">
                   <a:solidFill>
                     <a:srgbClr val="000000"/>
                   </a:solidFill>
@@ -18216,7 +18216,7 @@
             </a:ln>
             <a:extLst>
               <a:ext uri="{91240B29-F687-4f45-9708-019B960494DF}">
-                <a14:hiddenLine xmlns="" xmlns:a14="http://schemas.microsoft.com/office/drawing/2010/main" w="9525">
+                <a14:hiddenLine xmlns:a14="http://schemas.microsoft.com/office/drawing/2010/main" xmlns="" w="9525">
                   <a:solidFill>
                     <a:srgbClr val="000000"/>
                   </a:solidFill>
@@ -18261,14 +18261,14 @@
             </a:ln>
             <a:extLst>
               <a:ext uri="{909E8E84-426E-40dd-AFC4-6F175D3DCCD1}">
-                <a14:hiddenFill xmlns="" xmlns:a14="http://schemas.microsoft.com/office/drawing/2010/main">
+                <a14:hiddenFill xmlns:a14="http://schemas.microsoft.com/office/drawing/2010/main" xmlns="">
                   <a:solidFill>
                     <a:srgbClr val="FFFFFF"/>
                   </a:solidFill>
                 </a14:hiddenFill>
               </a:ext>
               <a:ext uri="{91240B29-F687-4f45-9708-019B960494DF}">
-                <a14:hiddenLine xmlns="" xmlns:a14="http://schemas.microsoft.com/office/drawing/2010/main" w="9525">
+                <a14:hiddenLine xmlns:a14="http://schemas.microsoft.com/office/drawing/2010/main" xmlns="" w="9525">
                   <a:solidFill>
                     <a:srgbClr val="000000"/>
                   </a:solidFill>
@@ -18368,7 +18368,7 @@
           </a:ln>
           <a:extLst>
             <a:ext uri="{909E8E84-426E-40dd-AFC4-6F175D3DCCD1}">
-              <a14:hiddenFill xmlns="" xmlns:a14="http://schemas.microsoft.com/office/drawing/2010/main">
+              <a14:hiddenFill xmlns:a14="http://schemas.microsoft.com/office/drawing/2010/main" xmlns="">
                 <a:noFill/>
               </a14:hiddenFill>
             </a:ext>
@@ -18415,7 +18415,7 @@
             </a:ln>
             <a:extLst>
               <a:ext uri="{91240B29-F687-4f45-9708-019B960494DF}">
-                <a14:hiddenLine xmlns="" xmlns:a14="http://schemas.microsoft.com/office/drawing/2010/main" w="9525">
+                <a14:hiddenLine xmlns:a14="http://schemas.microsoft.com/office/drawing/2010/main" xmlns="" w="9525">
                   <a:solidFill>
                     <a:srgbClr val="000000"/>
                   </a:solidFill>
@@ -18460,14 +18460,14 @@
             </a:ln>
             <a:extLst>
               <a:ext uri="{909E8E84-426E-40dd-AFC4-6F175D3DCCD1}">
-                <a14:hiddenFill xmlns="" xmlns:a14="http://schemas.microsoft.com/office/drawing/2010/main">
+                <a14:hiddenFill xmlns:a14="http://schemas.microsoft.com/office/drawing/2010/main" xmlns="">
                   <a:solidFill>
                     <a:srgbClr val="FFFFFF"/>
                   </a:solidFill>
                 </a14:hiddenFill>
               </a:ext>
               <a:ext uri="{91240B29-F687-4f45-9708-019B960494DF}">
-                <a14:hiddenLine xmlns="" xmlns:a14="http://schemas.microsoft.com/office/drawing/2010/main" w="9525">
+                <a14:hiddenLine xmlns:a14="http://schemas.microsoft.com/office/drawing/2010/main" xmlns="" w="9525">
                   <a:solidFill>
                     <a:srgbClr val="000000"/>
                   </a:solidFill>
@@ -18567,7 +18567,7 @@
             </a:ln>
             <a:extLst>
               <a:ext uri="{91240B29-F687-4f45-9708-019B960494DF}">
-                <a14:hiddenLine xmlns="" xmlns:a14="http://schemas.microsoft.com/office/drawing/2010/main" w="9525">
+                <a14:hiddenLine xmlns:a14="http://schemas.microsoft.com/office/drawing/2010/main" xmlns="" w="9525">
                   <a:solidFill>
                     <a:srgbClr val="000000"/>
                   </a:solidFill>
@@ -18612,14 +18612,14 @@
             </a:ln>
             <a:extLst>
               <a:ext uri="{909E8E84-426E-40dd-AFC4-6F175D3DCCD1}">
-                <a14:hiddenFill xmlns="" xmlns:a14="http://schemas.microsoft.com/office/drawing/2010/main">
+                <a14:hiddenFill xmlns:a14="http://schemas.microsoft.com/office/drawing/2010/main" xmlns="">
                   <a:solidFill>
                     <a:srgbClr val="FFFFFF"/>
                   </a:solidFill>
                 </a14:hiddenFill>
               </a:ext>
               <a:ext uri="{91240B29-F687-4f45-9708-019B960494DF}">
-                <a14:hiddenLine xmlns="" xmlns:a14="http://schemas.microsoft.com/office/drawing/2010/main" w="9525">
+                <a14:hiddenLine xmlns:a14="http://schemas.microsoft.com/office/drawing/2010/main" xmlns="" w="9525">
                   <a:solidFill>
                     <a:srgbClr val="000000"/>
                   </a:solidFill>
@@ -18719,7 +18719,7 @@
             </a:ln>
             <a:extLst>
               <a:ext uri="{91240B29-F687-4f45-9708-019B960494DF}">
-                <a14:hiddenLine xmlns="" xmlns:a14="http://schemas.microsoft.com/office/drawing/2010/main" w="9525">
+                <a14:hiddenLine xmlns:a14="http://schemas.microsoft.com/office/drawing/2010/main" xmlns="" w="9525">
                   <a:solidFill>
                     <a:srgbClr val="000000"/>
                   </a:solidFill>
@@ -18764,14 +18764,14 @@
             </a:ln>
             <a:extLst>
               <a:ext uri="{909E8E84-426E-40dd-AFC4-6F175D3DCCD1}">
-                <a14:hiddenFill xmlns="" xmlns:a14="http://schemas.microsoft.com/office/drawing/2010/main">
+                <a14:hiddenFill xmlns:a14="http://schemas.microsoft.com/office/drawing/2010/main" xmlns="">
                   <a:solidFill>
                     <a:srgbClr val="FFFFFF"/>
                   </a:solidFill>
                 </a14:hiddenFill>
               </a:ext>
               <a:ext uri="{91240B29-F687-4f45-9708-019B960494DF}">
-                <a14:hiddenLine xmlns="" xmlns:a14="http://schemas.microsoft.com/office/drawing/2010/main" w="9525">
+                <a14:hiddenLine xmlns:a14="http://schemas.microsoft.com/office/drawing/2010/main" xmlns="" w="9525">
                   <a:solidFill>
                     <a:srgbClr val="000000"/>
                   </a:solidFill>
@@ -18871,7 +18871,7 @@
             </a:ln>
             <a:extLst>
               <a:ext uri="{91240B29-F687-4f45-9708-019B960494DF}">
-                <a14:hiddenLine xmlns="" xmlns:a14="http://schemas.microsoft.com/office/drawing/2010/main" w="9525">
+                <a14:hiddenLine xmlns:a14="http://schemas.microsoft.com/office/drawing/2010/main" xmlns="" w="9525">
                   <a:solidFill>
                     <a:srgbClr val="000000"/>
                   </a:solidFill>
@@ -18916,14 +18916,14 @@
             </a:ln>
             <a:extLst>
               <a:ext uri="{909E8E84-426E-40dd-AFC4-6F175D3DCCD1}">
-                <a14:hiddenFill xmlns="" xmlns:a14="http://schemas.microsoft.com/office/drawing/2010/main">
+                <a14:hiddenFill xmlns:a14="http://schemas.microsoft.com/office/drawing/2010/main" xmlns="">
                   <a:solidFill>
                     <a:srgbClr val="FFFFFF"/>
                   </a:solidFill>
                 </a14:hiddenFill>
               </a:ext>
               <a:ext uri="{91240B29-F687-4f45-9708-019B960494DF}">
-                <a14:hiddenLine xmlns="" xmlns:a14="http://schemas.microsoft.com/office/drawing/2010/main" w="9525">
+                <a14:hiddenLine xmlns:a14="http://schemas.microsoft.com/office/drawing/2010/main" xmlns="" w="9525">
                   <a:solidFill>
                     <a:srgbClr val="000000"/>
                   </a:solidFill>
@@ -19044,7 +19044,7 @@
             </a:ln>
             <a:extLst>
               <a:ext uri="{91240B29-F687-4f45-9708-019B960494DF}">
-                <a14:hiddenLine xmlns="" xmlns:a14="http://schemas.microsoft.com/office/drawing/2010/main" w="9525">
+                <a14:hiddenLine xmlns:a14="http://schemas.microsoft.com/office/drawing/2010/main" xmlns="" w="9525">
                   <a:solidFill>
                     <a:srgbClr val="000000"/>
                   </a:solidFill>
@@ -19089,14 +19089,14 @@
             </a:ln>
             <a:extLst>
               <a:ext uri="{909E8E84-426E-40dd-AFC4-6F175D3DCCD1}">
-                <a14:hiddenFill xmlns="" xmlns:a14="http://schemas.microsoft.com/office/drawing/2010/main">
+                <a14:hiddenFill xmlns:a14="http://schemas.microsoft.com/office/drawing/2010/main" xmlns="">
                   <a:solidFill>
                     <a:srgbClr val="FFFFFF"/>
                   </a:solidFill>
                 </a14:hiddenFill>
               </a:ext>
               <a:ext uri="{91240B29-F687-4f45-9708-019B960494DF}">
-                <a14:hiddenLine xmlns="" xmlns:a14="http://schemas.microsoft.com/office/drawing/2010/main" w="9525">
+                <a14:hiddenLine xmlns:a14="http://schemas.microsoft.com/office/drawing/2010/main" xmlns="" w="9525">
                   <a:solidFill>
                     <a:srgbClr val="000000"/>
                   </a:solidFill>
@@ -19196,7 +19196,7 @@
           </a:ln>
           <a:extLst>
             <a:ext uri="{909E8E84-426E-40dd-AFC4-6F175D3DCCD1}">
-              <a14:hiddenFill xmlns="" xmlns:a14="http://schemas.microsoft.com/office/drawing/2010/main">
+              <a14:hiddenFill xmlns:a14="http://schemas.microsoft.com/office/drawing/2010/main" xmlns="">
                 <a:noFill/>
               </a14:hiddenFill>
             </a:ext>
@@ -19243,7 +19243,7 @@
             </a:ln>
             <a:extLst>
               <a:ext uri="{91240B29-F687-4f45-9708-019B960494DF}">
-                <a14:hiddenLine xmlns="" xmlns:a14="http://schemas.microsoft.com/office/drawing/2010/main" w="9525">
+                <a14:hiddenLine xmlns:a14="http://schemas.microsoft.com/office/drawing/2010/main" xmlns="" w="9525">
                   <a:solidFill>
                     <a:srgbClr val="000000"/>
                   </a:solidFill>
@@ -19288,14 +19288,14 @@
             </a:ln>
             <a:extLst>
               <a:ext uri="{909E8E84-426E-40dd-AFC4-6F175D3DCCD1}">
-                <a14:hiddenFill xmlns="" xmlns:a14="http://schemas.microsoft.com/office/drawing/2010/main">
+                <a14:hiddenFill xmlns:a14="http://schemas.microsoft.com/office/drawing/2010/main" xmlns="">
                   <a:solidFill>
                     <a:srgbClr val="FFFFFF"/>
                   </a:solidFill>
                 </a14:hiddenFill>
               </a:ext>
               <a:ext uri="{91240B29-F687-4f45-9708-019B960494DF}">
-                <a14:hiddenLine xmlns="" xmlns:a14="http://schemas.microsoft.com/office/drawing/2010/main" w="9525">
+                <a14:hiddenLine xmlns:a14="http://schemas.microsoft.com/office/drawing/2010/main" xmlns="" w="9525">
                   <a:solidFill>
                     <a:srgbClr val="000000"/>
                   </a:solidFill>
@@ -19466,7 +19466,7 @@
             </a:ln>
             <a:extLst>
               <a:ext uri="{91240B29-F687-4f45-9708-019B960494DF}">
-                <a14:hiddenLine xmlns="" xmlns:a14="http://schemas.microsoft.com/office/drawing/2010/main" w="9525">
+                <a14:hiddenLine xmlns:a14="http://schemas.microsoft.com/office/drawing/2010/main" xmlns="" w="9525">
                   <a:solidFill>
                     <a:srgbClr val="000000"/>
                   </a:solidFill>
@@ -19779,7 +19779,7 @@
             </a:ln>
             <a:extLst>
               <a:ext uri="{91240B29-F687-4f45-9708-019B960494DF}">
-                <a14:hiddenLine xmlns="" xmlns:a14="http://schemas.microsoft.com/office/drawing/2010/main" w="9525">
+                <a14:hiddenLine xmlns:a14="http://schemas.microsoft.com/office/drawing/2010/main" xmlns="" w="9525">
                   <a:solidFill>
                     <a:srgbClr val="000000"/>
                   </a:solidFill>
@@ -21363,7 +21363,7 @@
           </a:ln>
           <a:extLst>
             <a:ext uri="{91240B29-F687-4f45-9708-019B960494DF}">
-              <a14:hiddenLine xmlns="" xmlns:a14="http://schemas.microsoft.com/office/drawing/2010/main" w="9525">
+              <a14:hiddenLine xmlns:a14="http://schemas.microsoft.com/office/drawing/2010/main" xmlns="" w="9525">
                 <a:solidFill>
                   <a:srgbClr val="000000"/>
                 </a:solidFill>
@@ -23003,411 +23003,6 @@
       </p:grpSpPr>
       <p:sp>
         <p:nvSpPr>
-          <p:cNvPr id="77" name="Rounded Rectangle 76">
-            <a:extLst>
-              <a:ext uri="{FF2B5EF4-FFF2-40B4-BE49-F238E27FC236}">
-                <a16:creationId xmlns:a16="http://schemas.microsoft.com/office/drawing/2014/main" id="{A13B1C3D-D028-6549-858B-E44B1A48CE04}"/>
-              </a:ext>
-            </a:extLst>
-          </p:cNvPr>
-          <p:cNvSpPr/>
-          <p:nvPr/>
-        </p:nvSpPr>
-        <p:spPr bwMode="auto">
-          <a:xfrm>
-            <a:off x="3622764" y="353839"/>
-            <a:ext cx="2286000" cy="381000"/>
-          </a:xfrm>
-          <a:prstGeom prst="roundRect">
-            <a:avLst/>
-          </a:prstGeom>
-          <a:solidFill>
-            <a:schemeClr val="bg1"/>
-          </a:solidFill>
-          <a:ln w="6350" cap="flat" cmpd="sng" algn="ctr">
-            <a:solidFill>
-              <a:schemeClr val="tx1"/>
-            </a:solidFill>
-            <a:prstDash val="solid"/>
-            <a:round/>
-            <a:headEnd type="none" w="med" len="med"/>
-            <a:tailEnd type="none" w="med" len="med"/>
-          </a:ln>
-          <a:effectLst/>
-        </p:spPr>
-        <p:txBody>
-          <a:bodyPr vert="horz" wrap="square" lIns="91440" tIns="45720" rIns="91440" bIns="45720" numCol="1" rtlCol="0" anchor="t" anchorCtr="0" compatLnSpc="1">
-            <a:prstTxWarp prst="textNoShape">
-              <a:avLst/>
-            </a:prstTxWarp>
-          </a:bodyPr>
-          <a:lstStyle/>
-          <a:p>
-            <a:pPr marL="0" marR="0" indent="0" algn="l" defTabSz="914400" rtl="0" eaLnBrk="1" fontAlgn="base" latinLnBrk="0" hangingPunct="1">
-              <a:lnSpc>
-                <a:spcPct val="100000"/>
-              </a:lnSpc>
-              <a:spcBef>
-                <a:spcPct val="0"/>
-              </a:spcBef>
-              <a:spcAft>
-                <a:spcPct val="0"/>
-              </a:spcAft>
-              <a:buClrTx/>
-              <a:buSzTx/>
-              <a:buFontTx/>
-              <a:buNone/>
-              <a:tabLst/>
-            </a:pPr>
-            <a:r>
-              <a:rPr lang="en-US" dirty="0">
-                <a:latin typeface="Arial" pitchFamily="-112" charset="0"/>
-                <a:ea typeface="Arial" pitchFamily="-112" charset="0"/>
-                <a:cs typeface="Arial" pitchFamily="-112" charset="0"/>
-              </a:rPr>
-              <a:t>What type of data?</a:t>
-            </a:r>
-            <a:endParaRPr kumimoji="0" lang="en-US" sz="1800" b="1" i="0" u="none" strike="noStrike" cap="none" normalizeH="0" baseline="0" dirty="0">
-              <a:ln>
-                <a:noFill/>
-              </a:ln>
-              <a:solidFill>
-                <a:schemeClr val="tx1"/>
-              </a:solidFill>
-              <a:effectLst/>
-              <a:latin typeface="Arial" pitchFamily="-112" charset="0"/>
-              <a:ea typeface="Arial" pitchFamily="-112" charset="0"/>
-              <a:cs typeface="Arial" pitchFamily="-112" charset="0"/>
-            </a:endParaRPr>
-          </a:p>
-        </p:txBody>
-      </p:sp>
-      <p:sp>
-        <p:nvSpPr>
-          <p:cNvPr id="78" name="Rounded Rectangle 77">
-            <a:extLst>
-              <a:ext uri="{FF2B5EF4-FFF2-40B4-BE49-F238E27FC236}">
-                <a16:creationId xmlns:a16="http://schemas.microsoft.com/office/drawing/2014/main" id="{00DC48AC-FE88-9347-8698-A5362BE3C496}"/>
-              </a:ext>
-            </a:extLst>
-          </p:cNvPr>
-          <p:cNvSpPr/>
-          <p:nvPr/>
-        </p:nvSpPr>
-        <p:spPr bwMode="auto">
-          <a:xfrm>
-            <a:off x="727164" y="382727"/>
-            <a:ext cx="2008909" cy="646018"/>
-          </a:xfrm>
-          <a:prstGeom prst="roundRect">
-            <a:avLst/>
-          </a:prstGeom>
-          <a:solidFill>
-            <a:schemeClr val="bg1"/>
-          </a:solidFill>
-          <a:ln w="6350" cap="flat" cmpd="sng" algn="ctr">
-            <a:solidFill>
-              <a:schemeClr val="tx1"/>
-            </a:solidFill>
-            <a:prstDash val="solid"/>
-            <a:round/>
-            <a:headEnd type="none" w="med" len="med"/>
-            <a:tailEnd type="none" w="med" len="med"/>
-          </a:ln>
-          <a:effectLst/>
-        </p:spPr>
-        <p:txBody>
-          <a:bodyPr vert="horz" wrap="square" lIns="91440" tIns="45720" rIns="91440" bIns="45720" numCol="1" rtlCol="0" anchor="t" anchorCtr="0" compatLnSpc="1">
-            <a:prstTxWarp prst="textNoShape">
-              <a:avLst/>
-            </a:prstTxWarp>
-          </a:bodyPr>
-          <a:lstStyle/>
-          <a:p>
-            <a:pPr marL="0" marR="0" indent="0" algn="ctr" defTabSz="914400" rtl="0" eaLnBrk="1" fontAlgn="base" latinLnBrk="0" hangingPunct="1">
-              <a:lnSpc>
-                <a:spcPct val="100000"/>
-              </a:lnSpc>
-              <a:spcBef>
-                <a:spcPct val="0"/>
-              </a:spcBef>
-              <a:spcAft>
-                <a:spcPct val="0"/>
-              </a:spcAft>
-              <a:buClrTx/>
-              <a:buSzTx/>
-              <a:buFontTx/>
-              <a:buNone/>
-              <a:tabLst/>
-            </a:pPr>
-            <a:r>
-              <a:rPr lang="en-US" sz="1400" b="0" dirty="0">
-                <a:latin typeface="Arial" pitchFamily="-112" charset="0"/>
-                <a:ea typeface="Arial" pitchFamily="-112" charset="0"/>
-                <a:cs typeface="Arial" pitchFamily="-112" charset="0"/>
-              </a:rPr>
-              <a:t>continuous independent variable</a:t>
-            </a:r>
-            <a:endParaRPr kumimoji="0" lang="en-US" sz="1400" b="0" i="0" u="none" strike="noStrike" cap="none" normalizeH="0" baseline="0" dirty="0">
-              <a:ln>
-                <a:noFill/>
-              </a:ln>
-              <a:solidFill>
-                <a:schemeClr val="tx1"/>
-              </a:solidFill>
-              <a:effectLst/>
-              <a:latin typeface="Arial" pitchFamily="-112" charset="0"/>
-              <a:ea typeface="Arial" pitchFamily="-112" charset="0"/>
-              <a:cs typeface="Arial" pitchFamily="-112" charset="0"/>
-            </a:endParaRPr>
-          </a:p>
-        </p:txBody>
-      </p:sp>
-      <p:sp>
-        <p:nvSpPr>
-          <p:cNvPr id="79" name="Rounded Rectangle 78">
-            <a:extLst>
-              <a:ext uri="{FF2B5EF4-FFF2-40B4-BE49-F238E27FC236}">
-                <a16:creationId xmlns:a16="http://schemas.microsoft.com/office/drawing/2014/main" id="{3448D37A-1171-0E4E-933E-13B9E9E35804}"/>
-              </a:ext>
-            </a:extLst>
-          </p:cNvPr>
-          <p:cNvSpPr/>
-          <p:nvPr/>
-        </p:nvSpPr>
-        <p:spPr bwMode="auto">
-          <a:xfrm>
-            <a:off x="252034" y="1231612"/>
-            <a:ext cx="1203239" cy="744425"/>
-          </a:xfrm>
-          <a:prstGeom prst="roundRect">
-            <a:avLst/>
-          </a:prstGeom>
-          <a:solidFill>
-            <a:schemeClr val="bg1"/>
-          </a:solidFill>
-          <a:ln w="6350" cap="flat" cmpd="sng" algn="ctr">
-            <a:solidFill>
-              <a:schemeClr val="tx1"/>
-            </a:solidFill>
-            <a:prstDash val="solid"/>
-            <a:round/>
-            <a:headEnd type="none" w="med" len="med"/>
-            <a:tailEnd type="none" w="med" len="med"/>
-          </a:ln>
-          <a:effectLst/>
-        </p:spPr>
-        <p:txBody>
-          <a:bodyPr vert="horz" wrap="square" lIns="91440" tIns="45720" rIns="91440" bIns="45720" numCol="1" rtlCol="0" anchor="t" anchorCtr="0" compatLnSpc="1">
-            <a:prstTxWarp prst="textNoShape">
-              <a:avLst/>
-            </a:prstTxWarp>
-          </a:bodyPr>
-          <a:lstStyle/>
-          <a:p>
-            <a:pPr marL="0" marR="0" indent="0" algn="ctr" defTabSz="914400" rtl="0" eaLnBrk="1" fontAlgn="base" latinLnBrk="0" hangingPunct="1">
-              <a:lnSpc>
-                <a:spcPct val="100000"/>
-              </a:lnSpc>
-              <a:spcBef>
-                <a:spcPct val="0"/>
-              </a:spcBef>
-              <a:spcAft>
-                <a:spcPct val="0"/>
-              </a:spcAft>
-              <a:buClrTx/>
-              <a:buSzTx/>
-              <a:buFontTx/>
-              <a:buNone/>
-              <a:tabLst/>
-            </a:pPr>
-            <a:r>
-              <a:rPr lang="en-US" sz="1400" b="0" dirty="0">
-                <a:latin typeface="Arial" pitchFamily="-112" charset="0"/>
-                <a:ea typeface="Arial" pitchFamily="-112" charset="0"/>
-                <a:cs typeface="Arial" pitchFamily="-112" charset="0"/>
-              </a:rPr>
-              <a:t>continuous dependent variable</a:t>
-            </a:r>
-            <a:endParaRPr kumimoji="0" lang="en-US" sz="1400" b="0" i="0" u="none" strike="noStrike" cap="none" normalizeH="0" baseline="0" dirty="0">
-              <a:ln>
-                <a:noFill/>
-              </a:ln>
-              <a:solidFill>
-                <a:schemeClr val="tx1"/>
-              </a:solidFill>
-              <a:effectLst/>
-              <a:latin typeface="Arial" pitchFamily="-112" charset="0"/>
-              <a:ea typeface="Arial" pitchFamily="-112" charset="0"/>
-              <a:cs typeface="Arial" pitchFamily="-112" charset="0"/>
-            </a:endParaRPr>
-          </a:p>
-        </p:txBody>
-      </p:sp>
-      <p:sp>
-        <p:nvSpPr>
-          <p:cNvPr id="80" name="Rounded Rectangle 79">
-            <a:extLst>
-              <a:ext uri="{FF2B5EF4-FFF2-40B4-BE49-F238E27FC236}">
-                <a16:creationId xmlns:a16="http://schemas.microsoft.com/office/drawing/2014/main" id="{F86FA6BA-ED83-3043-BD38-7567CBD544DA}"/>
-              </a:ext>
-            </a:extLst>
-          </p:cNvPr>
-          <p:cNvSpPr/>
-          <p:nvPr/>
-        </p:nvSpPr>
-        <p:spPr bwMode="auto">
-          <a:xfrm>
-            <a:off x="6529889" y="353839"/>
-            <a:ext cx="2033980" cy="568635"/>
-          </a:xfrm>
-          <a:prstGeom prst="roundRect">
-            <a:avLst/>
-          </a:prstGeom>
-          <a:solidFill>
-            <a:schemeClr val="bg1"/>
-          </a:solidFill>
-          <a:ln w="6350" cap="flat" cmpd="sng" algn="ctr">
-            <a:solidFill>
-              <a:schemeClr val="tx1"/>
-            </a:solidFill>
-            <a:prstDash val="solid"/>
-            <a:round/>
-            <a:headEnd type="none" w="med" len="med"/>
-            <a:tailEnd type="none" w="med" len="med"/>
-          </a:ln>
-          <a:effectLst/>
-        </p:spPr>
-        <p:txBody>
-          <a:bodyPr vert="horz" wrap="square" lIns="91440" tIns="45720" rIns="91440" bIns="45720" numCol="1" rtlCol="0" anchor="t" anchorCtr="0" compatLnSpc="1">
-            <a:prstTxWarp prst="textNoShape">
-              <a:avLst/>
-            </a:prstTxWarp>
-          </a:bodyPr>
-          <a:lstStyle/>
-          <a:p>
-            <a:pPr marL="0" marR="0" indent="0" algn="ctr" defTabSz="914400" rtl="0" eaLnBrk="1" fontAlgn="base" latinLnBrk="0" hangingPunct="1">
-              <a:lnSpc>
-                <a:spcPct val="100000"/>
-              </a:lnSpc>
-              <a:spcBef>
-                <a:spcPct val="0"/>
-              </a:spcBef>
-              <a:spcAft>
-                <a:spcPct val="0"/>
-              </a:spcAft>
-              <a:buClrTx/>
-              <a:buSzTx/>
-              <a:buFontTx/>
-              <a:buNone/>
-              <a:tabLst/>
-            </a:pPr>
-            <a:r>
-              <a:rPr lang="en-US" sz="1400" b="0" dirty="0">
-                <a:latin typeface="Arial" pitchFamily="-112" charset="0"/>
-                <a:ea typeface="Arial" pitchFamily="-112" charset="0"/>
-                <a:cs typeface="Arial" pitchFamily="-112" charset="0"/>
-              </a:rPr>
-              <a:t>discrete independent variable</a:t>
-            </a:r>
-            <a:endParaRPr kumimoji="0" lang="en-US" sz="1400" b="0" i="0" u="none" strike="noStrike" cap="none" normalizeH="0" baseline="0" dirty="0">
-              <a:ln>
-                <a:noFill/>
-              </a:ln>
-              <a:solidFill>
-                <a:schemeClr val="tx1"/>
-              </a:solidFill>
-              <a:effectLst/>
-              <a:latin typeface="Arial" pitchFamily="-112" charset="0"/>
-              <a:ea typeface="Arial" pitchFamily="-112" charset="0"/>
-              <a:cs typeface="Arial" pitchFamily="-112" charset="0"/>
-            </a:endParaRPr>
-          </a:p>
-        </p:txBody>
-      </p:sp>
-      <p:sp>
-        <p:nvSpPr>
-          <p:cNvPr id="81" name="Rounded Rectangle 80">
-            <a:extLst>
-              <a:ext uri="{FF2B5EF4-FFF2-40B4-BE49-F238E27FC236}">
-                <a16:creationId xmlns:a16="http://schemas.microsoft.com/office/drawing/2014/main" id="{943EFA48-634A-1040-BD61-A0B3D4249359}"/>
-              </a:ext>
-            </a:extLst>
-          </p:cNvPr>
-          <p:cNvSpPr/>
-          <p:nvPr/>
-        </p:nvSpPr>
-        <p:spPr bwMode="auto">
-          <a:xfrm>
-            <a:off x="1771678" y="1248473"/>
-            <a:ext cx="1122523" cy="727564"/>
-          </a:xfrm>
-          <a:prstGeom prst="roundRect">
-            <a:avLst/>
-          </a:prstGeom>
-          <a:solidFill>
-            <a:schemeClr val="bg1"/>
-          </a:solidFill>
-          <a:ln w="6350" cap="flat" cmpd="sng" algn="ctr">
-            <a:solidFill>
-              <a:schemeClr val="tx1"/>
-            </a:solidFill>
-            <a:prstDash val="solid"/>
-            <a:round/>
-            <a:headEnd type="none" w="med" len="med"/>
-            <a:tailEnd type="none" w="med" len="med"/>
-          </a:ln>
-          <a:effectLst/>
-        </p:spPr>
-        <p:txBody>
-          <a:bodyPr vert="horz" wrap="square" lIns="91440" tIns="45720" rIns="91440" bIns="45720" numCol="1" rtlCol="0" anchor="t" anchorCtr="0" compatLnSpc="1">
-            <a:prstTxWarp prst="textNoShape">
-              <a:avLst/>
-            </a:prstTxWarp>
-          </a:bodyPr>
-          <a:lstStyle/>
-          <a:p>
-            <a:pPr marL="0" marR="0" indent="0" algn="ctr" defTabSz="914400" rtl="0" eaLnBrk="1" fontAlgn="base" latinLnBrk="0" hangingPunct="1">
-              <a:lnSpc>
-                <a:spcPct val="100000"/>
-              </a:lnSpc>
-              <a:spcBef>
-                <a:spcPct val="0"/>
-              </a:spcBef>
-              <a:spcAft>
-                <a:spcPct val="0"/>
-              </a:spcAft>
-              <a:buClrTx/>
-              <a:buSzTx/>
-              <a:buFontTx/>
-              <a:buNone/>
-              <a:tabLst/>
-            </a:pPr>
-            <a:r>
-              <a:rPr lang="en-US" sz="1400" b="0" dirty="0">
-                <a:latin typeface="Arial" pitchFamily="-112" charset="0"/>
-                <a:ea typeface="Arial" pitchFamily="-112" charset="0"/>
-                <a:cs typeface="Arial" pitchFamily="-112" charset="0"/>
-              </a:rPr>
-              <a:t>discrete dependent variable</a:t>
-            </a:r>
-            <a:endParaRPr kumimoji="0" lang="en-US" sz="1400" b="0" i="0" u="none" strike="noStrike" cap="none" normalizeH="0" baseline="0" dirty="0">
-              <a:ln>
-                <a:noFill/>
-              </a:ln>
-              <a:solidFill>
-                <a:schemeClr val="tx1"/>
-              </a:solidFill>
-              <a:effectLst/>
-              <a:latin typeface="Arial" pitchFamily="-112" charset="0"/>
-              <a:ea typeface="Arial" pitchFamily="-112" charset="0"/>
-              <a:cs typeface="Arial" pitchFamily="-112" charset="0"/>
-            </a:endParaRPr>
-          </a:p>
-        </p:txBody>
-      </p:sp>
-      <p:sp>
-        <p:nvSpPr>
           <p:cNvPr id="83" name="Rounded Rectangle 82">
             <a:extLst>
               <a:ext uri="{FF2B5EF4-FFF2-40B4-BE49-F238E27FC236}">
@@ -24599,168 +24194,6 @@
       </p:sp>
       <p:sp>
         <p:nvSpPr>
-          <p:cNvPr id="101" name="Rounded Rectangle 100">
-            <a:extLst>
-              <a:ext uri="{FF2B5EF4-FFF2-40B4-BE49-F238E27FC236}">
-                <a16:creationId xmlns:a16="http://schemas.microsoft.com/office/drawing/2014/main" id="{EE6177B3-6C3D-7642-A01E-FDC2C86E1E6D}"/>
-              </a:ext>
-            </a:extLst>
-          </p:cNvPr>
-          <p:cNvSpPr/>
-          <p:nvPr/>
-        </p:nvSpPr>
-        <p:spPr bwMode="auto">
-          <a:xfrm>
-            <a:off x="5791200" y="1207930"/>
-            <a:ext cx="1549403" cy="744425"/>
-          </a:xfrm>
-          <a:prstGeom prst="roundRect">
-            <a:avLst/>
-          </a:prstGeom>
-          <a:solidFill>
-            <a:schemeClr val="bg1"/>
-          </a:solidFill>
-          <a:ln w="6350" cap="flat" cmpd="sng" algn="ctr">
-            <a:solidFill>
-              <a:schemeClr val="tx1"/>
-            </a:solidFill>
-            <a:prstDash val="solid"/>
-            <a:round/>
-            <a:headEnd type="none" w="med" len="med"/>
-            <a:tailEnd type="none" w="med" len="med"/>
-          </a:ln>
-          <a:effectLst/>
-        </p:spPr>
-        <p:txBody>
-          <a:bodyPr vert="horz" wrap="square" lIns="91440" tIns="45720" rIns="91440" bIns="45720" numCol="1" rtlCol="0" anchor="t" anchorCtr="0" compatLnSpc="1">
-            <a:prstTxWarp prst="textNoShape">
-              <a:avLst/>
-            </a:prstTxWarp>
-          </a:bodyPr>
-          <a:lstStyle/>
-          <a:p>
-            <a:pPr marL="0" marR="0" indent="0" algn="ctr" defTabSz="914400" rtl="0" eaLnBrk="1" fontAlgn="base" latinLnBrk="0" hangingPunct="1">
-              <a:lnSpc>
-                <a:spcPct val="100000"/>
-              </a:lnSpc>
-              <a:spcBef>
-                <a:spcPct val="0"/>
-              </a:spcBef>
-              <a:spcAft>
-                <a:spcPct val="0"/>
-              </a:spcAft>
-              <a:buClrTx/>
-              <a:buSzTx/>
-              <a:buFontTx/>
-              <a:buNone/>
-              <a:tabLst/>
-            </a:pPr>
-            <a:r>
-              <a:rPr lang="en-US" sz="1400" b="0" dirty="0">
-                <a:latin typeface="Arial" pitchFamily="-112" charset="0"/>
-                <a:ea typeface="Arial" pitchFamily="-112" charset="0"/>
-                <a:cs typeface="Arial" pitchFamily="-112" charset="0"/>
-              </a:rPr>
-              <a:t>Continuous dependent variable</a:t>
-            </a:r>
-            <a:endParaRPr kumimoji="0" lang="en-US" sz="1400" b="0" i="0" u="none" strike="noStrike" cap="none" normalizeH="0" baseline="0" dirty="0">
-              <a:ln>
-                <a:noFill/>
-              </a:ln>
-              <a:solidFill>
-                <a:schemeClr val="tx1"/>
-              </a:solidFill>
-              <a:effectLst/>
-              <a:latin typeface="Arial" pitchFamily="-112" charset="0"/>
-              <a:ea typeface="Arial" pitchFamily="-112" charset="0"/>
-              <a:cs typeface="Arial" pitchFamily="-112" charset="0"/>
-            </a:endParaRPr>
-          </a:p>
-        </p:txBody>
-      </p:sp>
-      <p:sp>
-        <p:nvSpPr>
-          <p:cNvPr id="103" name="Rounded Rectangle 102">
-            <a:extLst>
-              <a:ext uri="{FF2B5EF4-FFF2-40B4-BE49-F238E27FC236}">
-                <a16:creationId xmlns:a16="http://schemas.microsoft.com/office/drawing/2014/main" id="{70AEE714-F1C8-8040-933D-7C6473B38F75}"/>
-              </a:ext>
-            </a:extLst>
-          </p:cNvPr>
-          <p:cNvSpPr/>
-          <p:nvPr/>
-        </p:nvSpPr>
-        <p:spPr bwMode="auto">
-          <a:xfrm>
-            <a:off x="7437992" y="1202122"/>
-            <a:ext cx="1553607" cy="727564"/>
-          </a:xfrm>
-          <a:prstGeom prst="roundRect">
-            <a:avLst/>
-          </a:prstGeom>
-          <a:solidFill>
-            <a:schemeClr val="bg1"/>
-          </a:solidFill>
-          <a:ln w="6350" cap="flat" cmpd="sng" algn="ctr">
-            <a:solidFill>
-              <a:schemeClr val="tx1"/>
-            </a:solidFill>
-            <a:prstDash val="solid"/>
-            <a:round/>
-            <a:headEnd type="none" w="med" len="med"/>
-            <a:tailEnd type="none" w="med" len="med"/>
-          </a:ln>
-          <a:effectLst/>
-        </p:spPr>
-        <p:txBody>
-          <a:bodyPr vert="horz" wrap="square" lIns="91440" tIns="45720" rIns="91440" bIns="45720" numCol="1" rtlCol="0" anchor="t" anchorCtr="0" compatLnSpc="1">
-            <a:prstTxWarp prst="textNoShape">
-              <a:avLst/>
-            </a:prstTxWarp>
-          </a:bodyPr>
-          <a:lstStyle/>
-          <a:p>
-            <a:pPr marL="0" marR="0" indent="0" algn="ctr" defTabSz="914400" rtl="0" eaLnBrk="1" fontAlgn="base" latinLnBrk="0" hangingPunct="1">
-              <a:lnSpc>
-                <a:spcPct val="100000"/>
-              </a:lnSpc>
-              <a:spcBef>
-                <a:spcPct val="0"/>
-              </a:spcBef>
-              <a:spcAft>
-                <a:spcPct val="0"/>
-              </a:spcAft>
-              <a:buClrTx/>
-              <a:buSzTx/>
-              <a:buFontTx/>
-              <a:buNone/>
-              <a:tabLst/>
-            </a:pPr>
-            <a:r>
-              <a:rPr lang="en-US" sz="1400" b="0" dirty="0">
-                <a:latin typeface="Arial" pitchFamily="-112" charset="0"/>
-                <a:ea typeface="Arial" pitchFamily="-112" charset="0"/>
-                <a:cs typeface="Arial" pitchFamily="-112" charset="0"/>
-              </a:rPr>
-              <a:t>Discrete/categorical dependent variable</a:t>
-            </a:r>
-            <a:endParaRPr kumimoji="0" lang="en-US" sz="1400" b="0" i="0" u="none" strike="noStrike" cap="none" normalizeH="0" baseline="0" dirty="0">
-              <a:ln>
-                <a:noFill/>
-              </a:ln>
-              <a:solidFill>
-                <a:schemeClr val="tx1"/>
-              </a:solidFill>
-              <a:effectLst/>
-              <a:latin typeface="Arial" pitchFamily="-112" charset="0"/>
-              <a:ea typeface="Arial" pitchFamily="-112" charset="0"/>
-              <a:cs typeface="Arial" pitchFamily="-112" charset="0"/>
-            </a:endParaRPr>
-          </a:p>
-        </p:txBody>
-      </p:sp>
-      <p:sp>
-        <p:nvSpPr>
           <p:cNvPr id="104" name="Rounded Rectangle 103">
             <a:extLst>
               <a:ext uri="{FF2B5EF4-FFF2-40B4-BE49-F238E27FC236}">
@@ -25903,159 +25336,6 @@
       </p:sp>
       <p:cxnSp>
         <p:nvCxnSpPr>
-          <p:cNvPr id="124" name="Straight Connector 123">
-            <a:extLst>
-              <a:ext uri="{FF2B5EF4-FFF2-40B4-BE49-F238E27FC236}">
-                <a16:creationId xmlns:a16="http://schemas.microsoft.com/office/drawing/2014/main" id="{105BEC71-9604-A94D-917F-728B30D80F6B}"/>
-              </a:ext>
-            </a:extLst>
-          </p:cNvPr>
-          <p:cNvCxnSpPr>
-            <a:stCxn id="77" idx="1"/>
-            <a:endCxn id="78" idx="3"/>
-          </p:cNvCxnSpPr>
-          <p:nvPr/>
-        </p:nvCxnSpPr>
-        <p:spPr bwMode="auto">
-          <a:xfrm flipH="1">
-            <a:off x="2736073" y="544339"/>
-            <a:ext cx="886691" cy="161397"/>
-          </a:xfrm>
-          <a:prstGeom prst="line">
-            <a:avLst/>
-          </a:prstGeom>
-          <a:solidFill>
-            <a:schemeClr val="accent1"/>
-          </a:solidFill>
-          <a:ln w="9525" cap="flat" cmpd="sng" algn="ctr">
-            <a:solidFill>
-              <a:schemeClr val="tx1"/>
-            </a:solidFill>
-            <a:prstDash val="solid"/>
-            <a:round/>
-            <a:headEnd type="none" w="med" len="med"/>
-            <a:tailEnd type="none" w="med" len="med"/>
-          </a:ln>
-          <a:effectLst/>
-        </p:spPr>
-      </p:cxnSp>
-      <p:cxnSp>
-        <p:nvCxnSpPr>
-          <p:cNvPr id="126" name="Straight Connector 125">
-            <a:extLst>
-              <a:ext uri="{FF2B5EF4-FFF2-40B4-BE49-F238E27FC236}">
-                <a16:creationId xmlns:a16="http://schemas.microsoft.com/office/drawing/2014/main" id="{B1681337-C2FD-544B-84BA-FCFAC7C6BD0B}"/>
-              </a:ext>
-            </a:extLst>
-          </p:cNvPr>
-          <p:cNvCxnSpPr>
-            <a:stCxn id="77" idx="3"/>
-            <a:endCxn id="80" idx="1"/>
-          </p:cNvCxnSpPr>
-          <p:nvPr/>
-        </p:nvCxnSpPr>
-        <p:spPr bwMode="auto">
-          <a:xfrm>
-            <a:off x="5908764" y="544339"/>
-            <a:ext cx="621125" cy="93818"/>
-          </a:xfrm>
-          <a:prstGeom prst="line">
-            <a:avLst/>
-          </a:prstGeom>
-          <a:solidFill>
-            <a:schemeClr val="accent1"/>
-          </a:solidFill>
-          <a:ln w="9525" cap="flat" cmpd="sng" algn="ctr">
-            <a:solidFill>
-              <a:schemeClr val="tx1"/>
-            </a:solidFill>
-            <a:prstDash val="solid"/>
-            <a:round/>
-            <a:headEnd type="none" w="med" len="med"/>
-            <a:tailEnd type="none" w="med" len="med"/>
-          </a:ln>
-          <a:effectLst/>
-        </p:spPr>
-      </p:cxnSp>
-      <p:cxnSp>
-        <p:nvCxnSpPr>
-          <p:cNvPr id="127" name="Straight Connector 126">
-            <a:extLst>
-              <a:ext uri="{FF2B5EF4-FFF2-40B4-BE49-F238E27FC236}">
-                <a16:creationId xmlns:a16="http://schemas.microsoft.com/office/drawing/2014/main" id="{C76AE613-88AC-4547-8A05-5622D3AEC314}"/>
-              </a:ext>
-            </a:extLst>
-          </p:cNvPr>
-          <p:cNvCxnSpPr>
-            <a:cxnSpLocks/>
-            <a:endCxn id="79" idx="0"/>
-          </p:cNvCxnSpPr>
-          <p:nvPr/>
-        </p:nvCxnSpPr>
-        <p:spPr bwMode="auto">
-          <a:xfrm flipH="1">
-            <a:off x="853654" y="1028745"/>
-            <a:ext cx="723341" cy="202867"/>
-          </a:xfrm>
-          <a:prstGeom prst="line">
-            <a:avLst/>
-          </a:prstGeom>
-          <a:solidFill>
-            <a:schemeClr val="accent1"/>
-          </a:solidFill>
-          <a:ln w="9525" cap="flat" cmpd="sng" algn="ctr">
-            <a:solidFill>
-              <a:schemeClr val="tx1"/>
-            </a:solidFill>
-            <a:prstDash val="solid"/>
-            <a:round/>
-            <a:headEnd type="none" w="med" len="med"/>
-            <a:tailEnd type="none" w="med" len="med"/>
-          </a:ln>
-          <a:effectLst/>
-        </p:spPr>
-      </p:cxnSp>
-      <p:cxnSp>
-        <p:nvCxnSpPr>
-          <p:cNvPr id="129" name="Straight Connector 128">
-            <a:extLst>
-              <a:ext uri="{FF2B5EF4-FFF2-40B4-BE49-F238E27FC236}">
-                <a16:creationId xmlns:a16="http://schemas.microsoft.com/office/drawing/2014/main" id="{C0E414A3-731C-0B43-B4AA-3B5F07AC1D49}"/>
-              </a:ext>
-            </a:extLst>
-          </p:cNvPr>
-          <p:cNvCxnSpPr>
-            <a:cxnSpLocks/>
-            <a:stCxn id="78" idx="2"/>
-            <a:endCxn id="81" idx="0"/>
-          </p:cNvCxnSpPr>
-          <p:nvPr/>
-        </p:nvCxnSpPr>
-        <p:spPr bwMode="auto">
-          <a:xfrm>
-            <a:off x="1731619" y="1028745"/>
-            <a:ext cx="601321" cy="219728"/>
-          </a:xfrm>
-          <a:prstGeom prst="line">
-            <a:avLst/>
-          </a:prstGeom>
-          <a:solidFill>
-            <a:schemeClr val="accent1"/>
-          </a:solidFill>
-          <a:ln w="9525" cap="flat" cmpd="sng" algn="ctr">
-            <a:solidFill>
-              <a:schemeClr val="tx1"/>
-            </a:solidFill>
-            <a:prstDash val="solid"/>
-            <a:round/>
-            <a:headEnd type="none" w="med" len="med"/>
-            <a:tailEnd type="none" w="med" len="med"/>
-          </a:ln>
-          <a:effectLst/>
-        </p:spPr>
-      </p:cxnSp>
-      <p:cxnSp>
-        <p:nvCxnSpPr>
           <p:cNvPr id="130" name="Straight Connector 129">
             <a:extLst>
               <a:ext uri="{FF2B5EF4-FFF2-40B4-BE49-F238E27FC236}">
@@ -26066,7 +25346,6 @@
           <p:cNvCxnSpPr>
             <a:cxnSpLocks/>
             <a:stCxn id="83" idx="0"/>
-            <a:endCxn id="79" idx="2"/>
           </p:cNvCxnSpPr>
           <p:nvPr/>
         </p:nvCxnSpPr>
@@ -26105,7 +25384,6 @@
           <p:cNvCxnSpPr>
             <a:cxnSpLocks/>
             <a:stCxn id="84" idx="0"/>
-            <a:endCxn id="81" idx="2"/>
           </p:cNvCxnSpPr>
           <p:nvPr/>
         </p:nvCxnSpPr>
@@ -26113,84 +25391,6 @@
           <a:xfrm flipH="1" flipV="1">
             <a:off x="2332940" y="1976037"/>
             <a:ext cx="1502" cy="187210"/>
-          </a:xfrm>
-          <a:prstGeom prst="line">
-            <a:avLst/>
-          </a:prstGeom>
-          <a:solidFill>
-            <a:schemeClr val="accent1"/>
-          </a:solidFill>
-          <a:ln w="9525" cap="flat" cmpd="sng" algn="ctr">
-            <a:solidFill>
-              <a:schemeClr val="tx1"/>
-            </a:solidFill>
-            <a:prstDash val="solid"/>
-            <a:round/>
-            <a:headEnd type="none" w="med" len="med"/>
-            <a:tailEnd type="none" w="med" len="med"/>
-          </a:ln>
-          <a:effectLst/>
-        </p:spPr>
-      </p:cxnSp>
-      <p:cxnSp>
-        <p:nvCxnSpPr>
-          <p:cNvPr id="133" name="Straight Connector 132">
-            <a:extLst>
-              <a:ext uri="{FF2B5EF4-FFF2-40B4-BE49-F238E27FC236}">
-                <a16:creationId xmlns:a16="http://schemas.microsoft.com/office/drawing/2014/main" id="{62FF9486-71CE-E741-89B8-F0EF35462020}"/>
-              </a:ext>
-            </a:extLst>
-          </p:cNvPr>
-          <p:cNvCxnSpPr>
-            <a:cxnSpLocks/>
-            <a:stCxn id="80" idx="2"/>
-            <a:endCxn id="101" idx="0"/>
-          </p:cNvCxnSpPr>
-          <p:nvPr/>
-        </p:nvCxnSpPr>
-        <p:spPr bwMode="auto">
-          <a:xfrm flipH="1">
-            <a:off x="6565902" y="922474"/>
-            <a:ext cx="980977" cy="285456"/>
-          </a:xfrm>
-          <a:prstGeom prst="line">
-            <a:avLst/>
-          </a:prstGeom>
-          <a:solidFill>
-            <a:schemeClr val="accent1"/>
-          </a:solidFill>
-          <a:ln w="9525" cap="flat" cmpd="sng" algn="ctr">
-            <a:solidFill>
-              <a:schemeClr val="tx1"/>
-            </a:solidFill>
-            <a:prstDash val="solid"/>
-            <a:round/>
-            <a:headEnd type="none" w="med" len="med"/>
-            <a:tailEnd type="none" w="med" len="med"/>
-          </a:ln>
-          <a:effectLst/>
-        </p:spPr>
-      </p:cxnSp>
-      <p:cxnSp>
-        <p:nvCxnSpPr>
-          <p:cNvPr id="135" name="Straight Connector 134">
-            <a:extLst>
-              <a:ext uri="{FF2B5EF4-FFF2-40B4-BE49-F238E27FC236}">
-                <a16:creationId xmlns:a16="http://schemas.microsoft.com/office/drawing/2014/main" id="{E4133861-C898-E44E-BD27-D717B1B0AF03}"/>
-              </a:ext>
-            </a:extLst>
-          </p:cNvPr>
-          <p:cNvCxnSpPr>
-            <a:cxnSpLocks/>
-            <a:stCxn id="80" idx="2"/>
-            <a:endCxn id="103" idx="0"/>
-          </p:cNvCxnSpPr>
-          <p:nvPr/>
-        </p:nvCxnSpPr>
-        <p:spPr bwMode="auto">
-          <a:xfrm>
-            <a:off x="7546879" y="922474"/>
-            <a:ext cx="667917" cy="279648"/>
           </a:xfrm>
           <a:prstGeom prst="line">
             <a:avLst/>
@@ -26221,7 +25421,6 @@
           </p:cNvPr>
           <p:cNvCxnSpPr>
             <a:cxnSpLocks/>
-            <a:stCxn id="101" idx="2"/>
             <a:endCxn id="85" idx="0"/>
           </p:cNvCxnSpPr>
           <p:nvPr/>
@@ -26260,7 +25459,6 @@
           </p:cNvPr>
           <p:cNvCxnSpPr>
             <a:cxnSpLocks/>
-            <a:stCxn id="101" idx="2"/>
             <a:endCxn id="87" idx="0"/>
           </p:cNvCxnSpPr>
           <p:nvPr/>
@@ -26299,7 +25497,6 @@
           </p:cNvPr>
           <p:cNvCxnSpPr>
             <a:cxnSpLocks/>
-            <a:stCxn id="103" idx="2"/>
             <a:endCxn id="110" idx="0"/>
           </p:cNvCxnSpPr>
           <p:nvPr/>
@@ -26338,7 +25535,6 @@
           </p:cNvPr>
           <p:cNvCxnSpPr>
             <a:cxnSpLocks/>
-            <a:stCxn id="103" idx="2"/>
             <a:endCxn id="112" idx="0"/>
           </p:cNvCxnSpPr>
           <p:nvPr/>
@@ -27594,12 +26790,881 @@
           <a:effectLst/>
         </p:spPr>
       </p:cxnSp>
+      <p:sp>
+        <p:nvSpPr>
+          <p:cNvPr id="108" name="Rectangle 107">
+            <a:extLst>
+              <a:ext uri="{FF2B5EF4-FFF2-40B4-BE49-F238E27FC236}">
+                <a16:creationId xmlns:a16="http://schemas.microsoft.com/office/drawing/2014/main" id="{130FF0DE-784F-124D-9672-5A70601C5955}"/>
+              </a:ext>
+            </a:extLst>
+          </p:cNvPr>
+          <p:cNvSpPr/>
+          <p:nvPr/>
+        </p:nvSpPr>
+        <p:spPr bwMode="auto">
+          <a:xfrm>
+            <a:off x="2317000" y="1975855"/>
+            <a:ext cx="2763074" cy="816246"/>
+          </a:xfrm>
+          <a:prstGeom prst="rect">
+            <a:avLst/>
+          </a:prstGeom>
+          <a:solidFill>
+            <a:schemeClr val="bg1">
+              <a:alpha val="85000"/>
+            </a:schemeClr>
+          </a:solidFill>
+          <a:ln w="9525" cap="flat" cmpd="sng" algn="ctr">
+            <a:noFill/>
+            <a:prstDash val="solid"/>
+            <a:round/>
+            <a:headEnd type="none" w="med" len="med"/>
+            <a:tailEnd type="none" w="med" len="med"/>
+          </a:ln>
+          <a:effectLst/>
+        </p:spPr>
+        <p:txBody>
+          <a:bodyPr vert="horz" wrap="square" lIns="91440" tIns="45720" rIns="91440" bIns="45720" numCol="1" rtlCol="0" anchor="t" anchorCtr="0" compatLnSpc="1">
+            <a:prstTxWarp prst="textNoShape">
+              <a:avLst/>
+            </a:prstTxWarp>
+          </a:bodyPr>
+          <a:lstStyle/>
+          <a:p>
+            <a:pPr marL="0" marR="0" indent="0" algn="l" defTabSz="914400" rtl="0" eaLnBrk="1" fontAlgn="base" latinLnBrk="0" hangingPunct="1">
+              <a:lnSpc>
+                <a:spcPct val="100000"/>
+              </a:lnSpc>
+              <a:spcBef>
+                <a:spcPct val="0"/>
+              </a:spcBef>
+              <a:spcAft>
+                <a:spcPct val="0"/>
+              </a:spcAft>
+              <a:buClrTx/>
+              <a:buSzTx/>
+              <a:buFontTx/>
+              <a:buNone/>
+              <a:tabLst/>
+            </a:pPr>
+            <a:endParaRPr kumimoji="0" lang="en-US" sz="1800" b="1" i="0" u="none" strike="noStrike" cap="none" normalizeH="0" baseline="0">
+              <a:ln>
+                <a:noFill/>
+              </a:ln>
+              <a:solidFill>
+                <a:schemeClr val="tx1"/>
+              </a:solidFill>
+              <a:effectLst/>
+              <a:latin typeface="Arial" pitchFamily="-112" charset="0"/>
+              <a:ea typeface="Arial" pitchFamily="-112" charset="0"/>
+              <a:cs typeface="Arial" pitchFamily="-112" charset="0"/>
+            </a:endParaRPr>
+          </a:p>
+        </p:txBody>
+      </p:sp>
+      <p:sp>
+        <p:nvSpPr>
+          <p:cNvPr id="86" name="Rounded Rectangle 85">
+            <a:extLst>
+              <a:ext uri="{FF2B5EF4-FFF2-40B4-BE49-F238E27FC236}">
+                <a16:creationId xmlns:a16="http://schemas.microsoft.com/office/drawing/2014/main" id="{7DC7BC7D-3198-E245-AA02-EC9401D2F9B0}"/>
+              </a:ext>
+            </a:extLst>
+          </p:cNvPr>
+          <p:cNvSpPr/>
+          <p:nvPr/>
+        </p:nvSpPr>
+        <p:spPr bwMode="auto">
+          <a:xfrm>
+            <a:off x="3622764" y="353839"/>
+            <a:ext cx="2286000" cy="381000"/>
+          </a:xfrm>
+          <a:prstGeom prst="roundRect">
+            <a:avLst/>
+          </a:prstGeom>
+          <a:solidFill>
+            <a:schemeClr val="bg1"/>
+          </a:solidFill>
+          <a:ln w="6350" cap="flat" cmpd="sng" algn="ctr">
+            <a:solidFill>
+              <a:schemeClr val="tx1"/>
+            </a:solidFill>
+            <a:prstDash val="solid"/>
+            <a:round/>
+            <a:headEnd type="none" w="med" len="med"/>
+            <a:tailEnd type="none" w="med" len="med"/>
+          </a:ln>
+          <a:effectLst/>
+        </p:spPr>
+        <p:txBody>
+          <a:bodyPr vert="horz" wrap="square" lIns="91440" tIns="45720" rIns="91440" bIns="45720" numCol="1" rtlCol="0" anchor="t" anchorCtr="0" compatLnSpc="1">
+            <a:prstTxWarp prst="textNoShape">
+              <a:avLst/>
+            </a:prstTxWarp>
+          </a:bodyPr>
+          <a:lstStyle/>
+          <a:p>
+            <a:pPr marL="0" marR="0" indent="0" algn="l" defTabSz="914400" rtl="0" eaLnBrk="1" fontAlgn="base" latinLnBrk="0" hangingPunct="1">
+              <a:lnSpc>
+                <a:spcPct val="100000"/>
+              </a:lnSpc>
+              <a:spcBef>
+                <a:spcPct val="0"/>
+              </a:spcBef>
+              <a:spcAft>
+                <a:spcPct val="0"/>
+              </a:spcAft>
+              <a:buClrTx/>
+              <a:buSzTx/>
+              <a:buFontTx/>
+              <a:buNone/>
+              <a:tabLst/>
+            </a:pPr>
+            <a:r>
+              <a:rPr lang="en-US" dirty="0">
+                <a:latin typeface="Arial" pitchFamily="-112" charset="0"/>
+                <a:ea typeface="Arial" pitchFamily="-112" charset="0"/>
+                <a:cs typeface="Arial" pitchFamily="-112" charset="0"/>
+              </a:rPr>
+              <a:t>What type of data?</a:t>
+            </a:r>
+            <a:endParaRPr kumimoji="0" lang="en-US" sz="1800" b="1" i="0" u="none" strike="noStrike" cap="none" normalizeH="0" baseline="0" dirty="0">
+              <a:ln>
+                <a:noFill/>
+              </a:ln>
+              <a:solidFill>
+                <a:schemeClr val="tx1"/>
+              </a:solidFill>
+              <a:effectLst/>
+              <a:latin typeface="Arial" pitchFamily="-112" charset="0"/>
+              <a:ea typeface="Arial" pitchFamily="-112" charset="0"/>
+              <a:cs typeface="Arial" pitchFamily="-112" charset="0"/>
+            </a:endParaRPr>
+          </a:p>
+        </p:txBody>
+      </p:sp>
+      <p:sp>
+        <p:nvSpPr>
+          <p:cNvPr id="105" name="Rounded Rectangle 104">
+            <a:extLst>
+              <a:ext uri="{FF2B5EF4-FFF2-40B4-BE49-F238E27FC236}">
+                <a16:creationId xmlns:a16="http://schemas.microsoft.com/office/drawing/2014/main" id="{F0A6CB9E-0FF6-9146-9F98-48A23692C4B6}"/>
+              </a:ext>
+            </a:extLst>
+          </p:cNvPr>
+          <p:cNvSpPr/>
+          <p:nvPr/>
+        </p:nvSpPr>
+        <p:spPr bwMode="auto">
+          <a:xfrm>
+            <a:off x="727164" y="382727"/>
+            <a:ext cx="2008909" cy="646018"/>
+          </a:xfrm>
+          <a:prstGeom prst="roundRect">
+            <a:avLst/>
+          </a:prstGeom>
+          <a:solidFill>
+            <a:schemeClr val="bg1"/>
+          </a:solidFill>
+          <a:ln w="6350" cap="flat" cmpd="sng" algn="ctr">
+            <a:solidFill>
+              <a:schemeClr val="tx1"/>
+            </a:solidFill>
+            <a:prstDash val="solid"/>
+            <a:round/>
+            <a:headEnd type="none" w="med" len="med"/>
+            <a:tailEnd type="none" w="med" len="med"/>
+          </a:ln>
+          <a:effectLst/>
+        </p:spPr>
+        <p:txBody>
+          <a:bodyPr vert="horz" wrap="square" lIns="91440" tIns="45720" rIns="91440" bIns="45720" numCol="1" rtlCol="0" anchor="t" anchorCtr="0" compatLnSpc="1">
+            <a:prstTxWarp prst="textNoShape">
+              <a:avLst/>
+            </a:prstTxWarp>
+          </a:bodyPr>
+          <a:lstStyle/>
+          <a:p>
+            <a:pPr marL="0" marR="0" indent="0" algn="ctr" defTabSz="914400" rtl="0" eaLnBrk="1" fontAlgn="base" latinLnBrk="0" hangingPunct="1">
+              <a:lnSpc>
+                <a:spcPct val="100000"/>
+              </a:lnSpc>
+              <a:spcBef>
+                <a:spcPct val="0"/>
+              </a:spcBef>
+              <a:spcAft>
+                <a:spcPct val="0"/>
+              </a:spcAft>
+              <a:buClrTx/>
+              <a:buSzTx/>
+              <a:buFontTx/>
+              <a:buNone/>
+              <a:tabLst/>
+            </a:pPr>
+            <a:r>
+              <a:rPr lang="en-US" sz="1400" b="0" dirty="0">
+                <a:latin typeface="Arial" pitchFamily="-112" charset="0"/>
+                <a:ea typeface="Arial" pitchFamily="-112" charset="0"/>
+                <a:cs typeface="Arial" pitchFamily="-112" charset="0"/>
+              </a:rPr>
+              <a:t>scale independent variable</a:t>
+            </a:r>
+            <a:endParaRPr kumimoji="0" lang="en-US" sz="1400" b="0" i="0" u="none" strike="noStrike" cap="none" normalizeH="0" baseline="0" dirty="0">
+              <a:ln>
+                <a:noFill/>
+              </a:ln>
+              <a:solidFill>
+                <a:schemeClr val="tx1"/>
+              </a:solidFill>
+              <a:effectLst/>
+              <a:latin typeface="Arial" pitchFamily="-112" charset="0"/>
+              <a:ea typeface="Arial" pitchFamily="-112" charset="0"/>
+              <a:cs typeface="Arial" pitchFamily="-112" charset="0"/>
+            </a:endParaRPr>
+          </a:p>
+        </p:txBody>
+      </p:sp>
+      <p:sp>
+        <p:nvSpPr>
+          <p:cNvPr id="114" name="Rounded Rectangle 113">
+            <a:extLst>
+              <a:ext uri="{FF2B5EF4-FFF2-40B4-BE49-F238E27FC236}">
+                <a16:creationId xmlns:a16="http://schemas.microsoft.com/office/drawing/2014/main" id="{91CD033E-2C67-DA4A-B8E9-20091C51CF5C}"/>
+              </a:ext>
+            </a:extLst>
+          </p:cNvPr>
+          <p:cNvSpPr/>
+          <p:nvPr/>
+        </p:nvSpPr>
+        <p:spPr bwMode="auto">
+          <a:xfrm>
+            <a:off x="252034" y="1231612"/>
+            <a:ext cx="1203239" cy="744425"/>
+          </a:xfrm>
+          <a:prstGeom prst="roundRect">
+            <a:avLst/>
+          </a:prstGeom>
+          <a:solidFill>
+            <a:schemeClr val="bg1"/>
+          </a:solidFill>
+          <a:ln w="6350" cap="flat" cmpd="sng" algn="ctr">
+            <a:solidFill>
+              <a:schemeClr val="tx1"/>
+            </a:solidFill>
+            <a:prstDash val="solid"/>
+            <a:round/>
+            <a:headEnd type="none" w="med" len="med"/>
+            <a:tailEnd type="none" w="med" len="med"/>
+          </a:ln>
+          <a:effectLst/>
+        </p:spPr>
+        <p:txBody>
+          <a:bodyPr vert="horz" wrap="square" lIns="91440" tIns="45720" rIns="91440" bIns="45720" numCol="1" rtlCol="0" anchor="t" anchorCtr="0" compatLnSpc="1">
+            <a:prstTxWarp prst="textNoShape">
+              <a:avLst/>
+            </a:prstTxWarp>
+          </a:bodyPr>
+          <a:lstStyle/>
+          <a:p>
+            <a:pPr marL="0" marR="0" indent="0" algn="ctr" defTabSz="914400" rtl="0" eaLnBrk="1" fontAlgn="base" latinLnBrk="0" hangingPunct="1">
+              <a:lnSpc>
+                <a:spcPct val="100000"/>
+              </a:lnSpc>
+              <a:spcBef>
+                <a:spcPct val="0"/>
+              </a:spcBef>
+              <a:spcAft>
+                <a:spcPct val="0"/>
+              </a:spcAft>
+              <a:buClrTx/>
+              <a:buSzTx/>
+              <a:buFontTx/>
+              <a:buNone/>
+              <a:tabLst/>
+            </a:pPr>
+            <a:r>
+              <a:rPr lang="en-US" sz="1400" b="0" dirty="0">
+                <a:latin typeface="Arial" pitchFamily="-112" charset="0"/>
+                <a:ea typeface="Arial" pitchFamily="-112" charset="0"/>
+                <a:cs typeface="Arial" pitchFamily="-112" charset="0"/>
+              </a:rPr>
+              <a:t>scale dependent variable</a:t>
+            </a:r>
+            <a:endParaRPr kumimoji="0" lang="en-US" sz="1400" b="0" i="0" u="none" strike="noStrike" cap="none" normalizeH="0" baseline="0" dirty="0">
+              <a:ln>
+                <a:noFill/>
+              </a:ln>
+              <a:solidFill>
+                <a:schemeClr val="tx1"/>
+              </a:solidFill>
+              <a:effectLst/>
+              <a:latin typeface="Arial" pitchFamily="-112" charset="0"/>
+              <a:ea typeface="Arial" pitchFamily="-112" charset="0"/>
+              <a:cs typeface="Arial" pitchFamily="-112" charset="0"/>
+            </a:endParaRPr>
+          </a:p>
+        </p:txBody>
+      </p:sp>
+      <p:sp>
+        <p:nvSpPr>
+          <p:cNvPr id="117" name="Rounded Rectangle 116">
+            <a:extLst>
+              <a:ext uri="{FF2B5EF4-FFF2-40B4-BE49-F238E27FC236}">
+                <a16:creationId xmlns:a16="http://schemas.microsoft.com/office/drawing/2014/main" id="{A3CEAAD1-61C0-C54B-9C33-44A196867D44}"/>
+              </a:ext>
+            </a:extLst>
+          </p:cNvPr>
+          <p:cNvSpPr/>
+          <p:nvPr/>
+        </p:nvSpPr>
+        <p:spPr bwMode="auto">
+          <a:xfrm>
+            <a:off x="6529889" y="353839"/>
+            <a:ext cx="2033980" cy="568635"/>
+          </a:xfrm>
+          <a:prstGeom prst="roundRect">
+            <a:avLst/>
+          </a:prstGeom>
+          <a:solidFill>
+            <a:schemeClr val="bg1"/>
+          </a:solidFill>
+          <a:ln w="6350" cap="flat" cmpd="sng" algn="ctr">
+            <a:solidFill>
+              <a:schemeClr val="tx1"/>
+            </a:solidFill>
+            <a:prstDash val="solid"/>
+            <a:round/>
+            <a:headEnd type="none" w="med" len="med"/>
+            <a:tailEnd type="none" w="med" len="med"/>
+          </a:ln>
+          <a:effectLst/>
+        </p:spPr>
+        <p:txBody>
+          <a:bodyPr vert="horz" wrap="square" lIns="91440" tIns="45720" rIns="91440" bIns="45720" numCol="1" rtlCol="0" anchor="t" anchorCtr="0" compatLnSpc="1">
+            <a:prstTxWarp prst="textNoShape">
+              <a:avLst/>
+            </a:prstTxWarp>
+          </a:bodyPr>
+          <a:lstStyle/>
+          <a:p>
+            <a:pPr marL="0" marR="0" indent="0" algn="ctr" defTabSz="914400" rtl="0" eaLnBrk="1" fontAlgn="base" latinLnBrk="0" hangingPunct="1">
+              <a:lnSpc>
+                <a:spcPct val="100000"/>
+              </a:lnSpc>
+              <a:spcBef>
+                <a:spcPct val="0"/>
+              </a:spcBef>
+              <a:spcAft>
+                <a:spcPct val="0"/>
+              </a:spcAft>
+              <a:buClrTx/>
+              <a:buSzTx/>
+              <a:buFontTx/>
+              <a:buNone/>
+              <a:tabLst/>
+            </a:pPr>
+            <a:r>
+              <a:rPr lang="en-US" sz="1400" b="0" dirty="0">
+                <a:latin typeface="Arial" pitchFamily="-112" charset="0"/>
+                <a:ea typeface="Arial" pitchFamily="-112" charset="0"/>
+                <a:cs typeface="Arial" pitchFamily="-112" charset="0"/>
+              </a:rPr>
+              <a:t>categorical independent variable</a:t>
+            </a:r>
+            <a:endParaRPr kumimoji="0" lang="en-US" sz="1400" b="0" i="0" u="none" strike="noStrike" cap="none" normalizeH="0" baseline="0" dirty="0">
+              <a:ln>
+                <a:noFill/>
+              </a:ln>
+              <a:solidFill>
+                <a:schemeClr val="tx1"/>
+              </a:solidFill>
+              <a:effectLst/>
+              <a:latin typeface="Arial" pitchFamily="-112" charset="0"/>
+              <a:ea typeface="Arial" pitchFamily="-112" charset="0"/>
+              <a:cs typeface="Arial" pitchFamily="-112" charset="0"/>
+            </a:endParaRPr>
+          </a:p>
+        </p:txBody>
+      </p:sp>
+      <p:sp>
+        <p:nvSpPr>
+          <p:cNvPr id="121" name="Rounded Rectangle 120">
+            <a:extLst>
+              <a:ext uri="{FF2B5EF4-FFF2-40B4-BE49-F238E27FC236}">
+                <a16:creationId xmlns:a16="http://schemas.microsoft.com/office/drawing/2014/main" id="{D197362C-DACC-744B-A22A-939DA3F23F2F}"/>
+              </a:ext>
+            </a:extLst>
+          </p:cNvPr>
+          <p:cNvSpPr/>
+          <p:nvPr/>
+        </p:nvSpPr>
+        <p:spPr bwMode="auto">
+          <a:xfrm>
+            <a:off x="1771678" y="1248473"/>
+            <a:ext cx="1122523" cy="727564"/>
+          </a:xfrm>
+          <a:prstGeom prst="roundRect">
+            <a:avLst/>
+          </a:prstGeom>
+          <a:solidFill>
+            <a:schemeClr val="bg1"/>
+          </a:solidFill>
+          <a:ln w="6350" cap="flat" cmpd="sng" algn="ctr">
+            <a:solidFill>
+              <a:schemeClr val="tx1"/>
+            </a:solidFill>
+            <a:prstDash val="solid"/>
+            <a:round/>
+            <a:headEnd type="none" w="med" len="med"/>
+            <a:tailEnd type="none" w="med" len="med"/>
+          </a:ln>
+          <a:effectLst/>
+        </p:spPr>
+        <p:txBody>
+          <a:bodyPr vert="horz" wrap="square" lIns="91440" tIns="45720" rIns="91440" bIns="45720" numCol="1" rtlCol="0" anchor="t" anchorCtr="0" compatLnSpc="1">
+            <a:prstTxWarp prst="textNoShape">
+              <a:avLst/>
+            </a:prstTxWarp>
+          </a:bodyPr>
+          <a:lstStyle/>
+          <a:p>
+            <a:pPr marL="0" marR="0" indent="0" algn="ctr" defTabSz="914400" rtl="0" eaLnBrk="1" fontAlgn="base" latinLnBrk="0" hangingPunct="1">
+              <a:lnSpc>
+                <a:spcPct val="100000"/>
+              </a:lnSpc>
+              <a:spcBef>
+                <a:spcPct val="0"/>
+              </a:spcBef>
+              <a:spcAft>
+                <a:spcPct val="0"/>
+              </a:spcAft>
+              <a:buClrTx/>
+              <a:buSzTx/>
+              <a:buFontTx/>
+              <a:buNone/>
+              <a:tabLst/>
+            </a:pPr>
+            <a:r>
+              <a:rPr lang="en-US" sz="1400" b="0" dirty="0">
+                <a:latin typeface="Arial" pitchFamily="-112" charset="0"/>
+                <a:ea typeface="Arial" pitchFamily="-112" charset="0"/>
+                <a:cs typeface="Arial" pitchFamily="-112" charset="0"/>
+              </a:rPr>
+              <a:t>categorical dependent variable</a:t>
+            </a:r>
+            <a:endParaRPr kumimoji="0" lang="en-US" sz="1400" b="0" i="0" u="none" strike="noStrike" cap="none" normalizeH="0" baseline="0" dirty="0">
+              <a:ln>
+                <a:noFill/>
+              </a:ln>
+              <a:solidFill>
+                <a:schemeClr val="tx1"/>
+              </a:solidFill>
+              <a:effectLst/>
+              <a:latin typeface="Arial" pitchFamily="-112" charset="0"/>
+              <a:ea typeface="Arial" pitchFamily="-112" charset="0"/>
+              <a:cs typeface="Arial" pitchFamily="-112" charset="0"/>
+            </a:endParaRPr>
+          </a:p>
+        </p:txBody>
+      </p:sp>
+      <p:cxnSp>
+        <p:nvCxnSpPr>
+          <p:cNvPr id="125" name="Straight Connector 124">
+            <a:extLst>
+              <a:ext uri="{FF2B5EF4-FFF2-40B4-BE49-F238E27FC236}">
+                <a16:creationId xmlns:a16="http://schemas.microsoft.com/office/drawing/2014/main" id="{7764E133-58D7-3543-B5BA-089361540548}"/>
+              </a:ext>
+            </a:extLst>
+          </p:cNvPr>
+          <p:cNvCxnSpPr>
+            <a:stCxn id="86" idx="1"/>
+            <a:endCxn id="105" idx="3"/>
+          </p:cNvCxnSpPr>
+          <p:nvPr/>
+        </p:nvCxnSpPr>
+        <p:spPr bwMode="auto">
+          <a:xfrm flipH="1">
+            <a:off x="2736073" y="544339"/>
+            <a:ext cx="886691" cy="161397"/>
+          </a:xfrm>
+          <a:prstGeom prst="line">
+            <a:avLst/>
+          </a:prstGeom>
+          <a:solidFill>
+            <a:schemeClr val="accent1"/>
+          </a:solidFill>
+          <a:ln w="9525" cap="flat" cmpd="sng" algn="ctr">
+            <a:solidFill>
+              <a:schemeClr val="tx1"/>
+            </a:solidFill>
+            <a:prstDash val="solid"/>
+            <a:round/>
+            <a:headEnd type="none" w="med" len="med"/>
+            <a:tailEnd type="none" w="med" len="med"/>
+          </a:ln>
+          <a:effectLst/>
+        </p:spPr>
+      </p:cxnSp>
+      <p:cxnSp>
+        <p:nvCxnSpPr>
+          <p:cNvPr id="128" name="Straight Connector 127">
+            <a:extLst>
+              <a:ext uri="{FF2B5EF4-FFF2-40B4-BE49-F238E27FC236}">
+                <a16:creationId xmlns:a16="http://schemas.microsoft.com/office/drawing/2014/main" id="{42A31E3B-BBAC-034B-AE54-0C07A32747B7}"/>
+              </a:ext>
+            </a:extLst>
+          </p:cNvPr>
+          <p:cNvCxnSpPr>
+            <a:stCxn id="86" idx="3"/>
+            <a:endCxn id="117" idx="1"/>
+          </p:cNvCxnSpPr>
+          <p:nvPr/>
+        </p:nvCxnSpPr>
+        <p:spPr bwMode="auto">
+          <a:xfrm>
+            <a:off x="5908764" y="544339"/>
+            <a:ext cx="621125" cy="93818"/>
+          </a:xfrm>
+          <a:prstGeom prst="line">
+            <a:avLst/>
+          </a:prstGeom>
+          <a:solidFill>
+            <a:schemeClr val="accent1"/>
+          </a:solidFill>
+          <a:ln w="9525" cap="flat" cmpd="sng" algn="ctr">
+            <a:solidFill>
+              <a:schemeClr val="tx1"/>
+            </a:solidFill>
+            <a:prstDash val="solid"/>
+            <a:round/>
+            <a:headEnd type="none" w="med" len="med"/>
+            <a:tailEnd type="none" w="med" len="med"/>
+          </a:ln>
+          <a:effectLst/>
+        </p:spPr>
+      </p:cxnSp>
+      <p:cxnSp>
+        <p:nvCxnSpPr>
+          <p:cNvPr id="131" name="Straight Connector 130">
+            <a:extLst>
+              <a:ext uri="{FF2B5EF4-FFF2-40B4-BE49-F238E27FC236}">
+                <a16:creationId xmlns:a16="http://schemas.microsoft.com/office/drawing/2014/main" id="{F991E6D2-6D51-1040-90E2-407588442943}"/>
+              </a:ext>
+            </a:extLst>
+          </p:cNvPr>
+          <p:cNvCxnSpPr>
+            <a:cxnSpLocks/>
+            <a:endCxn id="114" idx="0"/>
+          </p:cNvCxnSpPr>
+          <p:nvPr/>
+        </p:nvCxnSpPr>
+        <p:spPr bwMode="auto">
+          <a:xfrm flipH="1">
+            <a:off x="853654" y="1028745"/>
+            <a:ext cx="723341" cy="202867"/>
+          </a:xfrm>
+          <a:prstGeom prst="line">
+            <a:avLst/>
+          </a:prstGeom>
+          <a:solidFill>
+            <a:schemeClr val="accent1"/>
+          </a:solidFill>
+          <a:ln w="9525" cap="flat" cmpd="sng" algn="ctr">
+            <a:solidFill>
+              <a:schemeClr val="tx1"/>
+            </a:solidFill>
+            <a:prstDash val="solid"/>
+            <a:round/>
+            <a:headEnd type="none" w="med" len="med"/>
+            <a:tailEnd type="none" w="med" len="med"/>
+          </a:ln>
+          <a:effectLst/>
+        </p:spPr>
+      </p:cxnSp>
+      <p:cxnSp>
+        <p:nvCxnSpPr>
+          <p:cNvPr id="134" name="Straight Connector 133">
+            <a:extLst>
+              <a:ext uri="{FF2B5EF4-FFF2-40B4-BE49-F238E27FC236}">
+                <a16:creationId xmlns:a16="http://schemas.microsoft.com/office/drawing/2014/main" id="{46390B65-28C8-A447-A50B-537D76195EA9}"/>
+              </a:ext>
+            </a:extLst>
+          </p:cNvPr>
+          <p:cNvCxnSpPr>
+            <a:cxnSpLocks/>
+            <a:stCxn id="105" idx="2"/>
+            <a:endCxn id="121" idx="0"/>
+          </p:cNvCxnSpPr>
+          <p:nvPr/>
+        </p:nvCxnSpPr>
+        <p:spPr bwMode="auto">
+          <a:xfrm>
+            <a:off x="1731619" y="1028745"/>
+            <a:ext cx="601321" cy="219728"/>
+          </a:xfrm>
+          <a:prstGeom prst="line">
+            <a:avLst/>
+          </a:prstGeom>
+          <a:solidFill>
+            <a:schemeClr val="accent1"/>
+          </a:solidFill>
+          <a:ln w="9525" cap="flat" cmpd="sng" algn="ctr">
+            <a:solidFill>
+              <a:schemeClr val="tx1"/>
+            </a:solidFill>
+            <a:prstDash val="solid"/>
+            <a:round/>
+            <a:headEnd type="none" w="med" len="med"/>
+            <a:tailEnd type="none" w="med" len="med"/>
+          </a:ln>
+          <a:effectLst/>
+        </p:spPr>
+      </p:cxnSp>
+      <p:cxnSp>
+        <p:nvCxnSpPr>
+          <p:cNvPr id="138" name="Straight Connector 137">
+            <a:extLst>
+              <a:ext uri="{FF2B5EF4-FFF2-40B4-BE49-F238E27FC236}">
+                <a16:creationId xmlns:a16="http://schemas.microsoft.com/office/drawing/2014/main" id="{AB7475D6-4FD3-B945-B0C9-0078B5DD6A2B}"/>
+              </a:ext>
+            </a:extLst>
+          </p:cNvPr>
+          <p:cNvCxnSpPr>
+            <a:cxnSpLocks/>
+            <a:stCxn id="117" idx="2"/>
+          </p:cNvCxnSpPr>
+          <p:nvPr/>
+        </p:nvCxnSpPr>
+        <p:spPr bwMode="auto">
+          <a:xfrm flipH="1">
+            <a:off x="6738984" y="922474"/>
+            <a:ext cx="807895" cy="285456"/>
+          </a:xfrm>
+          <a:prstGeom prst="line">
+            <a:avLst/>
+          </a:prstGeom>
+          <a:solidFill>
+            <a:schemeClr val="accent1"/>
+          </a:solidFill>
+          <a:ln w="9525" cap="flat" cmpd="sng" algn="ctr">
+            <a:solidFill>
+              <a:schemeClr val="tx1"/>
+            </a:solidFill>
+            <a:prstDash val="solid"/>
+            <a:round/>
+            <a:headEnd type="none" w="med" len="med"/>
+            <a:tailEnd type="none" w="med" len="med"/>
+          </a:ln>
+          <a:effectLst/>
+        </p:spPr>
+      </p:cxnSp>
+      <p:cxnSp>
+        <p:nvCxnSpPr>
+          <p:cNvPr id="150" name="Straight Connector 149">
+            <a:extLst>
+              <a:ext uri="{FF2B5EF4-FFF2-40B4-BE49-F238E27FC236}">
+                <a16:creationId xmlns:a16="http://schemas.microsoft.com/office/drawing/2014/main" id="{0E5539F1-DD0D-F744-838A-DB196035EDFC}"/>
+              </a:ext>
+            </a:extLst>
+          </p:cNvPr>
+          <p:cNvCxnSpPr>
+            <a:cxnSpLocks/>
+            <a:stCxn id="117" idx="2"/>
+          </p:cNvCxnSpPr>
+          <p:nvPr/>
+        </p:nvCxnSpPr>
+        <p:spPr bwMode="auto">
+          <a:xfrm>
+            <a:off x="7546879" y="922474"/>
+            <a:ext cx="725436" cy="279648"/>
+          </a:xfrm>
+          <a:prstGeom prst="line">
+            <a:avLst/>
+          </a:prstGeom>
+          <a:solidFill>
+            <a:schemeClr val="accent1"/>
+          </a:solidFill>
+          <a:ln w="9525" cap="flat" cmpd="sng" algn="ctr">
+            <a:solidFill>
+              <a:schemeClr val="tx1"/>
+            </a:solidFill>
+            <a:prstDash val="solid"/>
+            <a:round/>
+            <a:headEnd type="none" w="med" len="med"/>
+            <a:tailEnd type="none" w="med" len="med"/>
+          </a:ln>
+          <a:effectLst/>
+        </p:spPr>
+      </p:cxnSp>
+      <p:sp>
+        <p:nvSpPr>
+          <p:cNvPr id="154" name="Rounded Rectangle 153">
+            <a:extLst>
+              <a:ext uri="{FF2B5EF4-FFF2-40B4-BE49-F238E27FC236}">
+                <a16:creationId xmlns:a16="http://schemas.microsoft.com/office/drawing/2014/main" id="{B920317E-1B5D-5B47-9F21-7063A2F3FED7}"/>
+              </a:ext>
+            </a:extLst>
+          </p:cNvPr>
+          <p:cNvSpPr/>
+          <p:nvPr/>
+        </p:nvSpPr>
+        <p:spPr bwMode="auto">
+          <a:xfrm>
+            <a:off x="5791200" y="1207930"/>
+            <a:ext cx="1549403" cy="744425"/>
+          </a:xfrm>
+          <a:prstGeom prst="roundRect">
+            <a:avLst/>
+          </a:prstGeom>
+          <a:solidFill>
+            <a:schemeClr val="bg1"/>
+          </a:solidFill>
+          <a:ln w="6350" cap="flat" cmpd="sng" algn="ctr">
+            <a:solidFill>
+              <a:schemeClr val="tx1"/>
+            </a:solidFill>
+            <a:prstDash val="solid"/>
+            <a:round/>
+            <a:headEnd type="none" w="med" len="med"/>
+            <a:tailEnd type="none" w="med" len="med"/>
+          </a:ln>
+          <a:effectLst/>
+        </p:spPr>
+        <p:txBody>
+          <a:bodyPr vert="horz" wrap="square" lIns="91440" tIns="45720" rIns="91440" bIns="45720" numCol="1" rtlCol="0" anchor="t" anchorCtr="0" compatLnSpc="1">
+            <a:prstTxWarp prst="textNoShape">
+              <a:avLst/>
+            </a:prstTxWarp>
+          </a:bodyPr>
+          <a:lstStyle/>
+          <a:p>
+            <a:pPr marL="0" marR="0" indent="0" algn="ctr" defTabSz="914400" rtl="0" eaLnBrk="1" fontAlgn="base" latinLnBrk="0" hangingPunct="1">
+              <a:lnSpc>
+                <a:spcPct val="100000"/>
+              </a:lnSpc>
+              <a:spcBef>
+                <a:spcPct val="0"/>
+              </a:spcBef>
+              <a:spcAft>
+                <a:spcPct val="0"/>
+              </a:spcAft>
+              <a:buClrTx/>
+              <a:buSzTx/>
+              <a:buFontTx/>
+              <a:buNone/>
+              <a:tabLst/>
+            </a:pPr>
+            <a:r>
+              <a:rPr lang="en-US" sz="1400" b="0" dirty="0">
+                <a:latin typeface="Arial" pitchFamily="-112" charset="0"/>
+                <a:ea typeface="Arial" pitchFamily="-112" charset="0"/>
+                <a:cs typeface="Arial" pitchFamily="-112" charset="0"/>
+              </a:rPr>
+              <a:t>scale dependent variable</a:t>
+            </a:r>
+            <a:endParaRPr kumimoji="0" lang="en-US" sz="1400" b="0" i="0" u="none" strike="noStrike" cap="none" normalizeH="0" baseline="0" dirty="0">
+              <a:ln>
+                <a:noFill/>
+              </a:ln>
+              <a:solidFill>
+                <a:schemeClr val="tx1"/>
+              </a:solidFill>
+              <a:effectLst/>
+              <a:latin typeface="Arial" pitchFamily="-112" charset="0"/>
+              <a:ea typeface="Arial" pitchFamily="-112" charset="0"/>
+              <a:cs typeface="Arial" pitchFamily="-112" charset="0"/>
+            </a:endParaRPr>
+          </a:p>
+        </p:txBody>
+      </p:sp>
+      <p:sp>
+        <p:nvSpPr>
+          <p:cNvPr id="157" name="Rounded Rectangle 156">
+            <a:extLst>
+              <a:ext uri="{FF2B5EF4-FFF2-40B4-BE49-F238E27FC236}">
+                <a16:creationId xmlns:a16="http://schemas.microsoft.com/office/drawing/2014/main" id="{DC9F79F9-E9A7-CE4A-9B3D-D94A4CB08CE9}"/>
+              </a:ext>
+            </a:extLst>
+          </p:cNvPr>
+          <p:cNvSpPr/>
+          <p:nvPr/>
+        </p:nvSpPr>
+        <p:spPr bwMode="auto">
+          <a:xfrm>
+            <a:off x="7437992" y="1202122"/>
+            <a:ext cx="1553607" cy="727564"/>
+          </a:xfrm>
+          <a:prstGeom prst="roundRect">
+            <a:avLst/>
+          </a:prstGeom>
+          <a:solidFill>
+            <a:schemeClr val="bg1"/>
+          </a:solidFill>
+          <a:ln w="6350" cap="flat" cmpd="sng" algn="ctr">
+            <a:solidFill>
+              <a:schemeClr val="tx1"/>
+            </a:solidFill>
+            <a:prstDash val="solid"/>
+            <a:round/>
+            <a:headEnd type="none" w="med" len="med"/>
+            <a:tailEnd type="none" w="med" len="med"/>
+          </a:ln>
+          <a:effectLst/>
+        </p:spPr>
+        <p:txBody>
+          <a:bodyPr vert="horz" wrap="square" lIns="91440" tIns="45720" rIns="91440" bIns="45720" numCol="1" rtlCol="0" anchor="t" anchorCtr="0" compatLnSpc="1">
+            <a:prstTxWarp prst="textNoShape">
+              <a:avLst/>
+            </a:prstTxWarp>
+          </a:bodyPr>
+          <a:lstStyle/>
+          <a:p>
+            <a:pPr marL="0" marR="0" indent="0" algn="ctr" defTabSz="914400" rtl="0" eaLnBrk="1" fontAlgn="base" latinLnBrk="0" hangingPunct="1">
+              <a:lnSpc>
+                <a:spcPct val="100000"/>
+              </a:lnSpc>
+              <a:spcBef>
+                <a:spcPct val="0"/>
+              </a:spcBef>
+              <a:spcAft>
+                <a:spcPct val="0"/>
+              </a:spcAft>
+              <a:buClrTx/>
+              <a:buSzTx/>
+              <a:buFontTx/>
+              <a:buNone/>
+              <a:tabLst/>
+            </a:pPr>
+            <a:r>
+              <a:rPr lang="en-US" sz="1400" b="0" dirty="0">
+                <a:latin typeface="Arial" pitchFamily="-112" charset="0"/>
+                <a:ea typeface="Arial" pitchFamily="-112" charset="0"/>
+                <a:cs typeface="Arial" pitchFamily="-112" charset="0"/>
+              </a:rPr>
+              <a:t>categorical dependent variable</a:t>
+            </a:r>
+            <a:endParaRPr kumimoji="0" lang="en-US" sz="1400" b="0" i="0" u="none" strike="noStrike" cap="none" normalizeH="0" baseline="0" dirty="0">
+              <a:ln>
+                <a:noFill/>
+              </a:ln>
+              <a:solidFill>
+                <a:schemeClr val="tx1"/>
+              </a:solidFill>
+              <a:effectLst/>
+              <a:latin typeface="Arial" pitchFamily="-112" charset="0"/>
+              <a:ea typeface="Arial" pitchFamily="-112" charset="0"/>
+              <a:cs typeface="Arial" pitchFamily="-112" charset="0"/>
+            </a:endParaRPr>
+          </a:p>
+        </p:txBody>
+      </p:sp>
       <p:grpSp>
         <p:nvGrpSpPr>
-          <p:cNvPr id="89" name="Group 88">
+          <p:cNvPr id="160" name="Group 159">
             <a:extLst>
               <a:ext uri="{FF2B5EF4-FFF2-40B4-BE49-F238E27FC236}">
-                <a16:creationId xmlns:a16="http://schemas.microsoft.com/office/drawing/2014/main" id="{4F592C8D-A5DF-BB49-AAAE-CA6070EDDB5A}"/>
+                <a16:creationId xmlns:a16="http://schemas.microsoft.com/office/drawing/2014/main" id="{F88B5BFF-1910-A646-911A-8F4F8BB0AA95}"/>
               </a:ext>
             </a:extLst>
           </p:cNvPr>
@@ -27608,18 +27673,18 @@
         </p:nvGrpSpPr>
         <p:grpSpPr>
           <a:xfrm>
-            <a:off x="59029" y="76201"/>
-            <a:ext cx="9084971" cy="6781800"/>
+            <a:off x="59029" y="0"/>
+            <a:ext cx="9084971" cy="6858001"/>
             <a:chOff x="59029" y="76201"/>
             <a:chExt cx="9084971" cy="6781800"/>
           </a:xfrm>
         </p:grpSpPr>
         <p:sp>
           <p:nvSpPr>
-            <p:cNvPr id="92" name="Rectangle 91">
+            <p:cNvPr id="163" name="Rectangle 162">
               <a:extLst>
                 <a:ext uri="{FF2B5EF4-FFF2-40B4-BE49-F238E27FC236}">
-                  <a16:creationId xmlns:a16="http://schemas.microsoft.com/office/drawing/2014/main" id="{C02ADFD7-1E22-0842-AAAE-A052DF377F8C}"/>
+                  <a16:creationId xmlns:a16="http://schemas.microsoft.com/office/drawing/2014/main" id="{F651A944-0BB9-0240-9503-79E328AC84E5}"/>
                 </a:ext>
               </a:extLst>
             </p:cNvPr>
@@ -27689,10 +27754,10 @@
         </p:sp>
         <p:sp>
           <p:nvSpPr>
-            <p:cNvPr id="98" name="Rectangle 97">
+            <p:cNvPr id="166" name="Rectangle 165">
               <a:extLst>
                 <a:ext uri="{FF2B5EF4-FFF2-40B4-BE49-F238E27FC236}">
-                  <a16:creationId xmlns:a16="http://schemas.microsoft.com/office/drawing/2014/main" id="{9E1D4B2B-F5E4-394B-AE76-A492C552CA20}"/>
+                  <a16:creationId xmlns:a16="http://schemas.microsoft.com/office/drawing/2014/main" id="{E2FF55EE-D54E-3149-A7A6-37269CF24C75}"/>
                 </a:ext>
               </a:extLst>
             </p:cNvPr>
@@ -27762,10 +27827,10 @@
         </p:sp>
         <p:sp>
           <p:nvSpPr>
-            <p:cNvPr id="102" name="Rectangle 101">
+            <p:cNvPr id="171" name="Rectangle 170">
               <a:extLst>
                 <a:ext uri="{FF2B5EF4-FFF2-40B4-BE49-F238E27FC236}">
-                  <a16:creationId xmlns:a16="http://schemas.microsoft.com/office/drawing/2014/main" id="{D354F01D-A7CA-574B-B432-DBBF2D981F62}"/>
+                  <a16:creationId xmlns:a16="http://schemas.microsoft.com/office/drawing/2014/main" id="{571E8619-1BAB-9D45-BA67-9574D70D8F6C}"/>
                 </a:ext>
               </a:extLst>
             </p:cNvPr>
@@ -27836,83 +27901,10 @@
       </p:grpSp>
       <p:sp>
         <p:nvSpPr>
-          <p:cNvPr id="108" name="Rectangle 107">
+          <p:cNvPr id="174" name="Title 1">
             <a:extLst>
               <a:ext uri="{FF2B5EF4-FFF2-40B4-BE49-F238E27FC236}">
-                <a16:creationId xmlns:a16="http://schemas.microsoft.com/office/drawing/2014/main" id="{130FF0DE-784F-124D-9672-5A70601C5955}"/>
-              </a:ext>
-            </a:extLst>
-          </p:cNvPr>
-          <p:cNvSpPr/>
-          <p:nvPr/>
-        </p:nvSpPr>
-        <p:spPr bwMode="auto">
-          <a:xfrm>
-            <a:off x="2317000" y="1975855"/>
-            <a:ext cx="2763074" cy="816246"/>
-          </a:xfrm>
-          <a:prstGeom prst="rect">
-            <a:avLst/>
-          </a:prstGeom>
-          <a:solidFill>
-            <a:schemeClr val="bg1">
-              <a:alpha val="85000"/>
-            </a:schemeClr>
-          </a:solidFill>
-          <a:ln w="9525" cap="flat" cmpd="sng" algn="ctr">
-            <a:noFill/>
-            <a:prstDash val="solid"/>
-            <a:round/>
-            <a:headEnd type="none" w="med" len="med"/>
-            <a:tailEnd type="none" w="med" len="med"/>
-          </a:ln>
-          <a:effectLst/>
-        </p:spPr>
-        <p:txBody>
-          <a:bodyPr vert="horz" wrap="square" lIns="91440" tIns="45720" rIns="91440" bIns="45720" numCol="1" rtlCol="0" anchor="t" anchorCtr="0" compatLnSpc="1">
-            <a:prstTxWarp prst="textNoShape">
-              <a:avLst/>
-            </a:prstTxWarp>
-          </a:bodyPr>
-          <a:lstStyle/>
-          <a:p>
-            <a:pPr marL="0" marR="0" indent="0" algn="l" defTabSz="914400" rtl="0" eaLnBrk="1" fontAlgn="base" latinLnBrk="0" hangingPunct="1">
-              <a:lnSpc>
-                <a:spcPct val="100000"/>
-              </a:lnSpc>
-              <a:spcBef>
-                <a:spcPct val="0"/>
-              </a:spcBef>
-              <a:spcAft>
-                <a:spcPct val="0"/>
-              </a:spcAft>
-              <a:buClrTx/>
-              <a:buSzTx/>
-              <a:buFontTx/>
-              <a:buNone/>
-              <a:tabLst/>
-            </a:pPr>
-            <a:endParaRPr kumimoji="0" lang="en-US" sz="1800" b="1" i="0" u="none" strike="noStrike" cap="none" normalizeH="0" baseline="0">
-              <a:ln>
-                <a:noFill/>
-              </a:ln>
-              <a:solidFill>
-                <a:schemeClr val="tx1"/>
-              </a:solidFill>
-              <a:effectLst/>
-              <a:latin typeface="Arial" pitchFamily="-112" charset="0"/>
-              <a:ea typeface="Arial" pitchFamily="-112" charset="0"/>
-              <a:cs typeface="Arial" pitchFamily="-112" charset="0"/>
-            </a:endParaRPr>
-          </a:p>
-        </p:txBody>
-      </p:sp>
-      <p:sp>
-        <p:nvSpPr>
-          <p:cNvPr id="111" name="Title 1">
-            <a:extLst>
-              <a:ext uri="{FF2B5EF4-FFF2-40B4-BE49-F238E27FC236}">
-                <a16:creationId xmlns:a16="http://schemas.microsoft.com/office/drawing/2014/main" id="{82F07BB1-631F-1D46-8197-EA417AC1AE70}"/>
+                <a16:creationId xmlns:a16="http://schemas.microsoft.com/office/drawing/2014/main" id="{7C33A633-AB46-1E4D-AC07-01B37870DF22}"/>
               </a:ext>
             </a:extLst>
           </p:cNvPr>
@@ -27923,7 +27915,7 @@
         </p:nvSpPr>
         <p:spPr bwMode="auto">
           <a:xfrm>
-            <a:off x="30847" y="621274"/>
+            <a:off x="-9336" y="2357202"/>
             <a:ext cx="9144000" cy="695769"/>
           </a:xfrm>
           <a:prstGeom prst="rect">
@@ -27939,7 +27931,7 @@
           </a:ln>
           <a:extLst>
             <a:ext uri="{91240B29-F687-4f45-9708-019B960494DF}">
-              <a14:hiddenLine xmlns:a14="http://schemas.microsoft.com/office/drawing/2010/main" xmlns="" w="9525">
+              <a14:hiddenLine xmlns="" xmlns:a14="http://schemas.microsoft.com/office/drawing/2010/main" w="9525">
                 <a:solidFill>
                   <a:srgbClr val="000000"/>
                 </a:solidFill>
@@ -28162,14 +28154,14 @@
           </a:ln>
           <a:extLst>
             <a:ext uri="{909E8E84-426E-40dd-AFC4-6F175D3DCCD1}">
-              <a14:hiddenFill xmlns:a14="http://schemas.microsoft.com/office/drawing/2010/main" xmlns="">
+              <a14:hiddenFill xmlns="" xmlns:a14="http://schemas.microsoft.com/office/drawing/2010/main">
                 <a:solidFill>
                   <a:srgbClr val="FFFFFF"/>
                 </a:solidFill>
               </a14:hiddenFill>
             </a:ext>
             <a:ext uri="{91240B29-F687-4f45-9708-019B960494DF}">
-              <a14:hiddenLine xmlns:a14="http://schemas.microsoft.com/office/drawing/2010/main" xmlns="" w="9525">
+              <a14:hiddenLine xmlns="" xmlns:a14="http://schemas.microsoft.com/office/drawing/2010/main" w="9525">
                 <a:solidFill>
                   <a:srgbClr val="000000"/>
                 </a:solidFill>
@@ -28179,7 +28171,7 @@
               </a14:hiddenLine>
             </a:ext>
             <a:ext uri="{FAA26D3D-D897-4be2-8F04-BA451C77F1D7}">
-              <ma14:placeholderFlag xmlns:ma14="http://schemas.microsoft.com/office/mac/drawingml/2011/main" xmlns="" val="1"/>
+              <ma14:placeholderFlag xmlns="" xmlns:ma14="http://schemas.microsoft.com/office/mac/drawingml/2011/main" val="1"/>
             </a:ext>
           </a:extLst>
         </p:spPr>
@@ -31243,7 +31235,7 @@
           </a:ln>
           <a:extLst>
             <a:ext uri="{91240B29-F687-4f45-9708-019B960494DF}">
-              <a14:hiddenLine xmlns="" xmlns:a14="http://schemas.microsoft.com/office/drawing/2010/main" w="9525">
+              <a14:hiddenLine xmlns:a14="http://schemas.microsoft.com/office/drawing/2010/main" xmlns="" w="9525">
                 <a:solidFill>
                   <a:srgbClr val="000000"/>
                 </a:solidFill>
@@ -31477,14 +31469,14 @@
           </a:ln>
           <a:extLst>
             <a:ext uri="{909E8E84-426E-40dd-AFC4-6F175D3DCCD1}">
-              <a14:hiddenFill xmlns:a14="http://schemas.microsoft.com/office/drawing/2010/main" xmlns="">
+              <a14:hiddenFill xmlns="" xmlns:a14="http://schemas.microsoft.com/office/drawing/2010/main">
                 <a:solidFill>
                   <a:srgbClr val="FFFFFF"/>
                 </a:solidFill>
               </a14:hiddenFill>
             </a:ext>
             <a:ext uri="{91240B29-F687-4f45-9708-019B960494DF}">
-              <a14:hiddenLine xmlns:a14="http://schemas.microsoft.com/office/drawing/2010/main" xmlns="" w="9525">
+              <a14:hiddenLine xmlns="" xmlns:a14="http://schemas.microsoft.com/office/drawing/2010/main" w="9525">
                 <a:solidFill>
                   <a:srgbClr val="000000"/>
                 </a:solidFill>
@@ -31494,7 +31486,7 @@
               </a14:hiddenLine>
             </a:ext>
             <a:ext uri="{FAA26D3D-D897-4be2-8F04-BA451C77F1D7}">
-              <ma14:placeholderFlag xmlns:ma14="http://schemas.microsoft.com/office/mac/drawingml/2011/main" xmlns="" val="1"/>
+              <ma14:placeholderFlag xmlns="" xmlns:ma14="http://schemas.microsoft.com/office/mac/drawingml/2011/main" val="1"/>
             </a:ext>
           </a:extLst>
         </p:spPr>
@@ -31694,14 +31686,14 @@
           </a:ln>
           <a:extLst>
             <a:ext uri="{909E8E84-426E-40dd-AFC4-6F175D3DCCD1}">
-              <a14:hiddenFill xmlns:a14="http://schemas.microsoft.com/office/drawing/2010/main" xmlns="">
+              <a14:hiddenFill xmlns="" xmlns:a14="http://schemas.microsoft.com/office/drawing/2010/main">
                 <a:solidFill>
                   <a:srgbClr val="FFFFFF"/>
                 </a:solidFill>
               </a14:hiddenFill>
             </a:ext>
             <a:ext uri="{91240B29-F687-4f45-9708-019B960494DF}">
-              <a14:hiddenLine xmlns:a14="http://schemas.microsoft.com/office/drawing/2010/main" xmlns="" w="9525">
+              <a14:hiddenLine xmlns="" xmlns:a14="http://schemas.microsoft.com/office/drawing/2010/main" w="9525">
                 <a:solidFill>
                   <a:srgbClr val="000000"/>
                 </a:solidFill>
@@ -31711,7 +31703,7 @@
               </a14:hiddenLine>
             </a:ext>
             <a:ext uri="{FAA26D3D-D897-4be2-8F04-BA451C77F1D7}">
-              <ma14:placeholderFlag xmlns:ma14="http://schemas.microsoft.com/office/mac/drawingml/2011/main" xmlns="" val="1"/>
+              <ma14:placeholderFlag xmlns="" xmlns:ma14="http://schemas.microsoft.com/office/mac/drawingml/2011/main" val="1"/>
             </a:ext>
           </a:extLst>
         </p:spPr>
@@ -32241,14 +32233,14 @@
           </a:ln>
           <a:extLst>
             <a:ext uri="{909E8E84-426E-40dd-AFC4-6F175D3DCCD1}">
-              <a14:hiddenFill xmlns:a14="http://schemas.microsoft.com/office/drawing/2010/main" xmlns="">
+              <a14:hiddenFill xmlns="" xmlns:a14="http://schemas.microsoft.com/office/drawing/2010/main">
                 <a:solidFill>
                   <a:srgbClr val="FFFFFF"/>
                 </a:solidFill>
               </a14:hiddenFill>
             </a:ext>
             <a:ext uri="{91240B29-F687-4f45-9708-019B960494DF}">
-              <a14:hiddenLine xmlns:a14="http://schemas.microsoft.com/office/drawing/2010/main" xmlns="" w="9525">
+              <a14:hiddenLine xmlns="" xmlns:a14="http://schemas.microsoft.com/office/drawing/2010/main" w="9525">
                 <a:solidFill>
                   <a:srgbClr val="000000"/>
                 </a:solidFill>
@@ -32258,7 +32250,7 @@
               </a14:hiddenLine>
             </a:ext>
             <a:ext uri="{FAA26D3D-D897-4be2-8F04-BA451C77F1D7}">
-              <ma14:placeholderFlag xmlns:ma14="http://schemas.microsoft.com/office/mac/drawingml/2011/main" xmlns="" val="1"/>
+              <ma14:placeholderFlag xmlns="" xmlns:ma14="http://schemas.microsoft.com/office/mac/drawingml/2011/main" val="1"/>
             </a:ext>
           </a:extLst>
         </p:spPr>
@@ -32490,411 +32482,6 @@
           <a:chExt cx="0" cy="0"/>
         </a:xfrm>
       </p:grpSpPr>
-      <p:sp>
-        <p:nvSpPr>
-          <p:cNvPr id="77" name="Rounded Rectangle 76">
-            <a:extLst>
-              <a:ext uri="{FF2B5EF4-FFF2-40B4-BE49-F238E27FC236}">
-                <a16:creationId xmlns:a16="http://schemas.microsoft.com/office/drawing/2014/main" id="{A13B1C3D-D028-6549-858B-E44B1A48CE04}"/>
-              </a:ext>
-            </a:extLst>
-          </p:cNvPr>
-          <p:cNvSpPr/>
-          <p:nvPr/>
-        </p:nvSpPr>
-        <p:spPr bwMode="auto">
-          <a:xfrm>
-            <a:off x="3622764" y="353839"/>
-            <a:ext cx="2286000" cy="381000"/>
-          </a:xfrm>
-          <a:prstGeom prst="roundRect">
-            <a:avLst/>
-          </a:prstGeom>
-          <a:solidFill>
-            <a:schemeClr val="bg1"/>
-          </a:solidFill>
-          <a:ln w="6350" cap="flat" cmpd="sng" algn="ctr">
-            <a:solidFill>
-              <a:schemeClr val="tx1"/>
-            </a:solidFill>
-            <a:prstDash val="solid"/>
-            <a:round/>
-            <a:headEnd type="none" w="med" len="med"/>
-            <a:tailEnd type="none" w="med" len="med"/>
-          </a:ln>
-          <a:effectLst/>
-        </p:spPr>
-        <p:txBody>
-          <a:bodyPr vert="horz" wrap="square" lIns="91440" tIns="45720" rIns="91440" bIns="45720" numCol="1" rtlCol="0" anchor="t" anchorCtr="0" compatLnSpc="1">
-            <a:prstTxWarp prst="textNoShape">
-              <a:avLst/>
-            </a:prstTxWarp>
-          </a:bodyPr>
-          <a:lstStyle/>
-          <a:p>
-            <a:pPr marL="0" marR="0" indent="0" algn="l" defTabSz="914400" rtl="0" eaLnBrk="1" fontAlgn="base" latinLnBrk="0" hangingPunct="1">
-              <a:lnSpc>
-                <a:spcPct val="100000"/>
-              </a:lnSpc>
-              <a:spcBef>
-                <a:spcPct val="0"/>
-              </a:spcBef>
-              <a:spcAft>
-                <a:spcPct val="0"/>
-              </a:spcAft>
-              <a:buClrTx/>
-              <a:buSzTx/>
-              <a:buFontTx/>
-              <a:buNone/>
-              <a:tabLst/>
-            </a:pPr>
-            <a:r>
-              <a:rPr lang="en-US" dirty="0">
-                <a:latin typeface="Arial" pitchFamily="-112" charset="0"/>
-                <a:ea typeface="Arial" pitchFamily="-112" charset="0"/>
-                <a:cs typeface="Arial" pitchFamily="-112" charset="0"/>
-              </a:rPr>
-              <a:t>What type of data?</a:t>
-            </a:r>
-            <a:endParaRPr kumimoji="0" lang="en-US" sz="1800" b="1" i="0" u="none" strike="noStrike" cap="none" normalizeH="0" baseline="0" dirty="0">
-              <a:ln>
-                <a:noFill/>
-              </a:ln>
-              <a:solidFill>
-                <a:schemeClr val="tx1"/>
-              </a:solidFill>
-              <a:effectLst/>
-              <a:latin typeface="Arial" pitchFamily="-112" charset="0"/>
-              <a:ea typeface="Arial" pitchFamily="-112" charset="0"/>
-              <a:cs typeface="Arial" pitchFamily="-112" charset="0"/>
-            </a:endParaRPr>
-          </a:p>
-        </p:txBody>
-      </p:sp>
-      <p:sp>
-        <p:nvSpPr>
-          <p:cNvPr id="78" name="Rounded Rectangle 77">
-            <a:extLst>
-              <a:ext uri="{FF2B5EF4-FFF2-40B4-BE49-F238E27FC236}">
-                <a16:creationId xmlns:a16="http://schemas.microsoft.com/office/drawing/2014/main" id="{00DC48AC-FE88-9347-8698-A5362BE3C496}"/>
-              </a:ext>
-            </a:extLst>
-          </p:cNvPr>
-          <p:cNvSpPr/>
-          <p:nvPr/>
-        </p:nvSpPr>
-        <p:spPr bwMode="auto">
-          <a:xfrm>
-            <a:off x="727164" y="382727"/>
-            <a:ext cx="2008909" cy="646018"/>
-          </a:xfrm>
-          <a:prstGeom prst="roundRect">
-            <a:avLst/>
-          </a:prstGeom>
-          <a:solidFill>
-            <a:schemeClr val="bg1"/>
-          </a:solidFill>
-          <a:ln w="6350" cap="flat" cmpd="sng" algn="ctr">
-            <a:solidFill>
-              <a:schemeClr val="tx1"/>
-            </a:solidFill>
-            <a:prstDash val="solid"/>
-            <a:round/>
-            <a:headEnd type="none" w="med" len="med"/>
-            <a:tailEnd type="none" w="med" len="med"/>
-          </a:ln>
-          <a:effectLst/>
-        </p:spPr>
-        <p:txBody>
-          <a:bodyPr vert="horz" wrap="square" lIns="91440" tIns="45720" rIns="91440" bIns="45720" numCol="1" rtlCol="0" anchor="t" anchorCtr="0" compatLnSpc="1">
-            <a:prstTxWarp prst="textNoShape">
-              <a:avLst/>
-            </a:prstTxWarp>
-          </a:bodyPr>
-          <a:lstStyle/>
-          <a:p>
-            <a:pPr marL="0" marR="0" indent="0" algn="ctr" defTabSz="914400" rtl="0" eaLnBrk="1" fontAlgn="base" latinLnBrk="0" hangingPunct="1">
-              <a:lnSpc>
-                <a:spcPct val="100000"/>
-              </a:lnSpc>
-              <a:spcBef>
-                <a:spcPct val="0"/>
-              </a:spcBef>
-              <a:spcAft>
-                <a:spcPct val="0"/>
-              </a:spcAft>
-              <a:buClrTx/>
-              <a:buSzTx/>
-              <a:buFontTx/>
-              <a:buNone/>
-              <a:tabLst/>
-            </a:pPr>
-            <a:r>
-              <a:rPr lang="en-US" sz="1400" b="0" dirty="0">
-                <a:latin typeface="Arial" pitchFamily="-112" charset="0"/>
-                <a:ea typeface="Arial" pitchFamily="-112" charset="0"/>
-                <a:cs typeface="Arial" pitchFamily="-112" charset="0"/>
-              </a:rPr>
-              <a:t>continuous independent variable</a:t>
-            </a:r>
-            <a:endParaRPr kumimoji="0" lang="en-US" sz="1400" b="0" i="0" u="none" strike="noStrike" cap="none" normalizeH="0" baseline="0" dirty="0">
-              <a:ln>
-                <a:noFill/>
-              </a:ln>
-              <a:solidFill>
-                <a:schemeClr val="tx1"/>
-              </a:solidFill>
-              <a:effectLst/>
-              <a:latin typeface="Arial" pitchFamily="-112" charset="0"/>
-              <a:ea typeface="Arial" pitchFamily="-112" charset="0"/>
-              <a:cs typeface="Arial" pitchFamily="-112" charset="0"/>
-            </a:endParaRPr>
-          </a:p>
-        </p:txBody>
-      </p:sp>
-      <p:sp>
-        <p:nvSpPr>
-          <p:cNvPr id="79" name="Rounded Rectangle 78">
-            <a:extLst>
-              <a:ext uri="{FF2B5EF4-FFF2-40B4-BE49-F238E27FC236}">
-                <a16:creationId xmlns:a16="http://schemas.microsoft.com/office/drawing/2014/main" id="{3448D37A-1171-0E4E-933E-13B9E9E35804}"/>
-              </a:ext>
-            </a:extLst>
-          </p:cNvPr>
-          <p:cNvSpPr/>
-          <p:nvPr/>
-        </p:nvSpPr>
-        <p:spPr bwMode="auto">
-          <a:xfrm>
-            <a:off x="252034" y="1231612"/>
-            <a:ext cx="1203239" cy="744425"/>
-          </a:xfrm>
-          <a:prstGeom prst="roundRect">
-            <a:avLst/>
-          </a:prstGeom>
-          <a:solidFill>
-            <a:schemeClr val="bg1"/>
-          </a:solidFill>
-          <a:ln w="6350" cap="flat" cmpd="sng" algn="ctr">
-            <a:solidFill>
-              <a:schemeClr val="tx1"/>
-            </a:solidFill>
-            <a:prstDash val="solid"/>
-            <a:round/>
-            <a:headEnd type="none" w="med" len="med"/>
-            <a:tailEnd type="none" w="med" len="med"/>
-          </a:ln>
-          <a:effectLst/>
-        </p:spPr>
-        <p:txBody>
-          <a:bodyPr vert="horz" wrap="square" lIns="91440" tIns="45720" rIns="91440" bIns="45720" numCol="1" rtlCol="0" anchor="t" anchorCtr="0" compatLnSpc="1">
-            <a:prstTxWarp prst="textNoShape">
-              <a:avLst/>
-            </a:prstTxWarp>
-          </a:bodyPr>
-          <a:lstStyle/>
-          <a:p>
-            <a:pPr marL="0" marR="0" indent="0" algn="ctr" defTabSz="914400" rtl="0" eaLnBrk="1" fontAlgn="base" latinLnBrk="0" hangingPunct="1">
-              <a:lnSpc>
-                <a:spcPct val="100000"/>
-              </a:lnSpc>
-              <a:spcBef>
-                <a:spcPct val="0"/>
-              </a:spcBef>
-              <a:spcAft>
-                <a:spcPct val="0"/>
-              </a:spcAft>
-              <a:buClrTx/>
-              <a:buSzTx/>
-              <a:buFontTx/>
-              <a:buNone/>
-              <a:tabLst/>
-            </a:pPr>
-            <a:r>
-              <a:rPr lang="en-US" sz="1400" b="0" dirty="0">
-                <a:latin typeface="Arial" pitchFamily="-112" charset="0"/>
-                <a:ea typeface="Arial" pitchFamily="-112" charset="0"/>
-                <a:cs typeface="Arial" pitchFamily="-112" charset="0"/>
-              </a:rPr>
-              <a:t>continuous dependent variable</a:t>
-            </a:r>
-            <a:endParaRPr kumimoji="0" lang="en-US" sz="1400" b="0" i="0" u="none" strike="noStrike" cap="none" normalizeH="0" baseline="0" dirty="0">
-              <a:ln>
-                <a:noFill/>
-              </a:ln>
-              <a:solidFill>
-                <a:schemeClr val="tx1"/>
-              </a:solidFill>
-              <a:effectLst/>
-              <a:latin typeface="Arial" pitchFamily="-112" charset="0"/>
-              <a:ea typeface="Arial" pitchFamily="-112" charset="0"/>
-              <a:cs typeface="Arial" pitchFamily="-112" charset="0"/>
-            </a:endParaRPr>
-          </a:p>
-        </p:txBody>
-      </p:sp>
-      <p:sp>
-        <p:nvSpPr>
-          <p:cNvPr id="80" name="Rounded Rectangle 79">
-            <a:extLst>
-              <a:ext uri="{FF2B5EF4-FFF2-40B4-BE49-F238E27FC236}">
-                <a16:creationId xmlns:a16="http://schemas.microsoft.com/office/drawing/2014/main" id="{F86FA6BA-ED83-3043-BD38-7567CBD544DA}"/>
-              </a:ext>
-            </a:extLst>
-          </p:cNvPr>
-          <p:cNvSpPr/>
-          <p:nvPr/>
-        </p:nvSpPr>
-        <p:spPr bwMode="auto">
-          <a:xfrm>
-            <a:off x="6529889" y="353839"/>
-            <a:ext cx="2033980" cy="568635"/>
-          </a:xfrm>
-          <a:prstGeom prst="roundRect">
-            <a:avLst/>
-          </a:prstGeom>
-          <a:solidFill>
-            <a:schemeClr val="bg1"/>
-          </a:solidFill>
-          <a:ln w="6350" cap="flat" cmpd="sng" algn="ctr">
-            <a:solidFill>
-              <a:schemeClr val="tx1"/>
-            </a:solidFill>
-            <a:prstDash val="solid"/>
-            <a:round/>
-            <a:headEnd type="none" w="med" len="med"/>
-            <a:tailEnd type="none" w="med" len="med"/>
-          </a:ln>
-          <a:effectLst/>
-        </p:spPr>
-        <p:txBody>
-          <a:bodyPr vert="horz" wrap="square" lIns="91440" tIns="45720" rIns="91440" bIns="45720" numCol="1" rtlCol="0" anchor="t" anchorCtr="0" compatLnSpc="1">
-            <a:prstTxWarp prst="textNoShape">
-              <a:avLst/>
-            </a:prstTxWarp>
-          </a:bodyPr>
-          <a:lstStyle/>
-          <a:p>
-            <a:pPr marL="0" marR="0" indent="0" algn="ctr" defTabSz="914400" rtl="0" eaLnBrk="1" fontAlgn="base" latinLnBrk="0" hangingPunct="1">
-              <a:lnSpc>
-                <a:spcPct val="100000"/>
-              </a:lnSpc>
-              <a:spcBef>
-                <a:spcPct val="0"/>
-              </a:spcBef>
-              <a:spcAft>
-                <a:spcPct val="0"/>
-              </a:spcAft>
-              <a:buClrTx/>
-              <a:buSzTx/>
-              <a:buFontTx/>
-              <a:buNone/>
-              <a:tabLst/>
-            </a:pPr>
-            <a:r>
-              <a:rPr lang="en-US" sz="1400" b="0" dirty="0">
-                <a:latin typeface="Arial" pitchFamily="-112" charset="0"/>
-                <a:ea typeface="Arial" pitchFamily="-112" charset="0"/>
-                <a:cs typeface="Arial" pitchFamily="-112" charset="0"/>
-              </a:rPr>
-              <a:t>discrete independent variable</a:t>
-            </a:r>
-            <a:endParaRPr kumimoji="0" lang="en-US" sz="1400" b="0" i="0" u="none" strike="noStrike" cap="none" normalizeH="0" baseline="0" dirty="0">
-              <a:ln>
-                <a:noFill/>
-              </a:ln>
-              <a:solidFill>
-                <a:schemeClr val="tx1"/>
-              </a:solidFill>
-              <a:effectLst/>
-              <a:latin typeface="Arial" pitchFamily="-112" charset="0"/>
-              <a:ea typeface="Arial" pitchFamily="-112" charset="0"/>
-              <a:cs typeface="Arial" pitchFamily="-112" charset="0"/>
-            </a:endParaRPr>
-          </a:p>
-        </p:txBody>
-      </p:sp>
-      <p:sp>
-        <p:nvSpPr>
-          <p:cNvPr id="81" name="Rounded Rectangle 80">
-            <a:extLst>
-              <a:ext uri="{FF2B5EF4-FFF2-40B4-BE49-F238E27FC236}">
-                <a16:creationId xmlns:a16="http://schemas.microsoft.com/office/drawing/2014/main" id="{943EFA48-634A-1040-BD61-A0B3D4249359}"/>
-              </a:ext>
-            </a:extLst>
-          </p:cNvPr>
-          <p:cNvSpPr/>
-          <p:nvPr/>
-        </p:nvSpPr>
-        <p:spPr bwMode="auto">
-          <a:xfrm>
-            <a:off x="1771678" y="1248473"/>
-            <a:ext cx="1122523" cy="727564"/>
-          </a:xfrm>
-          <a:prstGeom prst="roundRect">
-            <a:avLst/>
-          </a:prstGeom>
-          <a:solidFill>
-            <a:schemeClr val="bg1"/>
-          </a:solidFill>
-          <a:ln w="6350" cap="flat" cmpd="sng" algn="ctr">
-            <a:solidFill>
-              <a:schemeClr val="tx1"/>
-            </a:solidFill>
-            <a:prstDash val="solid"/>
-            <a:round/>
-            <a:headEnd type="none" w="med" len="med"/>
-            <a:tailEnd type="none" w="med" len="med"/>
-          </a:ln>
-          <a:effectLst/>
-        </p:spPr>
-        <p:txBody>
-          <a:bodyPr vert="horz" wrap="square" lIns="91440" tIns="45720" rIns="91440" bIns="45720" numCol="1" rtlCol="0" anchor="t" anchorCtr="0" compatLnSpc="1">
-            <a:prstTxWarp prst="textNoShape">
-              <a:avLst/>
-            </a:prstTxWarp>
-          </a:bodyPr>
-          <a:lstStyle/>
-          <a:p>
-            <a:pPr marL="0" marR="0" indent="0" algn="ctr" defTabSz="914400" rtl="0" eaLnBrk="1" fontAlgn="base" latinLnBrk="0" hangingPunct="1">
-              <a:lnSpc>
-                <a:spcPct val="100000"/>
-              </a:lnSpc>
-              <a:spcBef>
-                <a:spcPct val="0"/>
-              </a:spcBef>
-              <a:spcAft>
-                <a:spcPct val="0"/>
-              </a:spcAft>
-              <a:buClrTx/>
-              <a:buSzTx/>
-              <a:buFontTx/>
-              <a:buNone/>
-              <a:tabLst/>
-            </a:pPr>
-            <a:r>
-              <a:rPr lang="en-US" sz="1400" b="0" dirty="0">
-                <a:latin typeface="Arial" pitchFamily="-112" charset="0"/>
-                <a:ea typeface="Arial" pitchFamily="-112" charset="0"/>
-                <a:cs typeface="Arial" pitchFamily="-112" charset="0"/>
-              </a:rPr>
-              <a:t>discrete dependent variable</a:t>
-            </a:r>
-            <a:endParaRPr kumimoji="0" lang="en-US" sz="1400" b="0" i="0" u="none" strike="noStrike" cap="none" normalizeH="0" baseline="0" dirty="0">
-              <a:ln>
-                <a:noFill/>
-              </a:ln>
-              <a:solidFill>
-                <a:schemeClr val="tx1"/>
-              </a:solidFill>
-              <a:effectLst/>
-              <a:latin typeface="Arial" pitchFamily="-112" charset="0"/>
-              <a:ea typeface="Arial" pitchFamily="-112" charset="0"/>
-              <a:cs typeface="Arial" pitchFamily="-112" charset="0"/>
-            </a:endParaRPr>
-          </a:p>
-        </p:txBody>
-      </p:sp>
       <p:sp>
         <p:nvSpPr>
           <p:cNvPr id="83" name="Rounded Rectangle 82">
@@ -34088,168 +33675,6 @@
       </p:sp>
       <p:sp>
         <p:nvSpPr>
-          <p:cNvPr id="101" name="Rounded Rectangle 100">
-            <a:extLst>
-              <a:ext uri="{FF2B5EF4-FFF2-40B4-BE49-F238E27FC236}">
-                <a16:creationId xmlns:a16="http://schemas.microsoft.com/office/drawing/2014/main" id="{EE6177B3-6C3D-7642-A01E-FDC2C86E1E6D}"/>
-              </a:ext>
-            </a:extLst>
-          </p:cNvPr>
-          <p:cNvSpPr/>
-          <p:nvPr/>
-        </p:nvSpPr>
-        <p:spPr bwMode="auto">
-          <a:xfrm>
-            <a:off x="5791200" y="1207930"/>
-            <a:ext cx="1549403" cy="744425"/>
-          </a:xfrm>
-          <a:prstGeom prst="roundRect">
-            <a:avLst/>
-          </a:prstGeom>
-          <a:solidFill>
-            <a:schemeClr val="bg1"/>
-          </a:solidFill>
-          <a:ln w="6350" cap="flat" cmpd="sng" algn="ctr">
-            <a:solidFill>
-              <a:schemeClr val="tx1"/>
-            </a:solidFill>
-            <a:prstDash val="solid"/>
-            <a:round/>
-            <a:headEnd type="none" w="med" len="med"/>
-            <a:tailEnd type="none" w="med" len="med"/>
-          </a:ln>
-          <a:effectLst/>
-        </p:spPr>
-        <p:txBody>
-          <a:bodyPr vert="horz" wrap="square" lIns="91440" tIns="45720" rIns="91440" bIns="45720" numCol="1" rtlCol="0" anchor="t" anchorCtr="0" compatLnSpc="1">
-            <a:prstTxWarp prst="textNoShape">
-              <a:avLst/>
-            </a:prstTxWarp>
-          </a:bodyPr>
-          <a:lstStyle/>
-          <a:p>
-            <a:pPr marL="0" marR="0" indent="0" algn="ctr" defTabSz="914400" rtl="0" eaLnBrk="1" fontAlgn="base" latinLnBrk="0" hangingPunct="1">
-              <a:lnSpc>
-                <a:spcPct val="100000"/>
-              </a:lnSpc>
-              <a:spcBef>
-                <a:spcPct val="0"/>
-              </a:spcBef>
-              <a:spcAft>
-                <a:spcPct val="0"/>
-              </a:spcAft>
-              <a:buClrTx/>
-              <a:buSzTx/>
-              <a:buFontTx/>
-              <a:buNone/>
-              <a:tabLst/>
-            </a:pPr>
-            <a:r>
-              <a:rPr lang="en-US" sz="1400" b="0" dirty="0">
-                <a:latin typeface="Arial" pitchFamily="-112" charset="0"/>
-                <a:ea typeface="Arial" pitchFamily="-112" charset="0"/>
-                <a:cs typeface="Arial" pitchFamily="-112" charset="0"/>
-              </a:rPr>
-              <a:t>Continuous dependent variable</a:t>
-            </a:r>
-            <a:endParaRPr kumimoji="0" lang="en-US" sz="1400" b="0" i="0" u="none" strike="noStrike" cap="none" normalizeH="0" baseline="0" dirty="0">
-              <a:ln>
-                <a:noFill/>
-              </a:ln>
-              <a:solidFill>
-                <a:schemeClr val="tx1"/>
-              </a:solidFill>
-              <a:effectLst/>
-              <a:latin typeface="Arial" pitchFamily="-112" charset="0"/>
-              <a:ea typeface="Arial" pitchFamily="-112" charset="0"/>
-              <a:cs typeface="Arial" pitchFamily="-112" charset="0"/>
-            </a:endParaRPr>
-          </a:p>
-        </p:txBody>
-      </p:sp>
-      <p:sp>
-        <p:nvSpPr>
-          <p:cNvPr id="103" name="Rounded Rectangle 102">
-            <a:extLst>
-              <a:ext uri="{FF2B5EF4-FFF2-40B4-BE49-F238E27FC236}">
-                <a16:creationId xmlns:a16="http://schemas.microsoft.com/office/drawing/2014/main" id="{70AEE714-F1C8-8040-933D-7C6473B38F75}"/>
-              </a:ext>
-            </a:extLst>
-          </p:cNvPr>
-          <p:cNvSpPr/>
-          <p:nvPr/>
-        </p:nvSpPr>
-        <p:spPr bwMode="auto">
-          <a:xfrm>
-            <a:off x="7437992" y="1202122"/>
-            <a:ext cx="1553607" cy="727564"/>
-          </a:xfrm>
-          <a:prstGeom prst="roundRect">
-            <a:avLst/>
-          </a:prstGeom>
-          <a:solidFill>
-            <a:schemeClr val="bg1"/>
-          </a:solidFill>
-          <a:ln w="6350" cap="flat" cmpd="sng" algn="ctr">
-            <a:solidFill>
-              <a:schemeClr val="tx1"/>
-            </a:solidFill>
-            <a:prstDash val="solid"/>
-            <a:round/>
-            <a:headEnd type="none" w="med" len="med"/>
-            <a:tailEnd type="none" w="med" len="med"/>
-          </a:ln>
-          <a:effectLst/>
-        </p:spPr>
-        <p:txBody>
-          <a:bodyPr vert="horz" wrap="square" lIns="91440" tIns="45720" rIns="91440" bIns="45720" numCol="1" rtlCol="0" anchor="t" anchorCtr="0" compatLnSpc="1">
-            <a:prstTxWarp prst="textNoShape">
-              <a:avLst/>
-            </a:prstTxWarp>
-          </a:bodyPr>
-          <a:lstStyle/>
-          <a:p>
-            <a:pPr marL="0" marR="0" indent="0" algn="ctr" defTabSz="914400" rtl="0" eaLnBrk="1" fontAlgn="base" latinLnBrk="0" hangingPunct="1">
-              <a:lnSpc>
-                <a:spcPct val="100000"/>
-              </a:lnSpc>
-              <a:spcBef>
-                <a:spcPct val="0"/>
-              </a:spcBef>
-              <a:spcAft>
-                <a:spcPct val="0"/>
-              </a:spcAft>
-              <a:buClrTx/>
-              <a:buSzTx/>
-              <a:buFontTx/>
-              <a:buNone/>
-              <a:tabLst/>
-            </a:pPr>
-            <a:r>
-              <a:rPr lang="en-US" sz="1400" b="0" dirty="0">
-                <a:latin typeface="Arial" pitchFamily="-112" charset="0"/>
-                <a:ea typeface="Arial" pitchFamily="-112" charset="0"/>
-                <a:cs typeface="Arial" pitchFamily="-112" charset="0"/>
-              </a:rPr>
-              <a:t>Discrete/categorical dependent variable</a:t>
-            </a:r>
-            <a:endParaRPr kumimoji="0" lang="en-US" sz="1400" b="0" i="0" u="none" strike="noStrike" cap="none" normalizeH="0" baseline="0" dirty="0">
-              <a:ln>
-                <a:noFill/>
-              </a:ln>
-              <a:solidFill>
-                <a:schemeClr val="tx1"/>
-              </a:solidFill>
-              <a:effectLst/>
-              <a:latin typeface="Arial" pitchFamily="-112" charset="0"/>
-              <a:ea typeface="Arial" pitchFamily="-112" charset="0"/>
-              <a:cs typeface="Arial" pitchFamily="-112" charset="0"/>
-            </a:endParaRPr>
-          </a:p>
-        </p:txBody>
-      </p:sp>
-      <p:sp>
-        <p:nvSpPr>
           <p:cNvPr id="104" name="Rounded Rectangle 103">
             <a:extLst>
               <a:ext uri="{FF2B5EF4-FFF2-40B4-BE49-F238E27FC236}">
@@ -35392,159 +34817,6 @@
       </p:sp>
       <p:cxnSp>
         <p:nvCxnSpPr>
-          <p:cNvPr id="124" name="Straight Connector 123">
-            <a:extLst>
-              <a:ext uri="{FF2B5EF4-FFF2-40B4-BE49-F238E27FC236}">
-                <a16:creationId xmlns:a16="http://schemas.microsoft.com/office/drawing/2014/main" id="{105BEC71-9604-A94D-917F-728B30D80F6B}"/>
-              </a:ext>
-            </a:extLst>
-          </p:cNvPr>
-          <p:cNvCxnSpPr>
-            <a:stCxn id="77" idx="1"/>
-            <a:endCxn id="78" idx="3"/>
-          </p:cNvCxnSpPr>
-          <p:nvPr/>
-        </p:nvCxnSpPr>
-        <p:spPr bwMode="auto">
-          <a:xfrm flipH="1">
-            <a:off x="2736073" y="544339"/>
-            <a:ext cx="886691" cy="161397"/>
-          </a:xfrm>
-          <a:prstGeom prst="line">
-            <a:avLst/>
-          </a:prstGeom>
-          <a:solidFill>
-            <a:schemeClr val="accent1"/>
-          </a:solidFill>
-          <a:ln w="9525" cap="flat" cmpd="sng" algn="ctr">
-            <a:solidFill>
-              <a:schemeClr val="tx1"/>
-            </a:solidFill>
-            <a:prstDash val="solid"/>
-            <a:round/>
-            <a:headEnd type="none" w="med" len="med"/>
-            <a:tailEnd type="none" w="med" len="med"/>
-          </a:ln>
-          <a:effectLst/>
-        </p:spPr>
-      </p:cxnSp>
-      <p:cxnSp>
-        <p:nvCxnSpPr>
-          <p:cNvPr id="126" name="Straight Connector 125">
-            <a:extLst>
-              <a:ext uri="{FF2B5EF4-FFF2-40B4-BE49-F238E27FC236}">
-                <a16:creationId xmlns:a16="http://schemas.microsoft.com/office/drawing/2014/main" id="{B1681337-C2FD-544B-84BA-FCFAC7C6BD0B}"/>
-              </a:ext>
-            </a:extLst>
-          </p:cNvPr>
-          <p:cNvCxnSpPr>
-            <a:stCxn id="77" idx="3"/>
-            <a:endCxn id="80" idx="1"/>
-          </p:cNvCxnSpPr>
-          <p:nvPr/>
-        </p:nvCxnSpPr>
-        <p:spPr bwMode="auto">
-          <a:xfrm>
-            <a:off x="5908764" y="544339"/>
-            <a:ext cx="621125" cy="93818"/>
-          </a:xfrm>
-          <a:prstGeom prst="line">
-            <a:avLst/>
-          </a:prstGeom>
-          <a:solidFill>
-            <a:schemeClr val="accent1"/>
-          </a:solidFill>
-          <a:ln w="9525" cap="flat" cmpd="sng" algn="ctr">
-            <a:solidFill>
-              <a:schemeClr val="tx1"/>
-            </a:solidFill>
-            <a:prstDash val="solid"/>
-            <a:round/>
-            <a:headEnd type="none" w="med" len="med"/>
-            <a:tailEnd type="none" w="med" len="med"/>
-          </a:ln>
-          <a:effectLst/>
-        </p:spPr>
-      </p:cxnSp>
-      <p:cxnSp>
-        <p:nvCxnSpPr>
-          <p:cNvPr id="127" name="Straight Connector 126">
-            <a:extLst>
-              <a:ext uri="{FF2B5EF4-FFF2-40B4-BE49-F238E27FC236}">
-                <a16:creationId xmlns:a16="http://schemas.microsoft.com/office/drawing/2014/main" id="{C76AE613-88AC-4547-8A05-5622D3AEC314}"/>
-              </a:ext>
-            </a:extLst>
-          </p:cNvPr>
-          <p:cNvCxnSpPr>
-            <a:cxnSpLocks/>
-            <a:endCxn id="79" idx="0"/>
-          </p:cNvCxnSpPr>
-          <p:nvPr/>
-        </p:nvCxnSpPr>
-        <p:spPr bwMode="auto">
-          <a:xfrm flipH="1">
-            <a:off x="853654" y="1028745"/>
-            <a:ext cx="723341" cy="202867"/>
-          </a:xfrm>
-          <a:prstGeom prst="line">
-            <a:avLst/>
-          </a:prstGeom>
-          <a:solidFill>
-            <a:schemeClr val="accent1"/>
-          </a:solidFill>
-          <a:ln w="9525" cap="flat" cmpd="sng" algn="ctr">
-            <a:solidFill>
-              <a:schemeClr val="tx1"/>
-            </a:solidFill>
-            <a:prstDash val="solid"/>
-            <a:round/>
-            <a:headEnd type="none" w="med" len="med"/>
-            <a:tailEnd type="none" w="med" len="med"/>
-          </a:ln>
-          <a:effectLst/>
-        </p:spPr>
-      </p:cxnSp>
-      <p:cxnSp>
-        <p:nvCxnSpPr>
-          <p:cNvPr id="129" name="Straight Connector 128">
-            <a:extLst>
-              <a:ext uri="{FF2B5EF4-FFF2-40B4-BE49-F238E27FC236}">
-                <a16:creationId xmlns:a16="http://schemas.microsoft.com/office/drawing/2014/main" id="{C0E414A3-731C-0B43-B4AA-3B5F07AC1D49}"/>
-              </a:ext>
-            </a:extLst>
-          </p:cNvPr>
-          <p:cNvCxnSpPr>
-            <a:cxnSpLocks/>
-            <a:stCxn id="78" idx="2"/>
-            <a:endCxn id="81" idx="0"/>
-          </p:cNvCxnSpPr>
-          <p:nvPr/>
-        </p:nvCxnSpPr>
-        <p:spPr bwMode="auto">
-          <a:xfrm>
-            <a:off x="1731619" y="1028745"/>
-            <a:ext cx="601321" cy="219728"/>
-          </a:xfrm>
-          <a:prstGeom prst="line">
-            <a:avLst/>
-          </a:prstGeom>
-          <a:solidFill>
-            <a:schemeClr val="accent1"/>
-          </a:solidFill>
-          <a:ln w="9525" cap="flat" cmpd="sng" algn="ctr">
-            <a:solidFill>
-              <a:schemeClr val="tx1"/>
-            </a:solidFill>
-            <a:prstDash val="solid"/>
-            <a:round/>
-            <a:headEnd type="none" w="med" len="med"/>
-            <a:tailEnd type="none" w="med" len="med"/>
-          </a:ln>
-          <a:effectLst/>
-        </p:spPr>
-      </p:cxnSp>
-      <p:cxnSp>
-        <p:nvCxnSpPr>
           <p:cNvPr id="130" name="Straight Connector 129">
             <a:extLst>
               <a:ext uri="{FF2B5EF4-FFF2-40B4-BE49-F238E27FC236}">
@@ -35555,7 +34827,6 @@
           <p:cNvCxnSpPr>
             <a:cxnSpLocks/>
             <a:stCxn id="83" idx="0"/>
-            <a:endCxn id="79" idx="2"/>
           </p:cNvCxnSpPr>
           <p:nvPr/>
         </p:nvCxnSpPr>
@@ -35594,7 +34865,6 @@
           <p:cNvCxnSpPr>
             <a:cxnSpLocks/>
             <a:stCxn id="84" idx="0"/>
-            <a:endCxn id="81" idx="2"/>
           </p:cNvCxnSpPr>
           <p:nvPr/>
         </p:nvCxnSpPr>
@@ -35602,84 +34872,6 @@
           <a:xfrm flipH="1" flipV="1">
             <a:off x="2332940" y="1976037"/>
             <a:ext cx="1502" cy="187210"/>
-          </a:xfrm>
-          <a:prstGeom prst="line">
-            <a:avLst/>
-          </a:prstGeom>
-          <a:solidFill>
-            <a:schemeClr val="accent1"/>
-          </a:solidFill>
-          <a:ln w="9525" cap="flat" cmpd="sng" algn="ctr">
-            <a:solidFill>
-              <a:schemeClr val="tx1"/>
-            </a:solidFill>
-            <a:prstDash val="solid"/>
-            <a:round/>
-            <a:headEnd type="none" w="med" len="med"/>
-            <a:tailEnd type="none" w="med" len="med"/>
-          </a:ln>
-          <a:effectLst/>
-        </p:spPr>
-      </p:cxnSp>
-      <p:cxnSp>
-        <p:nvCxnSpPr>
-          <p:cNvPr id="133" name="Straight Connector 132">
-            <a:extLst>
-              <a:ext uri="{FF2B5EF4-FFF2-40B4-BE49-F238E27FC236}">
-                <a16:creationId xmlns:a16="http://schemas.microsoft.com/office/drawing/2014/main" id="{62FF9486-71CE-E741-89B8-F0EF35462020}"/>
-              </a:ext>
-            </a:extLst>
-          </p:cNvPr>
-          <p:cNvCxnSpPr>
-            <a:cxnSpLocks/>
-            <a:stCxn id="80" idx="2"/>
-            <a:endCxn id="101" idx="0"/>
-          </p:cNvCxnSpPr>
-          <p:nvPr/>
-        </p:nvCxnSpPr>
-        <p:spPr bwMode="auto">
-          <a:xfrm flipH="1">
-            <a:off x="6565902" y="922474"/>
-            <a:ext cx="980977" cy="285456"/>
-          </a:xfrm>
-          <a:prstGeom prst="line">
-            <a:avLst/>
-          </a:prstGeom>
-          <a:solidFill>
-            <a:schemeClr val="accent1"/>
-          </a:solidFill>
-          <a:ln w="9525" cap="flat" cmpd="sng" algn="ctr">
-            <a:solidFill>
-              <a:schemeClr val="tx1"/>
-            </a:solidFill>
-            <a:prstDash val="solid"/>
-            <a:round/>
-            <a:headEnd type="none" w="med" len="med"/>
-            <a:tailEnd type="none" w="med" len="med"/>
-          </a:ln>
-          <a:effectLst/>
-        </p:spPr>
-      </p:cxnSp>
-      <p:cxnSp>
-        <p:nvCxnSpPr>
-          <p:cNvPr id="135" name="Straight Connector 134">
-            <a:extLst>
-              <a:ext uri="{FF2B5EF4-FFF2-40B4-BE49-F238E27FC236}">
-                <a16:creationId xmlns:a16="http://schemas.microsoft.com/office/drawing/2014/main" id="{E4133861-C898-E44E-BD27-D717B1B0AF03}"/>
-              </a:ext>
-            </a:extLst>
-          </p:cNvPr>
-          <p:cNvCxnSpPr>
-            <a:cxnSpLocks/>
-            <a:stCxn id="80" idx="2"/>
-            <a:endCxn id="103" idx="0"/>
-          </p:cNvCxnSpPr>
-          <p:nvPr/>
-        </p:nvCxnSpPr>
-        <p:spPr bwMode="auto">
-          <a:xfrm>
-            <a:off x="7546879" y="922474"/>
-            <a:ext cx="667917" cy="279648"/>
           </a:xfrm>
           <a:prstGeom prst="line">
             <a:avLst/>
@@ -35710,7 +34902,6 @@
           </p:cNvPr>
           <p:cNvCxnSpPr>
             <a:cxnSpLocks/>
-            <a:stCxn id="101" idx="2"/>
             <a:endCxn id="85" idx="0"/>
           </p:cNvCxnSpPr>
           <p:nvPr/>
@@ -35749,7 +34940,6 @@
           </p:cNvPr>
           <p:cNvCxnSpPr>
             <a:cxnSpLocks/>
-            <a:stCxn id="101" idx="2"/>
             <a:endCxn id="87" idx="0"/>
           </p:cNvCxnSpPr>
           <p:nvPr/>
@@ -35788,7 +34978,6 @@
           </p:cNvPr>
           <p:cNvCxnSpPr>
             <a:cxnSpLocks/>
-            <a:stCxn id="103" idx="2"/>
             <a:endCxn id="110" idx="0"/>
           </p:cNvCxnSpPr>
           <p:nvPr/>
@@ -35827,7 +35016,6 @@
           </p:cNvPr>
           <p:cNvCxnSpPr>
             <a:cxnSpLocks/>
-            <a:stCxn id="103" idx="2"/>
             <a:endCxn id="112" idx="0"/>
           </p:cNvCxnSpPr>
           <p:nvPr/>
@@ -37085,10 +36273,10 @@
       </p:cxnSp>
       <p:sp>
         <p:nvSpPr>
-          <p:cNvPr id="2" name="Freeform 1">
+          <p:cNvPr id="86" name="Rounded Rectangle 85">
             <a:extLst>
               <a:ext uri="{FF2B5EF4-FFF2-40B4-BE49-F238E27FC236}">
-                <a16:creationId xmlns:a16="http://schemas.microsoft.com/office/drawing/2014/main" id="{A0A38173-B5A9-F042-A03C-FF77DD0CD203}"/>
+                <a16:creationId xmlns:a16="http://schemas.microsoft.com/office/drawing/2014/main" id="{240E0458-9C79-674C-AC7A-BAEC4B37E739}"/>
               </a:ext>
             </a:extLst>
           </p:cNvPr>
@@ -37097,8 +36285,804 @@
         </p:nvSpPr>
         <p:spPr bwMode="auto">
           <a:xfrm>
-            <a:off x="-235131" y="-130629"/>
-            <a:ext cx="9379131" cy="7053943"/>
+            <a:off x="3622764" y="353839"/>
+            <a:ext cx="2286000" cy="381000"/>
+          </a:xfrm>
+          <a:prstGeom prst="roundRect">
+            <a:avLst/>
+          </a:prstGeom>
+          <a:solidFill>
+            <a:schemeClr val="bg1"/>
+          </a:solidFill>
+          <a:ln w="6350" cap="flat" cmpd="sng" algn="ctr">
+            <a:solidFill>
+              <a:schemeClr val="tx1"/>
+            </a:solidFill>
+            <a:prstDash val="solid"/>
+            <a:round/>
+            <a:headEnd type="none" w="med" len="med"/>
+            <a:tailEnd type="none" w="med" len="med"/>
+          </a:ln>
+          <a:effectLst/>
+        </p:spPr>
+        <p:txBody>
+          <a:bodyPr vert="horz" wrap="square" lIns="91440" tIns="45720" rIns="91440" bIns="45720" numCol="1" rtlCol="0" anchor="t" anchorCtr="0" compatLnSpc="1">
+            <a:prstTxWarp prst="textNoShape">
+              <a:avLst/>
+            </a:prstTxWarp>
+          </a:bodyPr>
+          <a:lstStyle/>
+          <a:p>
+            <a:pPr marL="0" marR="0" indent="0" algn="l" defTabSz="914400" rtl="0" eaLnBrk="1" fontAlgn="base" latinLnBrk="0" hangingPunct="1">
+              <a:lnSpc>
+                <a:spcPct val="100000"/>
+              </a:lnSpc>
+              <a:spcBef>
+                <a:spcPct val="0"/>
+              </a:spcBef>
+              <a:spcAft>
+                <a:spcPct val="0"/>
+              </a:spcAft>
+              <a:buClrTx/>
+              <a:buSzTx/>
+              <a:buFontTx/>
+              <a:buNone/>
+              <a:tabLst/>
+            </a:pPr>
+            <a:r>
+              <a:rPr lang="en-US" dirty="0">
+                <a:latin typeface="Arial" pitchFamily="-112" charset="0"/>
+                <a:ea typeface="Arial" pitchFamily="-112" charset="0"/>
+                <a:cs typeface="Arial" pitchFamily="-112" charset="0"/>
+              </a:rPr>
+              <a:t>What type of data?</a:t>
+            </a:r>
+            <a:endParaRPr kumimoji="0" lang="en-US" sz="1800" b="1" i="0" u="none" strike="noStrike" cap="none" normalizeH="0" baseline="0" dirty="0">
+              <a:ln>
+                <a:noFill/>
+              </a:ln>
+              <a:solidFill>
+                <a:schemeClr val="tx1"/>
+              </a:solidFill>
+              <a:effectLst/>
+              <a:latin typeface="Arial" pitchFamily="-112" charset="0"/>
+              <a:ea typeface="Arial" pitchFamily="-112" charset="0"/>
+              <a:cs typeface="Arial" pitchFamily="-112" charset="0"/>
+            </a:endParaRPr>
+          </a:p>
+        </p:txBody>
+      </p:sp>
+      <p:sp>
+        <p:nvSpPr>
+          <p:cNvPr id="89" name="Rounded Rectangle 88">
+            <a:extLst>
+              <a:ext uri="{FF2B5EF4-FFF2-40B4-BE49-F238E27FC236}">
+                <a16:creationId xmlns:a16="http://schemas.microsoft.com/office/drawing/2014/main" id="{1874A4A5-D7BC-EE42-8410-BD64379E2C7D}"/>
+              </a:ext>
+            </a:extLst>
+          </p:cNvPr>
+          <p:cNvSpPr/>
+          <p:nvPr/>
+        </p:nvSpPr>
+        <p:spPr bwMode="auto">
+          <a:xfrm>
+            <a:off x="727164" y="382727"/>
+            <a:ext cx="2008909" cy="646018"/>
+          </a:xfrm>
+          <a:prstGeom prst="roundRect">
+            <a:avLst/>
+          </a:prstGeom>
+          <a:solidFill>
+            <a:schemeClr val="bg1"/>
+          </a:solidFill>
+          <a:ln w="6350" cap="flat" cmpd="sng" algn="ctr">
+            <a:solidFill>
+              <a:schemeClr val="tx1"/>
+            </a:solidFill>
+            <a:prstDash val="solid"/>
+            <a:round/>
+            <a:headEnd type="none" w="med" len="med"/>
+            <a:tailEnd type="none" w="med" len="med"/>
+          </a:ln>
+          <a:effectLst/>
+        </p:spPr>
+        <p:txBody>
+          <a:bodyPr vert="horz" wrap="square" lIns="91440" tIns="45720" rIns="91440" bIns="45720" numCol="1" rtlCol="0" anchor="t" anchorCtr="0" compatLnSpc="1">
+            <a:prstTxWarp prst="textNoShape">
+              <a:avLst/>
+            </a:prstTxWarp>
+          </a:bodyPr>
+          <a:lstStyle/>
+          <a:p>
+            <a:pPr marL="0" marR="0" indent="0" algn="ctr" defTabSz="914400" rtl="0" eaLnBrk="1" fontAlgn="base" latinLnBrk="0" hangingPunct="1">
+              <a:lnSpc>
+                <a:spcPct val="100000"/>
+              </a:lnSpc>
+              <a:spcBef>
+                <a:spcPct val="0"/>
+              </a:spcBef>
+              <a:spcAft>
+                <a:spcPct val="0"/>
+              </a:spcAft>
+              <a:buClrTx/>
+              <a:buSzTx/>
+              <a:buFontTx/>
+              <a:buNone/>
+              <a:tabLst/>
+            </a:pPr>
+            <a:r>
+              <a:rPr lang="en-US" sz="1400" b="0" dirty="0">
+                <a:latin typeface="Arial" pitchFamily="-112" charset="0"/>
+                <a:ea typeface="Arial" pitchFamily="-112" charset="0"/>
+                <a:cs typeface="Arial" pitchFamily="-112" charset="0"/>
+              </a:rPr>
+              <a:t>scale independent variable</a:t>
+            </a:r>
+            <a:endParaRPr kumimoji="0" lang="en-US" sz="1400" b="0" i="0" u="none" strike="noStrike" cap="none" normalizeH="0" baseline="0" dirty="0">
+              <a:ln>
+                <a:noFill/>
+              </a:ln>
+              <a:solidFill>
+                <a:schemeClr val="tx1"/>
+              </a:solidFill>
+              <a:effectLst/>
+              <a:latin typeface="Arial" pitchFamily="-112" charset="0"/>
+              <a:ea typeface="Arial" pitchFamily="-112" charset="0"/>
+              <a:cs typeface="Arial" pitchFamily="-112" charset="0"/>
+            </a:endParaRPr>
+          </a:p>
+        </p:txBody>
+      </p:sp>
+      <p:sp>
+        <p:nvSpPr>
+          <p:cNvPr id="92" name="Rounded Rectangle 91">
+            <a:extLst>
+              <a:ext uri="{FF2B5EF4-FFF2-40B4-BE49-F238E27FC236}">
+                <a16:creationId xmlns:a16="http://schemas.microsoft.com/office/drawing/2014/main" id="{5AC6A82D-CC0B-BF41-AB08-7B217D568A82}"/>
+              </a:ext>
+            </a:extLst>
+          </p:cNvPr>
+          <p:cNvSpPr/>
+          <p:nvPr/>
+        </p:nvSpPr>
+        <p:spPr bwMode="auto">
+          <a:xfrm>
+            <a:off x="252034" y="1231612"/>
+            <a:ext cx="1203239" cy="744425"/>
+          </a:xfrm>
+          <a:prstGeom prst="roundRect">
+            <a:avLst/>
+          </a:prstGeom>
+          <a:solidFill>
+            <a:schemeClr val="bg1"/>
+          </a:solidFill>
+          <a:ln w="6350" cap="flat" cmpd="sng" algn="ctr">
+            <a:solidFill>
+              <a:schemeClr val="tx1"/>
+            </a:solidFill>
+            <a:prstDash val="solid"/>
+            <a:round/>
+            <a:headEnd type="none" w="med" len="med"/>
+            <a:tailEnd type="none" w="med" len="med"/>
+          </a:ln>
+          <a:effectLst/>
+        </p:spPr>
+        <p:txBody>
+          <a:bodyPr vert="horz" wrap="square" lIns="91440" tIns="45720" rIns="91440" bIns="45720" numCol="1" rtlCol="0" anchor="t" anchorCtr="0" compatLnSpc="1">
+            <a:prstTxWarp prst="textNoShape">
+              <a:avLst/>
+            </a:prstTxWarp>
+          </a:bodyPr>
+          <a:lstStyle/>
+          <a:p>
+            <a:pPr marL="0" marR="0" indent="0" algn="ctr" defTabSz="914400" rtl="0" eaLnBrk="1" fontAlgn="base" latinLnBrk="0" hangingPunct="1">
+              <a:lnSpc>
+                <a:spcPct val="100000"/>
+              </a:lnSpc>
+              <a:spcBef>
+                <a:spcPct val="0"/>
+              </a:spcBef>
+              <a:spcAft>
+                <a:spcPct val="0"/>
+              </a:spcAft>
+              <a:buClrTx/>
+              <a:buSzTx/>
+              <a:buFontTx/>
+              <a:buNone/>
+              <a:tabLst/>
+            </a:pPr>
+            <a:r>
+              <a:rPr lang="en-US" sz="1400" b="0" dirty="0">
+                <a:latin typeface="Arial" pitchFamily="-112" charset="0"/>
+                <a:ea typeface="Arial" pitchFamily="-112" charset="0"/>
+                <a:cs typeface="Arial" pitchFamily="-112" charset="0"/>
+              </a:rPr>
+              <a:t>scale dependent variable</a:t>
+            </a:r>
+            <a:endParaRPr kumimoji="0" lang="en-US" sz="1400" b="0" i="0" u="none" strike="noStrike" cap="none" normalizeH="0" baseline="0" dirty="0">
+              <a:ln>
+                <a:noFill/>
+              </a:ln>
+              <a:solidFill>
+                <a:schemeClr val="tx1"/>
+              </a:solidFill>
+              <a:effectLst/>
+              <a:latin typeface="Arial" pitchFamily="-112" charset="0"/>
+              <a:ea typeface="Arial" pitchFamily="-112" charset="0"/>
+              <a:cs typeface="Arial" pitchFamily="-112" charset="0"/>
+            </a:endParaRPr>
+          </a:p>
+        </p:txBody>
+      </p:sp>
+      <p:sp>
+        <p:nvSpPr>
+          <p:cNvPr id="98" name="Rounded Rectangle 97">
+            <a:extLst>
+              <a:ext uri="{FF2B5EF4-FFF2-40B4-BE49-F238E27FC236}">
+                <a16:creationId xmlns:a16="http://schemas.microsoft.com/office/drawing/2014/main" id="{FED96D59-56EA-D44A-9DC9-0C955B00C2FB}"/>
+              </a:ext>
+            </a:extLst>
+          </p:cNvPr>
+          <p:cNvSpPr/>
+          <p:nvPr/>
+        </p:nvSpPr>
+        <p:spPr bwMode="auto">
+          <a:xfrm>
+            <a:off x="6529889" y="353839"/>
+            <a:ext cx="2033980" cy="568635"/>
+          </a:xfrm>
+          <a:prstGeom prst="roundRect">
+            <a:avLst/>
+          </a:prstGeom>
+          <a:solidFill>
+            <a:schemeClr val="bg1"/>
+          </a:solidFill>
+          <a:ln w="6350" cap="flat" cmpd="sng" algn="ctr">
+            <a:solidFill>
+              <a:schemeClr val="tx1"/>
+            </a:solidFill>
+            <a:prstDash val="solid"/>
+            <a:round/>
+            <a:headEnd type="none" w="med" len="med"/>
+            <a:tailEnd type="none" w="med" len="med"/>
+          </a:ln>
+          <a:effectLst/>
+        </p:spPr>
+        <p:txBody>
+          <a:bodyPr vert="horz" wrap="square" lIns="91440" tIns="45720" rIns="91440" bIns="45720" numCol="1" rtlCol="0" anchor="t" anchorCtr="0" compatLnSpc="1">
+            <a:prstTxWarp prst="textNoShape">
+              <a:avLst/>
+            </a:prstTxWarp>
+          </a:bodyPr>
+          <a:lstStyle/>
+          <a:p>
+            <a:pPr marL="0" marR="0" indent="0" algn="ctr" defTabSz="914400" rtl="0" eaLnBrk="1" fontAlgn="base" latinLnBrk="0" hangingPunct="1">
+              <a:lnSpc>
+                <a:spcPct val="100000"/>
+              </a:lnSpc>
+              <a:spcBef>
+                <a:spcPct val="0"/>
+              </a:spcBef>
+              <a:spcAft>
+                <a:spcPct val="0"/>
+              </a:spcAft>
+              <a:buClrTx/>
+              <a:buSzTx/>
+              <a:buFontTx/>
+              <a:buNone/>
+              <a:tabLst/>
+            </a:pPr>
+            <a:r>
+              <a:rPr lang="en-US" sz="1400" b="0" dirty="0">
+                <a:latin typeface="Arial" pitchFamily="-112" charset="0"/>
+                <a:ea typeface="Arial" pitchFamily="-112" charset="0"/>
+                <a:cs typeface="Arial" pitchFamily="-112" charset="0"/>
+              </a:rPr>
+              <a:t>categorical independent variable</a:t>
+            </a:r>
+            <a:endParaRPr kumimoji="0" lang="en-US" sz="1400" b="0" i="0" u="none" strike="noStrike" cap="none" normalizeH="0" baseline="0" dirty="0">
+              <a:ln>
+                <a:noFill/>
+              </a:ln>
+              <a:solidFill>
+                <a:schemeClr val="tx1"/>
+              </a:solidFill>
+              <a:effectLst/>
+              <a:latin typeface="Arial" pitchFamily="-112" charset="0"/>
+              <a:ea typeface="Arial" pitchFamily="-112" charset="0"/>
+              <a:cs typeface="Arial" pitchFamily="-112" charset="0"/>
+            </a:endParaRPr>
+          </a:p>
+        </p:txBody>
+      </p:sp>
+      <p:sp>
+        <p:nvSpPr>
+          <p:cNvPr id="102" name="Rounded Rectangle 101">
+            <a:extLst>
+              <a:ext uri="{FF2B5EF4-FFF2-40B4-BE49-F238E27FC236}">
+                <a16:creationId xmlns:a16="http://schemas.microsoft.com/office/drawing/2014/main" id="{C157CD4F-C27D-2546-BDB7-3C277845AAC6}"/>
+              </a:ext>
+            </a:extLst>
+          </p:cNvPr>
+          <p:cNvSpPr/>
+          <p:nvPr/>
+        </p:nvSpPr>
+        <p:spPr bwMode="auto">
+          <a:xfrm>
+            <a:off x="1771678" y="1248473"/>
+            <a:ext cx="1122523" cy="727564"/>
+          </a:xfrm>
+          <a:prstGeom prst="roundRect">
+            <a:avLst/>
+          </a:prstGeom>
+          <a:solidFill>
+            <a:schemeClr val="bg1"/>
+          </a:solidFill>
+          <a:ln w="6350" cap="flat" cmpd="sng" algn="ctr">
+            <a:solidFill>
+              <a:schemeClr val="tx1"/>
+            </a:solidFill>
+            <a:prstDash val="solid"/>
+            <a:round/>
+            <a:headEnd type="none" w="med" len="med"/>
+            <a:tailEnd type="none" w="med" len="med"/>
+          </a:ln>
+          <a:effectLst/>
+        </p:spPr>
+        <p:txBody>
+          <a:bodyPr vert="horz" wrap="square" lIns="91440" tIns="45720" rIns="91440" bIns="45720" numCol="1" rtlCol="0" anchor="t" anchorCtr="0" compatLnSpc="1">
+            <a:prstTxWarp prst="textNoShape">
+              <a:avLst/>
+            </a:prstTxWarp>
+          </a:bodyPr>
+          <a:lstStyle/>
+          <a:p>
+            <a:pPr marL="0" marR="0" indent="0" algn="ctr" defTabSz="914400" rtl="0" eaLnBrk="1" fontAlgn="base" latinLnBrk="0" hangingPunct="1">
+              <a:lnSpc>
+                <a:spcPct val="100000"/>
+              </a:lnSpc>
+              <a:spcBef>
+                <a:spcPct val="0"/>
+              </a:spcBef>
+              <a:spcAft>
+                <a:spcPct val="0"/>
+              </a:spcAft>
+              <a:buClrTx/>
+              <a:buSzTx/>
+              <a:buFontTx/>
+              <a:buNone/>
+              <a:tabLst/>
+            </a:pPr>
+            <a:r>
+              <a:rPr lang="en-US" sz="1400" b="0" dirty="0">
+                <a:latin typeface="Arial" pitchFamily="-112" charset="0"/>
+                <a:ea typeface="Arial" pitchFamily="-112" charset="0"/>
+                <a:cs typeface="Arial" pitchFamily="-112" charset="0"/>
+              </a:rPr>
+              <a:t>categorical dependent variable</a:t>
+            </a:r>
+            <a:endParaRPr kumimoji="0" lang="en-US" sz="1400" b="0" i="0" u="none" strike="noStrike" cap="none" normalizeH="0" baseline="0" dirty="0">
+              <a:ln>
+                <a:noFill/>
+              </a:ln>
+              <a:solidFill>
+                <a:schemeClr val="tx1"/>
+              </a:solidFill>
+              <a:effectLst/>
+              <a:latin typeface="Arial" pitchFamily="-112" charset="0"/>
+              <a:ea typeface="Arial" pitchFamily="-112" charset="0"/>
+              <a:cs typeface="Arial" pitchFamily="-112" charset="0"/>
+            </a:endParaRPr>
+          </a:p>
+        </p:txBody>
+      </p:sp>
+      <p:cxnSp>
+        <p:nvCxnSpPr>
+          <p:cNvPr id="105" name="Straight Connector 104">
+            <a:extLst>
+              <a:ext uri="{FF2B5EF4-FFF2-40B4-BE49-F238E27FC236}">
+                <a16:creationId xmlns:a16="http://schemas.microsoft.com/office/drawing/2014/main" id="{D80A12B0-BEB4-224B-8CCD-9EF4EC7BF5BF}"/>
+              </a:ext>
+            </a:extLst>
+          </p:cNvPr>
+          <p:cNvCxnSpPr>
+            <a:stCxn id="86" idx="1"/>
+            <a:endCxn id="89" idx="3"/>
+          </p:cNvCxnSpPr>
+          <p:nvPr/>
+        </p:nvCxnSpPr>
+        <p:spPr bwMode="auto">
+          <a:xfrm flipH="1">
+            <a:off x="2736073" y="544339"/>
+            <a:ext cx="886691" cy="161397"/>
+          </a:xfrm>
+          <a:prstGeom prst="line">
+            <a:avLst/>
+          </a:prstGeom>
+          <a:solidFill>
+            <a:schemeClr val="accent1"/>
+          </a:solidFill>
+          <a:ln w="9525" cap="flat" cmpd="sng" algn="ctr">
+            <a:solidFill>
+              <a:schemeClr val="tx1"/>
+            </a:solidFill>
+            <a:prstDash val="solid"/>
+            <a:round/>
+            <a:headEnd type="none" w="med" len="med"/>
+            <a:tailEnd type="none" w="med" len="med"/>
+          </a:ln>
+          <a:effectLst/>
+        </p:spPr>
+      </p:cxnSp>
+      <p:cxnSp>
+        <p:nvCxnSpPr>
+          <p:cNvPr id="108" name="Straight Connector 107">
+            <a:extLst>
+              <a:ext uri="{FF2B5EF4-FFF2-40B4-BE49-F238E27FC236}">
+                <a16:creationId xmlns:a16="http://schemas.microsoft.com/office/drawing/2014/main" id="{D9CD673E-CB4E-8048-BAEB-0D190D1EDE09}"/>
+              </a:ext>
+            </a:extLst>
+          </p:cNvPr>
+          <p:cNvCxnSpPr>
+            <a:stCxn id="86" idx="3"/>
+            <a:endCxn id="98" idx="1"/>
+          </p:cNvCxnSpPr>
+          <p:nvPr/>
+        </p:nvCxnSpPr>
+        <p:spPr bwMode="auto">
+          <a:xfrm>
+            <a:off x="5908764" y="544339"/>
+            <a:ext cx="621125" cy="93818"/>
+          </a:xfrm>
+          <a:prstGeom prst="line">
+            <a:avLst/>
+          </a:prstGeom>
+          <a:solidFill>
+            <a:schemeClr val="accent1"/>
+          </a:solidFill>
+          <a:ln w="9525" cap="flat" cmpd="sng" algn="ctr">
+            <a:solidFill>
+              <a:schemeClr val="tx1"/>
+            </a:solidFill>
+            <a:prstDash val="solid"/>
+            <a:round/>
+            <a:headEnd type="none" w="med" len="med"/>
+            <a:tailEnd type="none" w="med" len="med"/>
+          </a:ln>
+          <a:effectLst/>
+        </p:spPr>
+      </p:cxnSp>
+      <p:cxnSp>
+        <p:nvCxnSpPr>
+          <p:cNvPr id="111" name="Straight Connector 110">
+            <a:extLst>
+              <a:ext uri="{FF2B5EF4-FFF2-40B4-BE49-F238E27FC236}">
+                <a16:creationId xmlns:a16="http://schemas.microsoft.com/office/drawing/2014/main" id="{97DFE2AD-37FB-CA41-B7EC-EE32BE755409}"/>
+              </a:ext>
+            </a:extLst>
+          </p:cNvPr>
+          <p:cNvCxnSpPr>
+            <a:cxnSpLocks/>
+            <a:endCxn id="92" idx="0"/>
+          </p:cNvCxnSpPr>
+          <p:nvPr/>
+        </p:nvCxnSpPr>
+        <p:spPr bwMode="auto">
+          <a:xfrm flipH="1">
+            <a:off x="853654" y="1028745"/>
+            <a:ext cx="723341" cy="202867"/>
+          </a:xfrm>
+          <a:prstGeom prst="line">
+            <a:avLst/>
+          </a:prstGeom>
+          <a:solidFill>
+            <a:schemeClr val="accent1"/>
+          </a:solidFill>
+          <a:ln w="9525" cap="flat" cmpd="sng" algn="ctr">
+            <a:solidFill>
+              <a:schemeClr val="tx1"/>
+            </a:solidFill>
+            <a:prstDash val="solid"/>
+            <a:round/>
+            <a:headEnd type="none" w="med" len="med"/>
+            <a:tailEnd type="none" w="med" len="med"/>
+          </a:ln>
+          <a:effectLst/>
+        </p:spPr>
+      </p:cxnSp>
+      <p:cxnSp>
+        <p:nvCxnSpPr>
+          <p:cNvPr id="114" name="Straight Connector 113">
+            <a:extLst>
+              <a:ext uri="{FF2B5EF4-FFF2-40B4-BE49-F238E27FC236}">
+                <a16:creationId xmlns:a16="http://schemas.microsoft.com/office/drawing/2014/main" id="{2C368C99-D893-6A4B-A463-98AE2DFD4627}"/>
+              </a:ext>
+            </a:extLst>
+          </p:cNvPr>
+          <p:cNvCxnSpPr>
+            <a:cxnSpLocks/>
+            <a:stCxn id="89" idx="2"/>
+            <a:endCxn id="102" idx="0"/>
+          </p:cNvCxnSpPr>
+          <p:nvPr/>
+        </p:nvCxnSpPr>
+        <p:spPr bwMode="auto">
+          <a:xfrm>
+            <a:off x="1731619" y="1028745"/>
+            <a:ext cx="601321" cy="219728"/>
+          </a:xfrm>
+          <a:prstGeom prst="line">
+            <a:avLst/>
+          </a:prstGeom>
+          <a:solidFill>
+            <a:schemeClr val="accent1"/>
+          </a:solidFill>
+          <a:ln w="9525" cap="flat" cmpd="sng" algn="ctr">
+            <a:solidFill>
+              <a:schemeClr val="tx1"/>
+            </a:solidFill>
+            <a:prstDash val="solid"/>
+            <a:round/>
+            <a:headEnd type="none" w="med" len="med"/>
+            <a:tailEnd type="none" w="med" len="med"/>
+          </a:ln>
+          <a:effectLst/>
+        </p:spPr>
+      </p:cxnSp>
+      <p:cxnSp>
+        <p:nvCxnSpPr>
+          <p:cNvPr id="117" name="Straight Connector 116">
+            <a:extLst>
+              <a:ext uri="{FF2B5EF4-FFF2-40B4-BE49-F238E27FC236}">
+                <a16:creationId xmlns:a16="http://schemas.microsoft.com/office/drawing/2014/main" id="{A741B844-55FA-9C41-85EC-87E8FDFD6A0A}"/>
+              </a:ext>
+            </a:extLst>
+          </p:cNvPr>
+          <p:cNvCxnSpPr>
+            <a:cxnSpLocks/>
+            <a:stCxn id="98" idx="2"/>
+          </p:cNvCxnSpPr>
+          <p:nvPr/>
+        </p:nvCxnSpPr>
+        <p:spPr bwMode="auto">
+          <a:xfrm flipH="1">
+            <a:off x="6738984" y="922474"/>
+            <a:ext cx="807895" cy="285456"/>
+          </a:xfrm>
+          <a:prstGeom prst="line">
+            <a:avLst/>
+          </a:prstGeom>
+          <a:solidFill>
+            <a:schemeClr val="accent1"/>
+          </a:solidFill>
+          <a:ln w="9525" cap="flat" cmpd="sng" algn="ctr">
+            <a:solidFill>
+              <a:schemeClr val="tx1"/>
+            </a:solidFill>
+            <a:prstDash val="solid"/>
+            <a:round/>
+            <a:headEnd type="none" w="med" len="med"/>
+            <a:tailEnd type="none" w="med" len="med"/>
+          </a:ln>
+          <a:effectLst/>
+        </p:spPr>
+      </p:cxnSp>
+      <p:cxnSp>
+        <p:nvCxnSpPr>
+          <p:cNvPr id="121" name="Straight Connector 120">
+            <a:extLst>
+              <a:ext uri="{FF2B5EF4-FFF2-40B4-BE49-F238E27FC236}">
+                <a16:creationId xmlns:a16="http://schemas.microsoft.com/office/drawing/2014/main" id="{63072ABE-01F2-1A47-B0FA-6D6329563274}"/>
+              </a:ext>
+            </a:extLst>
+          </p:cNvPr>
+          <p:cNvCxnSpPr>
+            <a:cxnSpLocks/>
+            <a:stCxn id="98" idx="2"/>
+          </p:cNvCxnSpPr>
+          <p:nvPr/>
+        </p:nvCxnSpPr>
+        <p:spPr bwMode="auto">
+          <a:xfrm>
+            <a:off x="7546879" y="922474"/>
+            <a:ext cx="725436" cy="279648"/>
+          </a:xfrm>
+          <a:prstGeom prst="line">
+            <a:avLst/>
+          </a:prstGeom>
+          <a:solidFill>
+            <a:schemeClr val="accent1"/>
+          </a:solidFill>
+          <a:ln w="9525" cap="flat" cmpd="sng" algn="ctr">
+            <a:solidFill>
+              <a:schemeClr val="tx1"/>
+            </a:solidFill>
+            <a:prstDash val="solid"/>
+            <a:round/>
+            <a:headEnd type="none" w="med" len="med"/>
+            <a:tailEnd type="none" w="med" len="med"/>
+          </a:ln>
+          <a:effectLst/>
+        </p:spPr>
+      </p:cxnSp>
+      <p:sp>
+        <p:nvSpPr>
+          <p:cNvPr id="125" name="Rounded Rectangle 124">
+            <a:extLst>
+              <a:ext uri="{FF2B5EF4-FFF2-40B4-BE49-F238E27FC236}">
+                <a16:creationId xmlns:a16="http://schemas.microsoft.com/office/drawing/2014/main" id="{47A8F246-9947-DC40-B721-1BBDA1B4B321}"/>
+              </a:ext>
+            </a:extLst>
+          </p:cNvPr>
+          <p:cNvSpPr/>
+          <p:nvPr/>
+        </p:nvSpPr>
+        <p:spPr bwMode="auto">
+          <a:xfrm>
+            <a:off x="5791200" y="1207930"/>
+            <a:ext cx="1549403" cy="744425"/>
+          </a:xfrm>
+          <a:prstGeom prst="roundRect">
+            <a:avLst/>
+          </a:prstGeom>
+          <a:solidFill>
+            <a:schemeClr val="bg1"/>
+          </a:solidFill>
+          <a:ln w="6350" cap="flat" cmpd="sng" algn="ctr">
+            <a:solidFill>
+              <a:schemeClr val="tx1"/>
+            </a:solidFill>
+            <a:prstDash val="solid"/>
+            <a:round/>
+            <a:headEnd type="none" w="med" len="med"/>
+            <a:tailEnd type="none" w="med" len="med"/>
+          </a:ln>
+          <a:effectLst/>
+        </p:spPr>
+        <p:txBody>
+          <a:bodyPr vert="horz" wrap="square" lIns="91440" tIns="45720" rIns="91440" bIns="45720" numCol="1" rtlCol="0" anchor="t" anchorCtr="0" compatLnSpc="1">
+            <a:prstTxWarp prst="textNoShape">
+              <a:avLst/>
+            </a:prstTxWarp>
+          </a:bodyPr>
+          <a:lstStyle/>
+          <a:p>
+            <a:pPr marL="0" marR="0" indent="0" algn="ctr" defTabSz="914400" rtl="0" eaLnBrk="1" fontAlgn="base" latinLnBrk="0" hangingPunct="1">
+              <a:lnSpc>
+                <a:spcPct val="100000"/>
+              </a:lnSpc>
+              <a:spcBef>
+                <a:spcPct val="0"/>
+              </a:spcBef>
+              <a:spcAft>
+                <a:spcPct val="0"/>
+              </a:spcAft>
+              <a:buClrTx/>
+              <a:buSzTx/>
+              <a:buFontTx/>
+              <a:buNone/>
+              <a:tabLst/>
+            </a:pPr>
+            <a:r>
+              <a:rPr lang="en-US" sz="1400" b="0" dirty="0">
+                <a:latin typeface="Arial" pitchFamily="-112" charset="0"/>
+                <a:ea typeface="Arial" pitchFamily="-112" charset="0"/>
+                <a:cs typeface="Arial" pitchFamily="-112" charset="0"/>
+              </a:rPr>
+              <a:t>scale dependent variable</a:t>
+            </a:r>
+            <a:endParaRPr kumimoji="0" lang="en-US" sz="1400" b="0" i="0" u="none" strike="noStrike" cap="none" normalizeH="0" baseline="0" dirty="0">
+              <a:ln>
+                <a:noFill/>
+              </a:ln>
+              <a:solidFill>
+                <a:schemeClr val="tx1"/>
+              </a:solidFill>
+              <a:effectLst/>
+              <a:latin typeface="Arial" pitchFamily="-112" charset="0"/>
+              <a:ea typeface="Arial" pitchFamily="-112" charset="0"/>
+              <a:cs typeface="Arial" pitchFamily="-112" charset="0"/>
+            </a:endParaRPr>
+          </a:p>
+        </p:txBody>
+      </p:sp>
+      <p:sp>
+        <p:nvSpPr>
+          <p:cNvPr id="128" name="Rounded Rectangle 127">
+            <a:extLst>
+              <a:ext uri="{FF2B5EF4-FFF2-40B4-BE49-F238E27FC236}">
+                <a16:creationId xmlns:a16="http://schemas.microsoft.com/office/drawing/2014/main" id="{BAF6C5C3-F647-9D4E-B244-763F117EF843}"/>
+              </a:ext>
+            </a:extLst>
+          </p:cNvPr>
+          <p:cNvSpPr/>
+          <p:nvPr/>
+        </p:nvSpPr>
+        <p:spPr bwMode="auto">
+          <a:xfrm>
+            <a:off x="7437992" y="1202122"/>
+            <a:ext cx="1553607" cy="727564"/>
+          </a:xfrm>
+          <a:prstGeom prst="roundRect">
+            <a:avLst/>
+          </a:prstGeom>
+          <a:solidFill>
+            <a:schemeClr val="bg1"/>
+          </a:solidFill>
+          <a:ln w="6350" cap="flat" cmpd="sng" algn="ctr">
+            <a:solidFill>
+              <a:schemeClr val="tx1"/>
+            </a:solidFill>
+            <a:prstDash val="solid"/>
+            <a:round/>
+            <a:headEnd type="none" w="med" len="med"/>
+            <a:tailEnd type="none" w="med" len="med"/>
+          </a:ln>
+          <a:effectLst/>
+        </p:spPr>
+        <p:txBody>
+          <a:bodyPr vert="horz" wrap="square" lIns="91440" tIns="45720" rIns="91440" bIns="45720" numCol="1" rtlCol="0" anchor="t" anchorCtr="0" compatLnSpc="1">
+            <a:prstTxWarp prst="textNoShape">
+              <a:avLst/>
+            </a:prstTxWarp>
+          </a:bodyPr>
+          <a:lstStyle/>
+          <a:p>
+            <a:pPr marL="0" marR="0" indent="0" algn="ctr" defTabSz="914400" rtl="0" eaLnBrk="1" fontAlgn="base" latinLnBrk="0" hangingPunct="1">
+              <a:lnSpc>
+                <a:spcPct val="100000"/>
+              </a:lnSpc>
+              <a:spcBef>
+                <a:spcPct val="0"/>
+              </a:spcBef>
+              <a:spcAft>
+                <a:spcPct val="0"/>
+              </a:spcAft>
+              <a:buClrTx/>
+              <a:buSzTx/>
+              <a:buFontTx/>
+              <a:buNone/>
+              <a:tabLst/>
+            </a:pPr>
+            <a:r>
+              <a:rPr lang="en-US" sz="1400" b="0" dirty="0">
+                <a:latin typeface="Arial" pitchFamily="-112" charset="0"/>
+                <a:ea typeface="Arial" pitchFamily="-112" charset="0"/>
+                <a:cs typeface="Arial" pitchFamily="-112" charset="0"/>
+              </a:rPr>
+              <a:t>categorical dependent variable</a:t>
+            </a:r>
+            <a:endParaRPr kumimoji="0" lang="en-US" sz="1400" b="0" i="0" u="none" strike="noStrike" cap="none" normalizeH="0" baseline="0" dirty="0">
+              <a:ln>
+                <a:noFill/>
+              </a:ln>
+              <a:solidFill>
+                <a:schemeClr val="tx1"/>
+              </a:solidFill>
+              <a:effectLst/>
+              <a:latin typeface="Arial" pitchFamily="-112" charset="0"/>
+              <a:ea typeface="Arial" pitchFamily="-112" charset="0"/>
+              <a:cs typeface="Arial" pitchFamily="-112" charset="0"/>
+            </a:endParaRPr>
+          </a:p>
+        </p:txBody>
+      </p:sp>
+      <p:sp>
+        <p:nvSpPr>
+          <p:cNvPr id="131" name="Freeform 130">
+            <a:extLst>
+              <a:ext uri="{FF2B5EF4-FFF2-40B4-BE49-F238E27FC236}">
+                <a16:creationId xmlns:a16="http://schemas.microsoft.com/office/drawing/2014/main" id="{7B4343E5-336E-274A-8A17-129183F15161}"/>
+              </a:ext>
+            </a:extLst>
+          </p:cNvPr>
+          <p:cNvSpPr/>
+          <p:nvPr/>
+        </p:nvSpPr>
+        <p:spPr bwMode="auto">
+          <a:xfrm>
+            <a:off x="-235131" y="0"/>
+            <a:ext cx="9379131" cy="6923314"/>
           </a:xfrm>
           <a:custGeom>
             <a:avLst/>
@@ -37569,33 +37553,224 @@
       </p:sp>
       <p:sp>
         <p:nvSpPr>
-          <p:cNvPr id="82" name="Title 7">
+          <p:cNvPr id="134" name="Title 7">
             <a:extLst>
               <a:ext uri="{FF2B5EF4-FFF2-40B4-BE49-F238E27FC236}">
-                <a16:creationId xmlns:a16="http://schemas.microsoft.com/office/drawing/2014/main" id="{EF707E4D-7F7F-C246-92E0-23352871B3EE}"/>
+                <a16:creationId xmlns:a16="http://schemas.microsoft.com/office/drawing/2014/main" id="{C8D4068A-8124-D548-9725-BF9486C49FD4}"/>
               </a:ext>
             </a:extLst>
           </p:cNvPr>
-          <p:cNvSpPr>
-            <a:spLocks noGrp="1"/>
+          <p:cNvSpPr txBox="1">
+            <a:spLocks/>
           </p:cNvSpPr>
-          <p:nvPr>
-            <p:ph type="title"/>
-          </p:nvPr>
+          <p:nvPr/>
         </p:nvSpPr>
-        <p:spPr>
+        <p:spPr bwMode="auto">
           <a:xfrm>
             <a:off x="-4344151" y="5889562"/>
             <a:ext cx="6754586" cy="685800"/>
           </a:xfrm>
+          <a:prstGeom prst="rect">
+            <a:avLst/>
+          </a:prstGeom>
+          <a:noFill/>
+          <a:ln>
+            <a:noFill/>
+          </a:ln>
+          <a:extLst>
+            <a:ext uri="{909E8E84-426E-40dd-AFC4-6F175D3DCCD1}">
+              <a14:hiddenFill xmlns:a14="http://schemas.microsoft.com/office/drawing/2010/main" xmlns="">
+                <a:solidFill>
+                  <a:srgbClr val="FFFFFF"/>
+                </a:solidFill>
+              </a14:hiddenFill>
+            </a:ext>
+            <a:ext uri="{91240B29-F687-4f45-9708-019B960494DF}">
+              <a14:hiddenLine xmlns:a14="http://schemas.microsoft.com/office/drawing/2010/main" xmlns="" w="9525">
+                <a:solidFill>
+                  <a:srgbClr val="000000"/>
+                </a:solidFill>
+                <a:miter lim="800000"/>
+                <a:headEnd/>
+                <a:tailEnd/>
+              </a14:hiddenLine>
+            </a:ext>
+            <a:ext uri="{FAA26D3D-D897-4be2-8F04-BA451C77F1D7}">
+              <ma14:placeholderFlag xmlns:ma14="http://schemas.microsoft.com/office/mac/drawingml/2011/main" xmlns="" val="1"/>
+            </a:ext>
+          </a:extLst>
         </p:spPr>
         <p:txBody>
-          <a:bodyPr/>
-          <a:lstStyle/>
+          <a:bodyPr vert="horz" wrap="square" lIns="91440" tIns="45720" rIns="91440" bIns="45720" numCol="1" anchor="t" anchorCtr="0" compatLnSpc="1">
+            <a:prstTxWarp prst="textNoShape">
+              <a:avLst/>
+            </a:prstTxWarp>
+          </a:bodyPr>
+          <a:lstStyle>
+            <a:lvl1pPr algn="l" rtl="0" eaLnBrk="0" fontAlgn="base" hangingPunct="0">
+              <a:lnSpc>
+                <a:spcPts val="5900"/>
+              </a:lnSpc>
+              <a:spcBef>
+                <a:spcPct val="0"/>
+              </a:spcBef>
+              <a:spcAft>
+                <a:spcPct val="0"/>
+              </a:spcAft>
+              <a:defRPr sz="7000" b="1">
+                <a:solidFill>
+                  <a:srgbClr val="404040"/>
+                </a:solidFill>
+                <a:latin typeface="+mj-lt"/>
+                <a:ea typeface="ＭＳ Ｐゴシック" charset="0"/>
+                <a:cs typeface="+mj-cs"/>
+              </a:defRPr>
+            </a:lvl1pPr>
+            <a:lvl2pPr algn="l" rtl="0" eaLnBrk="0" fontAlgn="base" hangingPunct="0">
+              <a:lnSpc>
+                <a:spcPts val="5900"/>
+              </a:lnSpc>
+              <a:spcBef>
+                <a:spcPct val="0"/>
+              </a:spcBef>
+              <a:spcAft>
+                <a:spcPct val="0"/>
+              </a:spcAft>
+              <a:defRPr sz="7000" b="1">
+                <a:solidFill>
+                  <a:srgbClr val="404040"/>
+                </a:solidFill>
+                <a:latin typeface="Arial" pitchFamily="-112" charset="0"/>
+                <a:ea typeface="ＭＳ Ｐゴシック" charset="0"/>
+                <a:cs typeface="Arial" pitchFamily="-112" charset="0"/>
+              </a:defRPr>
+            </a:lvl2pPr>
+            <a:lvl3pPr algn="l" rtl="0" eaLnBrk="0" fontAlgn="base" hangingPunct="0">
+              <a:lnSpc>
+                <a:spcPts val="5900"/>
+              </a:lnSpc>
+              <a:spcBef>
+                <a:spcPct val="0"/>
+              </a:spcBef>
+              <a:spcAft>
+                <a:spcPct val="0"/>
+              </a:spcAft>
+              <a:defRPr sz="7000" b="1">
+                <a:solidFill>
+                  <a:srgbClr val="404040"/>
+                </a:solidFill>
+                <a:latin typeface="Arial" pitchFamily="-112" charset="0"/>
+                <a:ea typeface="ＭＳ Ｐゴシック" charset="0"/>
+                <a:cs typeface="Arial" pitchFamily="-112" charset="0"/>
+              </a:defRPr>
+            </a:lvl3pPr>
+            <a:lvl4pPr algn="l" rtl="0" eaLnBrk="0" fontAlgn="base" hangingPunct="0">
+              <a:lnSpc>
+                <a:spcPts val="5900"/>
+              </a:lnSpc>
+              <a:spcBef>
+                <a:spcPct val="0"/>
+              </a:spcBef>
+              <a:spcAft>
+                <a:spcPct val="0"/>
+              </a:spcAft>
+              <a:defRPr sz="7000" b="1">
+                <a:solidFill>
+                  <a:srgbClr val="404040"/>
+                </a:solidFill>
+                <a:latin typeface="Arial" pitchFamily="-112" charset="0"/>
+                <a:ea typeface="ＭＳ Ｐゴシック" charset="0"/>
+                <a:cs typeface="Arial" pitchFamily="-112" charset="0"/>
+              </a:defRPr>
+            </a:lvl4pPr>
+            <a:lvl5pPr algn="l" rtl="0" eaLnBrk="0" fontAlgn="base" hangingPunct="0">
+              <a:lnSpc>
+                <a:spcPts val="5900"/>
+              </a:lnSpc>
+              <a:spcBef>
+                <a:spcPct val="0"/>
+              </a:spcBef>
+              <a:spcAft>
+                <a:spcPct val="0"/>
+              </a:spcAft>
+              <a:defRPr sz="7000" b="1">
+                <a:solidFill>
+                  <a:srgbClr val="404040"/>
+                </a:solidFill>
+                <a:latin typeface="Arial" pitchFamily="-112" charset="0"/>
+                <a:ea typeface="ＭＳ Ｐゴシック" charset="0"/>
+                <a:cs typeface="Arial" pitchFamily="-112" charset="0"/>
+              </a:defRPr>
+            </a:lvl5pPr>
+            <a:lvl6pPr marL="457200" algn="l" rtl="0" fontAlgn="base">
+              <a:spcBef>
+                <a:spcPct val="0"/>
+              </a:spcBef>
+              <a:spcAft>
+                <a:spcPct val="0"/>
+              </a:spcAft>
+              <a:defRPr sz="4400">
+                <a:solidFill>
+                  <a:schemeClr val="tx2"/>
+                </a:solidFill>
+                <a:latin typeface="Arial" pitchFamily="-112" charset="0"/>
+                <a:ea typeface="Arial" pitchFamily="-112" charset="0"/>
+                <a:cs typeface="Arial" pitchFamily="-112" charset="0"/>
+              </a:defRPr>
+            </a:lvl6pPr>
+            <a:lvl7pPr marL="914400" algn="l" rtl="0" fontAlgn="base">
+              <a:spcBef>
+                <a:spcPct val="0"/>
+              </a:spcBef>
+              <a:spcAft>
+                <a:spcPct val="0"/>
+              </a:spcAft>
+              <a:defRPr sz="4400">
+                <a:solidFill>
+                  <a:schemeClr val="tx2"/>
+                </a:solidFill>
+                <a:latin typeface="Arial" pitchFamily="-112" charset="0"/>
+                <a:ea typeface="Arial" pitchFamily="-112" charset="0"/>
+                <a:cs typeface="Arial" pitchFamily="-112" charset="0"/>
+              </a:defRPr>
+            </a:lvl7pPr>
+            <a:lvl8pPr marL="1371600" algn="l" rtl="0" fontAlgn="base">
+              <a:spcBef>
+                <a:spcPct val="0"/>
+              </a:spcBef>
+              <a:spcAft>
+                <a:spcPct val="0"/>
+              </a:spcAft>
+              <a:defRPr sz="4400">
+                <a:solidFill>
+                  <a:schemeClr val="tx2"/>
+                </a:solidFill>
+                <a:latin typeface="Arial" pitchFamily="-112" charset="0"/>
+                <a:ea typeface="Arial" pitchFamily="-112" charset="0"/>
+                <a:cs typeface="Arial" pitchFamily="-112" charset="0"/>
+              </a:defRPr>
+            </a:lvl8pPr>
+            <a:lvl9pPr marL="1828800" algn="l" rtl="0" fontAlgn="base">
+              <a:spcBef>
+                <a:spcPct val="0"/>
+              </a:spcBef>
+              <a:spcAft>
+                <a:spcPct val="0"/>
+              </a:spcAft>
+              <a:defRPr sz="4400">
+                <a:solidFill>
+                  <a:schemeClr val="tx2"/>
+                </a:solidFill>
+                <a:latin typeface="Arial" pitchFamily="-112" charset="0"/>
+                <a:ea typeface="Arial" pitchFamily="-112" charset="0"/>
+                <a:cs typeface="Arial" pitchFamily="-112" charset="0"/>
+              </a:defRPr>
+            </a:lvl9pPr>
+          </a:lstStyle>
           <a:p>
             <a:pPr algn="r" eaLnBrk="1" hangingPunct="1"/>
             <a:r>
-              <a:rPr lang="en-US" sz="8600" dirty="0">
+              <a:rPr lang="en-US" sz="8600" kern="0">
                 <a:solidFill>
                   <a:srgbClr val="A6A6A6"/>
                 </a:solidFill>
@@ -37604,6 +37779,13 @@
               </a:rPr>
               <a:t>next</a:t>
             </a:r>
+            <a:endParaRPr lang="en-US" sz="8600" kern="0" dirty="0">
+              <a:solidFill>
+                <a:srgbClr val="A6A6A6"/>
+              </a:solidFill>
+              <a:latin typeface="Arial" charset="0"/>
+              <a:cs typeface="Arial" charset="0"/>
+            </a:endParaRPr>
           </a:p>
         </p:txBody>
       </p:sp>
@@ -37737,14 +37919,14 @@
           </a:ln>
           <a:extLst>
             <a:ext uri="{909E8E84-426E-40dd-AFC4-6F175D3DCCD1}">
-              <a14:hiddenFill xmlns:a14="http://schemas.microsoft.com/office/drawing/2010/main" xmlns="">
+              <a14:hiddenFill xmlns="" xmlns:a14="http://schemas.microsoft.com/office/drawing/2010/main">
                 <a:solidFill>
                   <a:srgbClr val="FFFFFF"/>
                 </a:solidFill>
               </a14:hiddenFill>
             </a:ext>
             <a:ext uri="{91240B29-F687-4f45-9708-019B960494DF}">
-              <a14:hiddenLine xmlns:a14="http://schemas.microsoft.com/office/drawing/2010/main" xmlns="" w="9525">
+              <a14:hiddenLine xmlns="" xmlns:a14="http://schemas.microsoft.com/office/drawing/2010/main" w="9525">
                 <a:solidFill>
                   <a:srgbClr val="000000"/>
                 </a:solidFill>
@@ -37754,7 +37936,7 @@
               </a14:hiddenLine>
             </a:ext>
             <a:ext uri="{FAA26D3D-D897-4be2-8F04-BA451C77F1D7}">
-              <ma14:placeholderFlag xmlns:ma14="http://schemas.microsoft.com/office/mac/drawingml/2011/main" xmlns="" val="1"/>
+              <ma14:placeholderFlag xmlns="" xmlns:ma14="http://schemas.microsoft.com/office/mac/drawingml/2011/main" val="1"/>
             </a:ext>
           </a:extLst>
         </p:spPr>
@@ -39568,14 +39750,14 @@
           </a:ln>
           <a:extLst>
             <a:ext uri="{909E8E84-426E-40dd-AFC4-6F175D3DCCD1}">
-              <a14:hiddenFill xmlns:a14="http://schemas.microsoft.com/office/drawing/2010/main" xmlns="">
+              <a14:hiddenFill xmlns="" xmlns:a14="http://schemas.microsoft.com/office/drawing/2010/main">
                 <a:solidFill>
                   <a:srgbClr val="FFFFFF"/>
                 </a:solidFill>
               </a14:hiddenFill>
             </a:ext>
             <a:ext uri="{91240B29-F687-4f45-9708-019B960494DF}">
-              <a14:hiddenLine xmlns:a14="http://schemas.microsoft.com/office/drawing/2010/main" xmlns="" w="9525">
+              <a14:hiddenLine xmlns="" xmlns:a14="http://schemas.microsoft.com/office/drawing/2010/main" w="9525">
                 <a:solidFill>
                   <a:srgbClr val="000000"/>
                 </a:solidFill>
@@ -39585,7 +39767,7 @@
               </a14:hiddenLine>
             </a:ext>
             <a:ext uri="{FAA26D3D-D897-4be2-8F04-BA451C77F1D7}">
-              <ma14:placeholderFlag xmlns:ma14="http://schemas.microsoft.com/office/mac/drawingml/2011/main" xmlns="" val="1"/>
+              <ma14:placeholderFlag xmlns="" xmlns:ma14="http://schemas.microsoft.com/office/mac/drawingml/2011/main" val="1"/>
             </a:ext>
           </a:extLst>
         </p:spPr>
@@ -41460,14 +41642,14 @@
           </a:ln>
           <a:extLst>
             <a:ext uri="{909E8E84-426E-40dd-AFC4-6F175D3DCCD1}">
-              <a14:hiddenFill xmlns:a14="http://schemas.microsoft.com/office/drawing/2010/main" xmlns="">
+              <a14:hiddenFill xmlns="" xmlns:a14="http://schemas.microsoft.com/office/drawing/2010/main">
                 <a:solidFill>
                   <a:srgbClr val="FFFFFF"/>
                 </a:solidFill>
               </a14:hiddenFill>
             </a:ext>
             <a:ext uri="{91240B29-F687-4f45-9708-019B960494DF}">
-              <a14:hiddenLine xmlns:a14="http://schemas.microsoft.com/office/drawing/2010/main" xmlns="" w="9525">
+              <a14:hiddenLine xmlns="" xmlns:a14="http://schemas.microsoft.com/office/drawing/2010/main" w="9525">
                 <a:solidFill>
                   <a:srgbClr val="000000"/>
                 </a:solidFill>
@@ -41477,7 +41659,7 @@
               </a14:hiddenLine>
             </a:ext>
             <a:ext uri="{FAA26D3D-D897-4be2-8F04-BA451C77F1D7}">
-              <ma14:placeholderFlag xmlns:ma14="http://schemas.microsoft.com/office/mac/drawingml/2011/main" xmlns="" val="1"/>
+              <ma14:placeholderFlag xmlns="" xmlns:ma14="http://schemas.microsoft.com/office/mac/drawingml/2011/main" val="1"/>
             </a:ext>
           </a:extLst>
         </p:spPr>
